--- a/Slidesv2.pptx
+++ b/Slidesv2.pptx
@@ -5,7 +5,7 @@
     <p:sldMasterId id="2147483648" r:id="rId1"/>
   </p:sldMasterIdLst>
   <p:notesMasterIdLst>
-    <p:notesMasterId r:id="rId29"/>
+    <p:notesMasterId r:id="rId34"/>
   </p:notesMasterIdLst>
   <p:sldIdLst>
     <p:sldId id="269" r:id="rId2"/>
@@ -31,10 +31,15 @@
     <p:sldId id="279" r:id="rId22"/>
     <p:sldId id="521" r:id="rId23"/>
     <p:sldId id="274" r:id="rId24"/>
-    <p:sldId id="275" r:id="rId25"/>
-    <p:sldId id="278" r:id="rId26"/>
-    <p:sldId id="267" r:id="rId27"/>
-    <p:sldId id="266" r:id="rId28"/>
+    <p:sldId id="522" r:id="rId25"/>
+    <p:sldId id="275" r:id="rId26"/>
+    <p:sldId id="278" r:id="rId27"/>
+    <p:sldId id="267" r:id="rId28"/>
+    <p:sldId id="523" r:id="rId29"/>
+    <p:sldId id="526" r:id="rId30"/>
+    <p:sldId id="525" r:id="rId31"/>
+    <p:sldId id="524" r:id="rId32"/>
+    <p:sldId id="266" r:id="rId33"/>
   </p:sldIdLst>
   <p:sldSz cx="12192000" cy="6858000"/>
   <p:notesSz cx="6858000" cy="9144000"/>
@@ -2280,7 +2285,7 @@
       </p:grpSpPr>
       <p:sp>
         <p:nvSpPr>
-          <p:cNvPr id="2" name="Slide Image Placeholder 1"/>
+          <p:cNvPr id="2" name="Folienbildplatzhalter 1"/>
           <p:cNvSpPr>
             <a:spLocks noGrp="1" noRot="1" noChangeAspect="1"/>
           </p:cNvSpPr>
@@ -2292,7 +2297,7 @@
       </p:sp>
       <p:sp>
         <p:nvSpPr>
-          <p:cNvPr id="3" name="Notes Placeholder 2"/>
+          <p:cNvPr id="3" name="Notizenplatzhalter 2"/>
           <p:cNvSpPr>
             <a:spLocks noGrp="1"/>
           </p:cNvSpPr>
@@ -2305,351 +2310,284 @@
           <a:bodyPr/>
           <a:lstStyle/>
           <a:p>
-            <a:pPr algn="l">
-              <a:buFont typeface="+mj-lt"/>
-              <a:buAutoNum type="arabicPeriod"/>
+            <a:pPr marL="0" marR="0" lvl="0" indent="0" algn="l" defTabSz="914400" rtl="0" eaLnBrk="1" fontAlgn="auto" latinLnBrk="0" hangingPunct="1">
+              <a:lnSpc>
+                <a:spcPct val="100000"/>
+              </a:lnSpc>
+              <a:spcBef>
+                <a:spcPts val="0"/>
+              </a:spcBef>
+              <a:spcAft>
+                <a:spcPts val="0"/>
+              </a:spcAft>
+              <a:buClrTx/>
+              <a:buSzTx/>
+              <a:buFontTx/>
+              <a:buNone/>
+              <a:tabLst/>
+              <a:defRPr/>
             </a:pPr>
             <a:r>
-              <a:rPr lang="en-US" b="1" i="0" dirty="0" err="1">
-                <a:solidFill>
-                  <a:srgbClr val="000000"/>
-                </a:solidFill>
-                <a:effectLst/>
-                <a:latin typeface="Calibri" panose="020F0502020204030204" pitchFamily="34" charset="0"/>
-              </a:rPr>
-              <a:t>Vergleich</a:t>
-            </a:r>
-            <a:r>
-              <a:rPr lang="en-US" b="1" i="0" dirty="0">
-                <a:solidFill>
-                  <a:srgbClr val="000000"/>
-                </a:solidFill>
-                <a:effectLst/>
-                <a:latin typeface="Calibri" panose="020F0502020204030204" pitchFamily="34" charset="0"/>
-              </a:rPr>
-              <a:t> Tabular Model und Multidimensional Modelling (</a:t>
-            </a:r>
-            <a:r>
-              <a:rPr lang="en-US" b="1" i="0" dirty="0" err="1">
-                <a:solidFill>
-                  <a:srgbClr val="000000"/>
-                </a:solidFill>
-                <a:effectLst/>
-                <a:latin typeface="Calibri" panose="020F0502020204030204" pitchFamily="34" charset="0"/>
-              </a:rPr>
-              <a:t>Vorteile</a:t>
-            </a:r>
-            <a:r>
-              <a:rPr lang="en-US" b="1" i="0" dirty="0">
-                <a:solidFill>
-                  <a:srgbClr val="000000"/>
-                </a:solidFill>
-                <a:effectLst/>
-                <a:latin typeface="Calibri" panose="020F0502020204030204" pitchFamily="34" charset="0"/>
-              </a:rPr>
-              <a:t>, </a:t>
-            </a:r>
-            <a:r>
-              <a:rPr lang="en-US" b="1" i="0" dirty="0" err="1">
-                <a:solidFill>
-                  <a:srgbClr val="000000"/>
-                </a:solidFill>
-                <a:effectLst/>
-                <a:latin typeface="Calibri" panose="020F0502020204030204" pitchFamily="34" charset="0"/>
-              </a:rPr>
-              <a:t>Nachteile</a:t>
-            </a:r>
-            <a:r>
-              <a:rPr lang="en-US" b="1" i="0" dirty="0">
-                <a:solidFill>
-                  <a:srgbClr val="000000"/>
-                </a:solidFill>
-                <a:effectLst/>
-                <a:latin typeface="Calibri" panose="020F0502020204030204" pitchFamily="34" charset="0"/>
-              </a:rPr>
-              <a:t>, </a:t>
-            </a:r>
-            <a:r>
-              <a:rPr lang="en-US" b="1" i="0" dirty="0" err="1">
-                <a:solidFill>
-                  <a:srgbClr val="000000"/>
-                </a:solidFill>
-                <a:effectLst/>
-                <a:latin typeface="Calibri" panose="020F0502020204030204" pitchFamily="34" charset="0"/>
-              </a:rPr>
-              <a:t>Limitierungen</a:t>
-            </a:r>
-            <a:r>
-              <a:rPr lang="en-US" b="1" i="0" dirty="0">
-                <a:solidFill>
-                  <a:srgbClr val="000000"/>
-                </a:solidFill>
-                <a:effectLst/>
-                <a:latin typeface="Calibri" panose="020F0502020204030204" pitchFamily="34" charset="0"/>
-              </a:rPr>
-              <a:t>)</a:t>
-            </a:r>
-            <a:endParaRPr lang="en-US" b="0" i="0" dirty="0">
-              <a:solidFill>
-                <a:srgbClr val="000000"/>
-              </a:solidFill>
-              <a:effectLst/>
-              <a:latin typeface="Calibri" panose="020F0502020204030204" pitchFamily="34" charset="0"/>
-            </a:endParaRPr>
-          </a:p>
-          <a:p>
-            <a:pPr algn="l">
-              <a:buFont typeface="+mj-lt"/>
-              <a:buAutoNum type="arabicPeriod"/>
-            </a:pPr>
-            <a:r>
-              <a:rPr lang="en-US" b="1" i="0" dirty="0">
-                <a:solidFill>
-                  <a:srgbClr val="000000"/>
-                </a:solidFill>
-                <a:effectLst/>
-                <a:latin typeface="Calibri" panose="020F0502020204030204" pitchFamily="34" charset="0"/>
-              </a:rPr>
-              <a:t>Row Level Security </a:t>
-            </a:r>
-            <a:r>
-              <a:rPr lang="en-US" b="1" i="0" dirty="0" err="1">
-                <a:solidFill>
-                  <a:srgbClr val="000000"/>
-                </a:solidFill>
-                <a:effectLst/>
-                <a:latin typeface="Calibri" panose="020F0502020204030204" pitchFamily="34" charset="0"/>
-              </a:rPr>
-              <a:t>im</a:t>
-            </a:r>
-            <a:r>
-              <a:rPr lang="en-US" b="1" i="0" dirty="0">
-                <a:solidFill>
-                  <a:srgbClr val="000000"/>
-                </a:solidFill>
-                <a:effectLst/>
-                <a:latin typeface="Calibri" panose="020F0502020204030204" pitchFamily="34" charset="0"/>
-              </a:rPr>
-              <a:t> SQL Server und </a:t>
-            </a:r>
-            <a:r>
-              <a:rPr lang="en-US" b="1" i="0" dirty="0" err="1">
-                <a:solidFill>
-                  <a:srgbClr val="000000"/>
-                </a:solidFill>
-                <a:effectLst/>
-                <a:latin typeface="Calibri" panose="020F0502020204030204" pitchFamily="34" charset="0"/>
-              </a:rPr>
-              <a:t>im</a:t>
-            </a:r>
-            <a:r>
-              <a:rPr lang="en-US" b="1" i="0" dirty="0">
-                <a:solidFill>
-                  <a:srgbClr val="000000"/>
-                </a:solidFill>
-                <a:effectLst/>
-                <a:latin typeface="Calibri" panose="020F0502020204030204" pitchFamily="34" charset="0"/>
-              </a:rPr>
-              <a:t> Tabular Model </a:t>
-            </a:r>
-            <a:endParaRPr lang="en-US" b="0" i="0" dirty="0">
-              <a:solidFill>
-                <a:srgbClr val="000000"/>
-              </a:solidFill>
-              <a:effectLst/>
-              <a:latin typeface="Calibri" panose="020F0502020204030204" pitchFamily="34" charset="0"/>
-            </a:endParaRPr>
-          </a:p>
-          <a:p>
-            <a:pPr algn="l">
-              <a:buFont typeface="+mj-lt"/>
-              <a:buAutoNum type="arabicPeriod"/>
-            </a:pPr>
-            <a:r>
-              <a:rPr lang="en-US" b="1" i="0" dirty="0">
-                <a:solidFill>
-                  <a:srgbClr val="000000"/>
-                </a:solidFill>
-                <a:effectLst/>
-                <a:latin typeface="Calibri" panose="020F0502020204030204" pitchFamily="34" charset="0"/>
-              </a:rPr>
-              <a:t>Direct Query Vs </a:t>
-            </a:r>
-            <a:r>
-              <a:rPr lang="en-US" b="1" i="0" dirty="0" err="1">
-                <a:solidFill>
-                  <a:srgbClr val="000000"/>
-                </a:solidFill>
-                <a:effectLst/>
-                <a:latin typeface="Calibri" panose="020F0502020204030204" pitchFamily="34" charset="0"/>
-              </a:rPr>
-              <a:t>InMemory</a:t>
-            </a:r>
-            <a:endParaRPr lang="en-US" b="0" i="0" dirty="0">
-              <a:solidFill>
-                <a:srgbClr val="000000"/>
-              </a:solidFill>
-              <a:effectLst/>
-              <a:latin typeface="Calibri" panose="020F0502020204030204" pitchFamily="34" charset="0"/>
-            </a:endParaRPr>
-          </a:p>
-          <a:p>
-            <a:pPr algn="l">
-              <a:buFont typeface="+mj-lt"/>
-              <a:buAutoNum type="arabicPeriod"/>
-            </a:pPr>
-            <a:r>
-              <a:rPr lang="en-US" b="1" i="0" dirty="0">
-                <a:solidFill>
-                  <a:srgbClr val="000000"/>
-                </a:solidFill>
-                <a:effectLst/>
-                <a:latin typeface="Calibri" panose="020F0502020204030204" pitchFamily="34" charset="0"/>
-              </a:rPr>
-              <a:t>Processing Options</a:t>
-            </a:r>
-            <a:endParaRPr lang="en-US" b="0" i="0" dirty="0">
-              <a:solidFill>
-                <a:srgbClr val="000000"/>
-              </a:solidFill>
-              <a:effectLst/>
-              <a:latin typeface="Calibri" panose="020F0502020204030204" pitchFamily="34" charset="0"/>
-            </a:endParaRPr>
-          </a:p>
-          <a:p>
-            <a:pPr algn="l">
-              <a:buFont typeface="+mj-lt"/>
-              <a:buAutoNum type="arabicPeriod"/>
-            </a:pPr>
-            <a:r>
-              <a:rPr lang="en-US" b="1" i="0" dirty="0">
-                <a:solidFill>
-                  <a:srgbClr val="000000"/>
-                </a:solidFill>
-                <a:effectLst/>
-                <a:latin typeface="Calibri" panose="020F0502020204030204" pitchFamily="34" charset="0"/>
-              </a:rPr>
-              <a:t>Deployment </a:t>
-            </a:r>
-            <a:r>
-              <a:rPr lang="en-US" b="1" i="0" dirty="0" err="1">
-                <a:solidFill>
-                  <a:srgbClr val="000000"/>
-                </a:solidFill>
-                <a:effectLst/>
-                <a:latin typeface="Calibri" panose="020F0502020204030204" pitchFamily="34" charset="0"/>
-              </a:rPr>
-              <a:t>Optionen</a:t>
-            </a:r>
-            <a:r>
-              <a:rPr lang="en-US" b="1" i="0" dirty="0">
-                <a:solidFill>
-                  <a:srgbClr val="000000"/>
-                </a:solidFill>
-                <a:effectLst/>
-                <a:latin typeface="Calibri" panose="020F0502020204030204" pitchFamily="34" charset="0"/>
-              </a:rPr>
-              <a:t> (OnPrem </a:t>
-            </a:r>
-            <a:r>
-              <a:rPr lang="en-US" b="1" i="0" dirty="0" err="1">
-                <a:solidFill>
-                  <a:srgbClr val="000000"/>
-                </a:solidFill>
-                <a:effectLst/>
-                <a:latin typeface="Calibri" panose="020F0502020204030204" pitchFamily="34" charset="0"/>
-              </a:rPr>
-              <a:t>Dienst</a:t>
-            </a:r>
-            <a:r>
-              <a:rPr lang="en-US" b="1" i="0" dirty="0">
-                <a:solidFill>
-                  <a:srgbClr val="000000"/>
-                </a:solidFill>
-                <a:effectLst/>
-                <a:latin typeface="Calibri" panose="020F0502020204030204" pitchFamily="34" charset="0"/>
-              </a:rPr>
-              <a:t> / Azure) </a:t>
-            </a:r>
-            <a:endParaRPr lang="en-US" b="0" i="0" dirty="0">
-              <a:solidFill>
-                <a:srgbClr val="000000"/>
-              </a:solidFill>
-              <a:effectLst/>
-              <a:latin typeface="Calibri" panose="020F0502020204030204" pitchFamily="34" charset="0"/>
-            </a:endParaRPr>
-          </a:p>
-          <a:p>
-            <a:pPr algn="l">
-              <a:buFont typeface="+mj-lt"/>
-              <a:buAutoNum type="arabicPeriod"/>
-            </a:pPr>
-            <a:r>
-              <a:rPr lang="en-US" b="1" i="0" dirty="0">
-                <a:solidFill>
-                  <a:srgbClr val="000000"/>
-                </a:solidFill>
-                <a:effectLst/>
-                <a:latin typeface="Calibri" panose="020F0502020204030204" pitchFamily="34" charset="0"/>
-              </a:rPr>
-              <a:t>Eine </a:t>
-            </a:r>
-            <a:r>
-              <a:rPr lang="en-US" b="1" i="0" dirty="0" err="1">
-                <a:solidFill>
-                  <a:srgbClr val="000000"/>
-                </a:solidFill>
-                <a:effectLst/>
-                <a:latin typeface="Calibri" panose="020F0502020204030204" pitchFamily="34" charset="0"/>
-              </a:rPr>
-              <a:t>kurze</a:t>
-            </a:r>
-            <a:r>
-              <a:rPr lang="en-US" b="1" i="0" dirty="0">
-                <a:solidFill>
-                  <a:srgbClr val="000000"/>
-                </a:solidFill>
-                <a:effectLst/>
-                <a:latin typeface="Calibri" panose="020F0502020204030204" pitchFamily="34" charset="0"/>
-              </a:rPr>
+              <a:rPr lang="en-US" dirty="0"/>
+              <a:t>The Process Full operation at a database level is the easiest way to </a:t>
+            </a:r>
+            <a:r>
+              <a:rPr lang="en-US" b="1" dirty="0"/>
+              <a:t>refresh all</a:t>
+            </a:r>
+            <a:r>
+              <a:rPr lang="en-US" dirty="0"/>
+              <a:t> the tables and the related structures of a Tabular model </a:t>
+            </a:r>
+            <a:r>
+              <a:rPr lang="en-US" b="1" dirty="0"/>
+              <a:t>inside a transaction </a:t>
+            </a:r>
+            <a:r>
+              <a:rPr lang="en-US" dirty="0"/>
+              <a:t>so that the existing data is </a:t>
+            </a:r>
+            <a:r>
+              <a:rPr lang="en-US" dirty="0" err="1"/>
+              <a:t>queryable</a:t>
+            </a:r>
+            <a:r>
+              <a:rPr lang="en-US" dirty="0"/>
+              <a:t> during the whole process, and new data will not be visible until the process completes.</a:t>
+            </a:r>
+          </a:p>
+          <a:p>
+            <a:endParaRPr lang="en-US" dirty="0"/>
+          </a:p>
+          <a:p>
+            <a:endParaRPr lang="en-US" dirty="0"/>
+          </a:p>
+          <a:p>
+            <a:r>
+              <a:rPr lang="en-US" dirty="0"/>
+              <a:t>Process Add</a:t>
+            </a:r>
+          </a:p>
+          <a:p>
+            <a:pPr lvl="1"/>
+            <a:r>
+              <a:rPr lang="en-US" dirty="0"/>
+              <a:t>The Process Add operation adds new rows to a partition. </a:t>
+            </a:r>
+          </a:p>
+          <a:p>
+            <a:pPr lvl="1"/>
+            <a:r>
+              <a:rPr lang="en-US" dirty="0"/>
+              <a:t>Can be used only in a </a:t>
+            </a:r>
+            <a:r>
+              <a:rPr lang="en-US" u="sng" dirty="0"/>
+              <a:t>programmatic way</a:t>
+            </a:r>
+            <a:r>
+              <a:rPr lang="en-US" dirty="0"/>
+              <a:t>; </a:t>
+            </a:r>
+          </a:p>
+          <a:p>
+            <a:pPr lvl="1"/>
+            <a:r>
+              <a:rPr lang="en-US" dirty="0"/>
+              <a:t>And you must specify the query returning only new rows that have to be added to the partition.</a:t>
+            </a:r>
+          </a:p>
+          <a:p>
+            <a:pPr lvl="1"/>
+            <a:endParaRPr lang="en-US" dirty="0"/>
+          </a:p>
+          <a:p>
+            <a:r>
+              <a:rPr lang="en-US" dirty="0"/>
+              <a:t>Process Clear</a:t>
+            </a:r>
+          </a:p>
+          <a:p>
+            <a:pPr lvl="1"/>
+            <a:r>
+              <a:rPr lang="en-US" dirty="0"/>
+              <a:t>Process Clear drops all the data in the selected object (Database, Table, or Partition). The affected objects are no longer </a:t>
+            </a:r>
+            <a:r>
+              <a:rPr lang="en-US" dirty="0" err="1"/>
+              <a:t>queryable</a:t>
+            </a:r>
+            <a:r>
+              <a:rPr lang="en-US" dirty="0"/>
+              <a:t> after this command.</a:t>
+            </a:r>
+          </a:p>
+          <a:p>
+            <a:endParaRPr lang="en-US" dirty="0"/>
+          </a:p>
+          <a:p>
+            <a:r>
+              <a:rPr lang="en-US" dirty="0"/>
+              <a:t>Process Data</a:t>
+            </a:r>
+          </a:p>
+          <a:p>
+            <a:pPr lvl="1"/>
+            <a:r>
+              <a:rPr lang="en-US" dirty="0"/>
+              <a:t>Process Data loads data in the selected object (Table or Partition).</a:t>
+            </a:r>
+          </a:p>
+          <a:p>
+            <a:pPr lvl="1"/>
+            <a:r>
+              <a:rPr lang="en-US" u="sng" dirty="0"/>
+              <a:t>Only the dictionary </a:t>
+            </a:r>
+            <a:r>
+              <a:rPr lang="en-US" dirty="0"/>
+              <a:t>is computed, and dependently related structures (calculated columns, relationships, and indexes) are not updated.</a:t>
+            </a:r>
+          </a:p>
+          <a:p>
+            <a:pPr lvl="1"/>
+            <a:r>
+              <a:rPr lang="en-US" b="1" dirty="0"/>
+              <a:t>The affected objects are no longer </a:t>
+            </a:r>
+            <a:r>
+              <a:rPr lang="en-US" b="1" dirty="0" err="1"/>
+              <a:t>queryable</a:t>
+            </a:r>
+            <a:r>
+              <a:rPr lang="en-US" b="1" dirty="0"/>
               <a:t> </a:t>
             </a:r>
             <a:r>
-              <a:rPr lang="en-US" b="1" i="0" dirty="0" err="1">
-                <a:solidFill>
-                  <a:srgbClr val="000000"/>
-                </a:solidFill>
-                <a:effectLst/>
-                <a:latin typeface="Calibri" panose="020F0502020204030204" pitchFamily="34" charset="0"/>
-              </a:rPr>
-              <a:t>Einführung</a:t>
-            </a:r>
-            <a:r>
-              <a:rPr lang="en-US" b="1" i="0" dirty="0">
-                <a:solidFill>
-                  <a:srgbClr val="000000"/>
-                </a:solidFill>
-                <a:effectLst/>
-                <a:latin typeface="Calibri" panose="020F0502020204030204" pitchFamily="34" charset="0"/>
-              </a:rPr>
-              <a:t> in DAX</a:t>
-            </a:r>
-            <a:endParaRPr lang="en-US" b="0" i="0" dirty="0">
-              <a:solidFill>
-                <a:srgbClr val="000000"/>
-              </a:solidFill>
-              <a:effectLst/>
-              <a:latin typeface="Calibri" panose="020F0502020204030204" pitchFamily="34" charset="0"/>
-            </a:endParaRPr>
+              <a:rPr lang="en-US" dirty="0"/>
+              <a:t>after this command. </a:t>
+            </a:r>
+          </a:p>
+          <a:p>
+            <a:pPr lvl="1"/>
+            <a:r>
+              <a:rPr lang="en-US" b="1" dirty="0"/>
+              <a:t>After Process Data</a:t>
+            </a:r>
+            <a:r>
+              <a:rPr lang="en-US" dirty="0"/>
+              <a:t>, you should execute </a:t>
+            </a:r>
+            <a:r>
+              <a:rPr lang="en-US" u="sng" dirty="0"/>
+              <a:t>Process </a:t>
+            </a:r>
+            <a:r>
+              <a:rPr lang="en-US" u="sng" dirty="0" err="1"/>
+              <a:t>Recalc</a:t>
+            </a:r>
+            <a:r>
+              <a:rPr lang="en-US" dirty="0"/>
+              <a:t> or </a:t>
+            </a:r>
+            <a:r>
+              <a:rPr lang="en-US" u="sng" dirty="0"/>
+              <a:t>Process Default</a:t>
+            </a:r>
+            <a:r>
+              <a:rPr lang="en-US" dirty="0"/>
+              <a:t> to make the data </a:t>
+            </a:r>
+            <a:r>
+              <a:rPr lang="en-US" dirty="0" err="1"/>
+              <a:t>queryable</a:t>
+            </a:r>
+            <a:r>
+              <a:rPr lang="en-US" dirty="0"/>
+              <a:t>.</a:t>
+            </a:r>
           </a:p>
           <a:p>
             <a:endParaRPr lang="en-US" dirty="0"/>
+          </a:p>
+          <a:p>
+            <a:endParaRPr lang="en-US" dirty="0"/>
+          </a:p>
+          <a:p>
+            <a:r>
+              <a:rPr lang="en-US" dirty="0"/>
+              <a:t>Process Default</a:t>
+            </a:r>
+          </a:p>
+          <a:p>
+            <a:pPr lvl="1"/>
+            <a:r>
+              <a:rPr lang="en-US" dirty="0"/>
+              <a:t>The Process Default operation performs the necessary operations to make the target object </a:t>
+            </a:r>
+            <a:r>
+              <a:rPr lang="en-US" dirty="0" err="1"/>
+              <a:t>queryable</a:t>
+            </a:r>
+            <a:r>
+              <a:rPr lang="en-US" dirty="0"/>
+              <a:t> (except when it is done at Partition level)</a:t>
+            </a:r>
+          </a:p>
+          <a:p>
+            <a:endParaRPr lang="en-US" dirty="0"/>
+          </a:p>
+          <a:p>
+            <a:r>
+              <a:rPr lang="en-US" dirty="0"/>
+              <a:t>Process Defrag</a:t>
+            </a:r>
+          </a:p>
+          <a:p>
+            <a:pPr lvl="1"/>
+            <a:r>
+              <a:rPr lang="en-US" dirty="0"/>
+              <a:t>The Process Defrag operation rebuilds the table dictionary without the need to access the data source to read data again. </a:t>
+            </a:r>
+          </a:p>
+          <a:p>
+            <a:pPr lvl="1"/>
+            <a:r>
+              <a:rPr lang="en-US" dirty="0"/>
+              <a:t>It is exposed in the SSMS user interface </a:t>
+            </a:r>
+            <a:r>
+              <a:rPr lang="en-US" u="sng" dirty="0"/>
+              <a:t>only for tables</a:t>
+            </a:r>
+            <a:r>
+              <a:rPr lang="en-US" dirty="0"/>
+              <a:t>. </a:t>
+            </a:r>
+          </a:p>
+          <a:p>
+            <a:pPr lvl="1"/>
+            <a:r>
+              <a:rPr lang="en-US" dirty="0"/>
+              <a:t>This operation is </a:t>
+            </a:r>
+            <a:r>
+              <a:rPr lang="en-US" b="1" dirty="0"/>
+              <a:t>useful only when you</a:t>
+            </a:r>
+            <a:r>
+              <a:rPr lang="en-US" dirty="0"/>
+              <a:t> remove partitions from your table or you refresh some partitions and, as a result, some values in columns are no longer used.</a:t>
+            </a:r>
+          </a:p>
+          <a:p>
+            <a:endParaRPr lang="en-AT" dirty="0"/>
           </a:p>
         </p:txBody>
       </p:sp>
       <p:sp>
         <p:nvSpPr>
-          <p:cNvPr id="4" name="Slide Number Placeholder 3"/>
+          <p:cNvPr id="4" name="Foliennummernplatzhalter 3"/>
           <p:cNvSpPr>
             <a:spLocks noGrp="1"/>
           </p:cNvSpPr>
@@ -2673,7 +2611,7 @@
     </p:spTree>
     <p:extLst>
       <p:ext uri="{BB962C8B-B14F-4D97-AF65-F5344CB8AC3E}">
-        <p14:creationId xmlns:p14="http://schemas.microsoft.com/office/powerpoint/2010/main" val="2501859979"/>
+        <p14:creationId xmlns:p14="http://schemas.microsoft.com/office/powerpoint/2010/main" val="723681697"/>
       </p:ext>
     </p:extLst>
   </p:cSld>
@@ -2727,628 +2665,341 @@
           <a:bodyPr/>
           <a:lstStyle/>
           <a:p>
-            <a:pPr algn="l"/>
-            <a:r>
-              <a:rPr lang="de-DE" sz="1800" b="0" i="0" dirty="0">
-                <a:solidFill>
-                  <a:srgbClr val="201F1E"/>
+            <a:pPr algn="l">
+              <a:buFont typeface="+mj-lt"/>
+              <a:buAutoNum type="arabicPeriod"/>
+            </a:pPr>
+            <a:r>
+              <a:rPr lang="en-US" b="1" i="0" dirty="0" err="1">
+                <a:solidFill>
+                  <a:srgbClr val="000000"/>
                 </a:solidFill>
                 <a:effectLst/>
-                <a:latin typeface="Arial" panose="020B0604020202020204" pitchFamily="34" charset="0"/>
-              </a:rPr>
-              <a:t>anbei ein erster Überblick (hier mit konkretem RSG/Raiffeisen-Bezug).</a:t>
-            </a:r>
-            <a:br>
-              <a:rPr lang="de-DE" dirty="0"/>
-            </a:br>
-            <a:r>
-              <a:rPr lang="de-DE" sz="1800" b="0" i="0" dirty="0">
-                <a:solidFill>
-                  <a:srgbClr val="201F1E"/>
+                <a:latin typeface="Calibri" panose="020F0502020204030204" pitchFamily="34" charset="0"/>
+              </a:rPr>
+              <a:t>Vergleich</a:t>
+            </a:r>
+            <a:r>
+              <a:rPr lang="en-US" b="1" i="0" dirty="0">
+                <a:solidFill>
+                  <a:srgbClr val="000000"/>
                 </a:solidFill>
                 <a:effectLst/>
-                <a:latin typeface="Arial" panose="020B0604020202020204" pitchFamily="34" charset="0"/>
-              </a:rPr>
-              <a:t>Grob geht es uns um den Aufbau einer Businessschicht auf SQL-Server Basis (mit SSAS Tabular Model) die wir auch außerhalb vom DWH nutzen können.</a:t>
-            </a:r>
-            <a:br>
-              <a:rPr lang="de-DE" dirty="0"/>
-            </a:br>
-            <a:r>
-              <a:rPr lang="de-DE" sz="1800" b="0" i="0" dirty="0">
-                <a:solidFill>
-                  <a:srgbClr val="201F1E"/>
+                <a:latin typeface="Calibri" panose="020F0502020204030204" pitchFamily="34" charset="0"/>
+              </a:rPr>
+              <a:t> Tabular Model und Multidimensional Modelling (</a:t>
+            </a:r>
+            <a:r>
+              <a:rPr lang="en-US" b="1" i="0" dirty="0" err="1">
+                <a:solidFill>
+                  <a:srgbClr val="000000"/>
                 </a:solidFill>
                 <a:effectLst/>
-                <a:latin typeface="Arial" panose="020B0604020202020204" pitchFamily="34" charset="0"/>
-              </a:rPr>
-              <a:t>Weiters soll auch das Rechtekonzept so flexibel wie möglich gestaltet werden. D.h z.b einfache Erweiterung der Rechteabfragen um neue Parameter oder keine doppelte Implementierung der Rechtesteuerung (Nutzung der Rechtesteuerung sowohl in den normalen SQL-Server Datenbanken als auch in den SSAS Datenbanken)</a:t>
-            </a:r>
-            <a:br>
-              <a:rPr lang="de-DE" dirty="0"/>
-            </a:br>
-            <a:br>
-              <a:rPr lang="de-DE" dirty="0"/>
-            </a:br>
-            <a:r>
-              <a:rPr lang="de-DE" sz="1800" b="0" i="0" dirty="0">
-                <a:solidFill>
-                  <a:srgbClr val="201F1E"/>
+                <a:latin typeface="Calibri" panose="020F0502020204030204" pitchFamily="34" charset="0"/>
+              </a:rPr>
+              <a:t>Vorteile</a:t>
+            </a:r>
+            <a:r>
+              <a:rPr lang="en-US" b="1" i="0" dirty="0">
+                <a:solidFill>
+                  <a:srgbClr val="000000"/>
                 </a:solidFill>
                 <a:effectLst/>
-                <a:latin typeface="Arial" panose="020B0604020202020204" pitchFamily="34" charset="0"/>
-              </a:rPr>
-              <a:t>Die Details können wir dann gerne am Montag besprechen:</a:t>
-            </a:r>
-            <a:br>
-              <a:rPr lang="de-DE" dirty="0"/>
-            </a:br>
-            <a:r>
-              <a:rPr lang="de-DE" sz="1800" b="1" i="0" dirty="0">
-                <a:solidFill>
-                  <a:srgbClr val="00204F"/>
+                <a:latin typeface="Calibri" panose="020F0502020204030204" pitchFamily="34" charset="0"/>
+              </a:rPr>
+              <a:t>, </a:t>
+            </a:r>
+            <a:r>
+              <a:rPr lang="en-US" b="1" i="0" dirty="0" err="1">
+                <a:solidFill>
+                  <a:srgbClr val="000000"/>
                 </a:solidFill>
                 <a:effectLst/>
-                <a:latin typeface="Segoe UI" panose="020B0502040204020203" pitchFamily="34" charset="0"/>
-              </a:rPr>
-              <a:t>Zieldefinition:</a:t>
-            </a:r>
-            <a:endParaRPr lang="de-DE" b="0" i="0" dirty="0">
+                <a:latin typeface="Calibri" panose="020F0502020204030204" pitchFamily="34" charset="0"/>
+              </a:rPr>
+              <a:t>Nachteile</a:t>
+            </a:r>
+            <a:r>
+              <a:rPr lang="en-US" b="1" i="0" dirty="0">
+                <a:solidFill>
+                  <a:srgbClr val="000000"/>
+                </a:solidFill>
+                <a:effectLst/>
+                <a:latin typeface="Calibri" panose="020F0502020204030204" pitchFamily="34" charset="0"/>
+              </a:rPr>
+              <a:t>, </a:t>
+            </a:r>
+            <a:r>
+              <a:rPr lang="en-US" b="1" i="0" dirty="0" err="1">
+                <a:solidFill>
+                  <a:srgbClr val="000000"/>
+                </a:solidFill>
+                <a:effectLst/>
+                <a:latin typeface="Calibri" panose="020F0502020204030204" pitchFamily="34" charset="0"/>
+              </a:rPr>
+              <a:t>Limitierungen</a:t>
+            </a:r>
+            <a:r>
+              <a:rPr lang="en-US" b="1" i="0" dirty="0">
+                <a:solidFill>
+                  <a:srgbClr val="000000"/>
+                </a:solidFill>
+                <a:effectLst/>
+                <a:latin typeface="Calibri" panose="020F0502020204030204" pitchFamily="34" charset="0"/>
+              </a:rPr>
+              <a:t>)</a:t>
+            </a:r>
+            <a:endParaRPr lang="en-US" b="0" i="0" dirty="0">
               <a:solidFill>
-                <a:srgbClr val="201F1E"/>
+                <a:srgbClr val="000000"/>
               </a:solidFill>
               <a:effectLst/>
-              <a:latin typeface="Segoe UI" panose="020B0502040204020203" pitchFamily="34" charset="0"/>
+              <a:latin typeface="Calibri" panose="020F0502020204030204" pitchFamily="34" charset="0"/>
             </a:endParaRPr>
           </a:p>
           <a:p>
             <a:pPr algn="l">
-              <a:buFont typeface="Arial" panose="020B0604020202020204" pitchFamily="34" charset="0"/>
-              <a:buChar char="•"/>
+              <a:buFont typeface="+mj-lt"/>
+              <a:buAutoNum type="arabicPeriod"/>
             </a:pPr>
             <a:r>
-              <a:rPr lang="de-DE" sz="1800" b="0" i="0" u="sng" dirty="0">
-                <a:solidFill>
-                  <a:srgbClr val="00204F"/>
+              <a:rPr lang="en-US" b="1" i="0" dirty="0">
+                <a:solidFill>
+                  <a:srgbClr val="000000"/>
                 </a:solidFill>
                 <a:effectLst/>
-                <a:latin typeface="Segoe UI" panose="020B0502040204020203" pitchFamily="34" charset="0"/>
-              </a:rPr>
-              <a:t>Mandantenfähigkeit</a:t>
-            </a:r>
-            <a:br>
-              <a:rPr lang="de-DE" sz="1800" b="0" i="0" dirty="0">
-                <a:solidFill>
-                  <a:srgbClr val="00204F"/>
+                <a:latin typeface="Calibri" panose="020F0502020204030204" pitchFamily="34" charset="0"/>
+              </a:rPr>
+              <a:t>Row Level Security </a:t>
+            </a:r>
+            <a:r>
+              <a:rPr lang="en-US" b="1" i="0" dirty="0" err="1">
+                <a:solidFill>
+                  <a:srgbClr val="000000"/>
                 </a:solidFill>
                 <a:effectLst/>
-                <a:latin typeface="Segoe UI" panose="020B0502040204020203" pitchFamily="34" charset="0"/>
-              </a:rPr>
-            </a:br>
-            <a:r>
-              <a:rPr lang="de-DE" sz="1800" b="0" i="0" dirty="0">
-                <a:solidFill>
-                  <a:srgbClr val="00204F"/>
+                <a:latin typeface="Calibri" panose="020F0502020204030204" pitchFamily="34" charset="0"/>
+              </a:rPr>
+              <a:t>im</a:t>
+            </a:r>
+            <a:r>
+              <a:rPr lang="en-US" b="1" i="0" dirty="0">
+                <a:solidFill>
+                  <a:srgbClr val="000000"/>
                 </a:solidFill>
                 <a:effectLst/>
-                <a:latin typeface="Segoe UI" panose="020B0502040204020203" pitchFamily="34" charset="0"/>
-              </a:rPr>
-              <a:t>Die RSG bedient mit ihren Produkten mehrere Banken welche auf unterschiedlichen SQL Server Instanzen betrieben werden. Die Datenbanken unterscheiden sich zusätzlich durch die Bzeichnung (Beispiel: Datenbank R34_ZDW, R36_ZDW). Diese Bezeichnungen sollen durch Synonyme ersetzt werden können.</a:t>
-            </a:r>
-            <a:endParaRPr lang="de-DE" b="0" i="0" dirty="0">
+                <a:latin typeface="Calibri" panose="020F0502020204030204" pitchFamily="34" charset="0"/>
+              </a:rPr>
+              <a:t> SQL Server und </a:t>
+            </a:r>
+            <a:r>
+              <a:rPr lang="en-US" b="1" i="0" dirty="0" err="1">
+                <a:solidFill>
+                  <a:srgbClr val="000000"/>
+                </a:solidFill>
+                <a:effectLst/>
+                <a:latin typeface="Calibri" panose="020F0502020204030204" pitchFamily="34" charset="0"/>
+              </a:rPr>
+              <a:t>im</a:t>
+            </a:r>
+            <a:r>
+              <a:rPr lang="en-US" b="1" i="0" dirty="0">
+                <a:solidFill>
+                  <a:srgbClr val="000000"/>
+                </a:solidFill>
+                <a:effectLst/>
+                <a:latin typeface="Calibri" panose="020F0502020204030204" pitchFamily="34" charset="0"/>
+              </a:rPr>
+              <a:t> Tabular Model </a:t>
+            </a:r>
+            <a:endParaRPr lang="en-US" b="0" i="0" dirty="0">
               <a:solidFill>
-                <a:srgbClr val="201F1E"/>
+                <a:srgbClr val="000000"/>
               </a:solidFill>
               <a:effectLst/>
-              <a:latin typeface="Segoe UI" panose="020B0502040204020203" pitchFamily="34" charset="0"/>
+              <a:latin typeface="Calibri" panose="020F0502020204030204" pitchFamily="34" charset="0"/>
             </a:endParaRPr>
           </a:p>
           <a:p>
             <a:pPr algn="l">
-              <a:buFont typeface="Arial" panose="020B0604020202020204" pitchFamily="34" charset="0"/>
-              <a:buChar char="•"/>
+              <a:buFont typeface="+mj-lt"/>
+              <a:buAutoNum type="arabicPeriod"/>
             </a:pPr>
             <a:r>
-              <a:rPr lang="de-DE" sz="1800" b="0" i="0" u="sng" dirty="0">
-                <a:solidFill>
-                  <a:srgbClr val="00204F"/>
+              <a:rPr lang="en-US" b="1" i="0" dirty="0">
+                <a:solidFill>
+                  <a:srgbClr val="000000"/>
                 </a:solidFill>
                 <a:effectLst/>
-                <a:latin typeface="Segoe UI" panose="020B0502040204020203" pitchFamily="34" charset="0"/>
-              </a:rPr>
-              <a:t>Verwendung im BI Reporting</a:t>
-            </a:r>
-            <a:br>
-              <a:rPr lang="de-DE" sz="1800" b="0" i="0" dirty="0">
-                <a:solidFill>
-                  <a:srgbClr val="00204F"/>
+                <a:latin typeface="Calibri" panose="020F0502020204030204" pitchFamily="34" charset="0"/>
+              </a:rPr>
+              <a:t>Direct Query Vs </a:t>
+            </a:r>
+            <a:r>
+              <a:rPr lang="en-US" b="1" i="0" dirty="0" err="1">
+                <a:solidFill>
+                  <a:srgbClr val="000000"/>
                 </a:solidFill>
                 <a:effectLst/>
-                <a:latin typeface="Segoe UI" panose="020B0502040204020203" pitchFamily="34" charset="0"/>
-              </a:rPr>
-            </a:br>
-            <a:r>
-              <a:rPr lang="de-DE" sz="1800" b="0" i="0" dirty="0">
-                <a:solidFill>
-                  <a:srgbClr val="00204F"/>
-                </a:solidFill>
-                <a:effectLst/>
-                <a:latin typeface="Segoe UI" panose="020B0502040204020203" pitchFamily="34" charset="0"/>
-              </a:rPr>
-              <a:t>Der Drittanbieter WebFocus für unsere BI Frontends unterstützt vollumfänglich Tabular Model als analytische Datenquelle.</a:t>
-            </a:r>
-            <a:endParaRPr lang="de-DE" b="0" i="0" dirty="0">
+                <a:latin typeface="Calibri" panose="020F0502020204030204" pitchFamily="34" charset="0"/>
+              </a:rPr>
+              <a:t>InMemory</a:t>
+            </a:r>
+            <a:endParaRPr lang="en-US" b="0" i="0" dirty="0">
               <a:solidFill>
-                <a:srgbClr val="201F1E"/>
+                <a:srgbClr val="000000"/>
               </a:solidFill>
               <a:effectLst/>
-              <a:latin typeface="Segoe UI" panose="020B0502040204020203" pitchFamily="34" charset="0"/>
+              <a:latin typeface="Calibri" panose="020F0502020204030204" pitchFamily="34" charset="0"/>
             </a:endParaRPr>
           </a:p>
           <a:p>
             <a:pPr algn="l">
-              <a:buFont typeface="Arial" panose="020B0604020202020204" pitchFamily="34" charset="0"/>
-              <a:buChar char="•"/>
+              <a:buFont typeface="+mj-lt"/>
+              <a:buAutoNum type="arabicPeriod"/>
             </a:pPr>
             <a:r>
-              <a:rPr lang="de-DE" sz="1800" b="0" i="0" u="sng" dirty="0">
-                <a:solidFill>
-                  <a:srgbClr val="00204F"/>
+              <a:rPr lang="en-US" b="1" i="0" dirty="0">
+                <a:solidFill>
+                  <a:srgbClr val="000000"/>
                 </a:solidFill>
                 <a:effectLst/>
-                <a:latin typeface="Segoe UI" panose="020B0502040204020203" pitchFamily="34" charset="0"/>
-              </a:rPr>
-              <a:t>Einbindung von Datenbankobjekten aus dem</a:t>
-            </a:r>
-            <a:r>
-              <a:rPr lang="de-DE" sz="1800" b="0" i="0" dirty="0">
-                <a:solidFill>
-                  <a:srgbClr val="00204F"/>
-                </a:solidFill>
-                <a:effectLst/>
-                <a:latin typeface="Segoe UI" panose="020B0502040204020203" pitchFamily="34" charset="0"/>
-              </a:rPr>
-              <a:t> RDW</a:t>
-            </a:r>
-            <a:br>
-              <a:rPr lang="de-DE" sz="1800" b="0" i="0" dirty="0">
-                <a:solidFill>
-                  <a:srgbClr val="00204F"/>
-                </a:solidFill>
-                <a:effectLst/>
-                <a:latin typeface="Segoe UI" panose="020B0502040204020203" pitchFamily="34" charset="0"/>
-              </a:rPr>
-            </a:br>
-            <a:r>
-              <a:rPr lang="de-DE" sz="1800" b="0" i="0" dirty="0">
-                <a:solidFill>
-                  <a:srgbClr val="00204F"/>
-                </a:solidFill>
-                <a:effectLst/>
-                <a:latin typeface="Segoe UI" panose="020B0502040204020203" pitchFamily="34" charset="0"/>
-              </a:rPr>
-              <a:t>Es können beliebige Datenquellen aus dem RDW(SQL Server) eingebunden werden. Zusätzlich soll direkt im Zuge der Einbindung die Datenmenge in Form einer "Wehere" Bedingung eingeschränkt werden können. (Beispiel: TagID&lt;@aktuellerStichtag-365)</a:t>
-            </a:r>
-            <a:endParaRPr lang="de-DE" b="0" i="0" dirty="0">
+                <a:latin typeface="Calibri" panose="020F0502020204030204" pitchFamily="34" charset="0"/>
+              </a:rPr>
+              <a:t>Processing Options</a:t>
+            </a:r>
+            <a:endParaRPr lang="en-US" b="0" i="0" dirty="0">
               <a:solidFill>
-                <a:srgbClr val="201F1E"/>
+                <a:srgbClr val="000000"/>
               </a:solidFill>
               <a:effectLst/>
-              <a:latin typeface="Segoe UI" panose="020B0502040204020203" pitchFamily="34" charset="0"/>
+              <a:latin typeface="Calibri" panose="020F0502020204030204" pitchFamily="34" charset="0"/>
             </a:endParaRPr>
           </a:p>
           <a:p>
             <a:pPr algn="l">
-              <a:buFont typeface="Arial" panose="020B0604020202020204" pitchFamily="34" charset="0"/>
-              <a:buChar char="•"/>
+              <a:buFont typeface="+mj-lt"/>
+              <a:buAutoNum type="arabicPeriod"/>
             </a:pPr>
             <a:r>
-              <a:rPr lang="de-DE" sz="1800" b="0" i="0" u="sng" dirty="0">
-                <a:solidFill>
-                  <a:srgbClr val="00204F"/>
+              <a:rPr lang="en-US" b="1" i="0" dirty="0">
+                <a:solidFill>
+                  <a:srgbClr val="000000"/>
                 </a:solidFill>
                 <a:effectLst/>
-                <a:latin typeface="Segoe UI" panose="020B0502040204020203" pitchFamily="34" charset="0"/>
-              </a:rPr>
-              <a:t>Row-Level Security</a:t>
-            </a:r>
-            <a:br>
-              <a:rPr lang="de-DE" sz="1800" b="0" i="0" dirty="0">
-                <a:solidFill>
-                  <a:srgbClr val="00204F"/>
+                <a:latin typeface="Calibri" panose="020F0502020204030204" pitchFamily="34" charset="0"/>
+              </a:rPr>
+              <a:t>Deployment </a:t>
+            </a:r>
+            <a:r>
+              <a:rPr lang="en-US" b="1" i="0" dirty="0" err="1">
+                <a:solidFill>
+                  <a:srgbClr val="000000"/>
                 </a:solidFill>
                 <a:effectLst/>
-                <a:latin typeface="Segoe UI" panose="020B0502040204020203" pitchFamily="34" charset="0"/>
-              </a:rPr>
-            </a:br>
-            <a:r>
-              <a:rPr lang="de-DE" sz="1800" b="0" i="0" dirty="0">
-                <a:solidFill>
-                  <a:srgbClr val="00204F"/>
+                <a:latin typeface="Calibri" panose="020F0502020204030204" pitchFamily="34" charset="0"/>
+              </a:rPr>
+              <a:t>Optionen</a:t>
+            </a:r>
+            <a:r>
+              <a:rPr lang="en-US" b="1" i="0" dirty="0">
+                <a:solidFill>
+                  <a:srgbClr val="000000"/>
                 </a:solidFill>
                 <a:effectLst/>
-                <a:latin typeface="Segoe UI" panose="020B0502040204020203" pitchFamily="34" charset="0"/>
-              </a:rPr>
-              <a:t>Es kann direkt im Tabular Model eine Row-Level Security für jedes eingebundene Datenbankobjekt implementiert werden (Beispiel: BLZ). Alternativ kann die Einschränkung in der relationalen Datenbank implementiert werden. Quelle ist eine Tabelle mit allen Berechtigungsinformationen.</a:t>
-            </a:r>
-            <a:endParaRPr lang="de-DE" b="0" i="0" dirty="0">
+                <a:latin typeface="Calibri" panose="020F0502020204030204" pitchFamily="34" charset="0"/>
+              </a:rPr>
+              <a:t> (OnPrem </a:t>
+            </a:r>
+            <a:r>
+              <a:rPr lang="en-US" b="1" i="0" dirty="0" err="1">
+                <a:solidFill>
+                  <a:srgbClr val="000000"/>
+                </a:solidFill>
+                <a:effectLst/>
+                <a:latin typeface="Calibri" panose="020F0502020204030204" pitchFamily="34" charset="0"/>
+              </a:rPr>
+              <a:t>Dienst</a:t>
+            </a:r>
+            <a:r>
+              <a:rPr lang="en-US" b="1" i="0" dirty="0">
+                <a:solidFill>
+                  <a:srgbClr val="000000"/>
+                </a:solidFill>
+                <a:effectLst/>
+                <a:latin typeface="Calibri" panose="020F0502020204030204" pitchFamily="34" charset="0"/>
+              </a:rPr>
+              <a:t> / Azure) </a:t>
+            </a:r>
+            <a:endParaRPr lang="en-US" b="0" i="0" dirty="0">
               <a:solidFill>
-                <a:srgbClr val="201F1E"/>
+                <a:srgbClr val="000000"/>
               </a:solidFill>
               <a:effectLst/>
-              <a:latin typeface="Segoe UI" panose="020B0502040204020203" pitchFamily="34" charset="0"/>
+              <a:latin typeface="Calibri" panose="020F0502020204030204" pitchFamily="34" charset="0"/>
             </a:endParaRPr>
           </a:p>
           <a:p>
             <a:pPr algn="l">
-              <a:buFont typeface="Arial" panose="020B0604020202020204" pitchFamily="34" charset="0"/>
-              <a:buChar char="•"/>
+              <a:buFont typeface="+mj-lt"/>
+              <a:buAutoNum type="arabicPeriod"/>
             </a:pPr>
             <a:r>
-              <a:rPr lang="de-DE" sz="1800" b="0" i="0" u="sng" dirty="0">
-                <a:solidFill>
-                  <a:srgbClr val="00204F"/>
+              <a:rPr lang="en-US" b="1" i="0" dirty="0">
+                <a:solidFill>
+                  <a:srgbClr val="000000"/>
                 </a:solidFill>
                 <a:effectLst/>
-                <a:latin typeface="Segoe UI" panose="020B0502040204020203" pitchFamily="34" charset="0"/>
-              </a:rPr>
-              <a:t>Verwendung eines externen Berechtigungssystems</a:t>
-            </a:r>
-            <a:br>
-              <a:rPr lang="de-DE" sz="1800" b="0" i="0" dirty="0">
-                <a:solidFill>
-                  <a:srgbClr val="00204F"/>
+                <a:latin typeface="Calibri" panose="020F0502020204030204" pitchFamily="34" charset="0"/>
+              </a:rPr>
+              <a:t>Eine </a:t>
+            </a:r>
+            <a:r>
+              <a:rPr lang="en-US" b="1" i="0" dirty="0" err="1">
+                <a:solidFill>
+                  <a:srgbClr val="000000"/>
                 </a:solidFill>
                 <a:effectLst/>
-                <a:latin typeface="Segoe UI" panose="020B0502040204020203" pitchFamily="34" charset="0"/>
-              </a:rPr>
-            </a:br>
-            <a:r>
-              <a:rPr lang="de-DE" sz="1800" b="0" i="0" dirty="0">
-                <a:solidFill>
-                  <a:srgbClr val="00204F"/>
+                <a:latin typeface="Calibri" panose="020F0502020204030204" pitchFamily="34" charset="0"/>
+              </a:rPr>
+              <a:t>kurze</a:t>
+            </a:r>
+            <a:r>
+              <a:rPr lang="en-US" b="1" i="0" dirty="0">
+                <a:solidFill>
+                  <a:srgbClr val="000000"/>
                 </a:solidFill>
                 <a:effectLst/>
-                <a:latin typeface="Segoe UI" panose="020B0502040204020203" pitchFamily="34" charset="0"/>
-              </a:rPr>
-              <a:t>Zur Berechtigungsverwaltung wird IDM verwendet.</a:t>
-            </a:r>
-            <a:endParaRPr lang="de-DE" b="0" i="0" dirty="0">
+                <a:latin typeface="Calibri" panose="020F0502020204030204" pitchFamily="34" charset="0"/>
+              </a:rPr>
+              <a:t> </a:t>
+            </a:r>
+            <a:r>
+              <a:rPr lang="en-US" b="1" i="0" dirty="0" err="1">
+                <a:solidFill>
+                  <a:srgbClr val="000000"/>
+                </a:solidFill>
+                <a:effectLst/>
+                <a:latin typeface="Calibri" panose="020F0502020204030204" pitchFamily="34" charset="0"/>
+              </a:rPr>
+              <a:t>Einführung</a:t>
+            </a:r>
+            <a:r>
+              <a:rPr lang="en-US" b="1" i="0" dirty="0">
+                <a:solidFill>
+                  <a:srgbClr val="000000"/>
+                </a:solidFill>
+                <a:effectLst/>
+                <a:latin typeface="Calibri" panose="020F0502020204030204" pitchFamily="34" charset="0"/>
+              </a:rPr>
+              <a:t> in DAX</a:t>
+            </a:r>
+            <a:endParaRPr lang="en-US" b="0" i="0" dirty="0">
               <a:solidFill>
-                <a:srgbClr val="201F1E"/>
+                <a:srgbClr val="000000"/>
               </a:solidFill>
               <a:effectLst/>
-              <a:latin typeface="Segoe UI" panose="020B0502040204020203" pitchFamily="34" charset="0"/>
-            </a:endParaRPr>
-          </a:p>
-          <a:p>
-            <a:pPr algn="l">
-              <a:buFont typeface="Arial" panose="020B0604020202020204" pitchFamily="34" charset="0"/>
-              <a:buChar char="•"/>
-            </a:pPr>
-            <a:r>
-              <a:rPr lang="de-DE" sz="1800" b="0" i="0" u="sng" dirty="0">
-                <a:solidFill>
-                  <a:srgbClr val="00204F"/>
-                </a:solidFill>
-                <a:effectLst/>
-                <a:latin typeface="Segoe UI" panose="020B0502040204020203" pitchFamily="34" charset="0"/>
-              </a:rPr>
-              <a:t>In-Memory Funktionalitäten</a:t>
-            </a:r>
-            <a:br>
-              <a:rPr lang="de-DE" sz="1800" b="0" i="0" dirty="0">
-                <a:solidFill>
-                  <a:srgbClr val="00204F"/>
-                </a:solidFill>
-                <a:effectLst/>
-                <a:latin typeface="Segoe UI" panose="020B0502040204020203" pitchFamily="34" charset="0"/>
-              </a:rPr>
-            </a:br>
-            <a:r>
-              <a:rPr lang="de-DE" sz="1800" b="0" i="0" dirty="0">
-                <a:solidFill>
-                  <a:srgbClr val="00204F"/>
-                </a:solidFill>
-                <a:effectLst/>
-                <a:latin typeface="Segoe UI" panose="020B0502040204020203" pitchFamily="34" charset="0"/>
-              </a:rPr>
-              <a:t>Das System bietet zum einen die Möglichkeit, dass Daten direkt zur Laufzeit aus der relationalen Datenbank  ermittelt werden und zum anderen, dass besonders wichtige Informationen im Hauptspeicher vorgehalten werden. Die Definition kann je Datenbankobjekt aber auch je Stichtag(das letzte Monat) erfolgen.</a:t>
-            </a:r>
-            <a:br>
-              <a:rPr lang="de-DE" sz="1800" b="0" i="0" dirty="0">
-                <a:solidFill>
-                  <a:srgbClr val="FF0000"/>
-                </a:solidFill>
-                <a:effectLst/>
-                <a:latin typeface="Segoe UI" panose="020B0502040204020203" pitchFamily="34" charset="0"/>
-              </a:rPr>
-            </a:br>
-            <a:r>
-              <a:rPr lang="de-DE" sz="1800" b="0" i="0" dirty="0">
-                <a:solidFill>
-                  <a:srgbClr val="FF0000"/>
-                </a:solidFill>
-                <a:effectLst/>
-                <a:latin typeface="Segoe UI" panose="020B0502040204020203" pitchFamily="34" charset="0"/>
-              </a:rPr>
-              <a:t>Wie erfolgt die Aktualisierung der gespeicherten Daten? Können Rahmen definiert werden, dass bsp. maximal 250 MB je Objekt im Speicher gehalten werden dürfen?</a:t>
-            </a:r>
-            <a:endParaRPr lang="de-DE" b="0" i="0" dirty="0">
-              <a:solidFill>
-                <a:srgbClr val="201F1E"/>
-              </a:solidFill>
-              <a:effectLst/>
-              <a:latin typeface="Segoe UI" panose="020B0502040204020203" pitchFamily="34" charset="0"/>
-            </a:endParaRPr>
-          </a:p>
-          <a:p>
-            <a:pPr algn="l">
-              <a:buFont typeface="Arial" panose="020B0604020202020204" pitchFamily="34" charset="0"/>
-              <a:buChar char="•"/>
-            </a:pPr>
-            <a:r>
-              <a:rPr lang="de-DE" sz="1800" b="0" i="0" u="sng" dirty="0">
-                <a:solidFill>
-                  <a:srgbClr val="00204F"/>
-                </a:solidFill>
-                <a:effectLst/>
-                <a:latin typeface="Segoe UI" panose="020B0502040204020203" pitchFamily="34" charset="0"/>
-              </a:rPr>
-              <a:t>intuitive Modellierung</a:t>
-            </a:r>
-            <a:br>
-              <a:rPr lang="de-DE" sz="1800" b="0" i="0" dirty="0">
-                <a:solidFill>
-                  <a:srgbClr val="00204F"/>
-                </a:solidFill>
-                <a:effectLst/>
-                <a:latin typeface="Segoe UI" panose="020B0502040204020203" pitchFamily="34" charset="0"/>
-              </a:rPr>
-            </a:br>
-            <a:r>
-              <a:rPr lang="de-DE" sz="1800" b="0" i="0" dirty="0">
-                <a:solidFill>
-                  <a:srgbClr val="00204F"/>
-                </a:solidFill>
-                <a:effectLst/>
-                <a:latin typeface="Segoe UI" panose="020B0502040204020203" pitchFamily="34" charset="0"/>
-              </a:rPr>
-              <a:t>Die konkrete Modellierung der Datenbereiche erfolgt von den zuständigen RSG Fachteams</a:t>
-            </a:r>
-            <a:r>
-              <a:rPr lang="de-DE" sz="1800" b="0" i="0" dirty="0">
-                <a:solidFill>
-                  <a:srgbClr val="2F2F2F"/>
-                </a:solidFill>
-                <a:effectLst/>
-                <a:latin typeface="Segoe UI" panose="020B0502040204020203" pitchFamily="34" charset="0"/>
-              </a:rPr>
-              <a:t>, die Produktgruppe BI sorgt lediglich für die Einhaltung von Standards.</a:t>
-            </a:r>
-            <a:endParaRPr lang="de-DE" b="0" i="0" dirty="0">
-              <a:solidFill>
-                <a:srgbClr val="201F1E"/>
-              </a:solidFill>
-              <a:effectLst/>
-              <a:latin typeface="Segoe UI" panose="020B0502040204020203" pitchFamily="34" charset="0"/>
-            </a:endParaRPr>
-          </a:p>
-          <a:p>
-            <a:pPr algn="l">
-              <a:buFont typeface="Arial" panose="020B0604020202020204" pitchFamily="34" charset="0"/>
-              <a:buChar char="•"/>
-            </a:pPr>
-            <a:r>
-              <a:rPr lang="de-DE" sz="1800" b="0" i="0" u="sng" dirty="0">
-                <a:solidFill>
-                  <a:srgbClr val="00204F"/>
-                </a:solidFill>
-                <a:effectLst/>
-                <a:latin typeface="Segoe UI" panose="020B0502040204020203" pitchFamily="34" charset="0"/>
-              </a:rPr>
-              <a:t>Release Unabhängig</a:t>
-            </a:r>
-            <a:br>
-              <a:rPr lang="de-DE" sz="1800" b="0" i="0" dirty="0">
-                <a:solidFill>
-                  <a:srgbClr val="00204F"/>
-                </a:solidFill>
-                <a:effectLst/>
-                <a:latin typeface="Segoe UI" panose="020B0502040204020203" pitchFamily="34" charset="0"/>
-              </a:rPr>
-            </a:br>
-            <a:r>
-              <a:rPr lang="de-DE" sz="1800" b="0" i="0" dirty="0">
-                <a:solidFill>
-                  <a:srgbClr val="00204F"/>
-                </a:solidFill>
-                <a:effectLst/>
-                <a:latin typeface="Segoe UI" panose="020B0502040204020203" pitchFamily="34" charset="0"/>
-              </a:rPr>
-              <a:t>Das Deployment ist Release unabhängig für RSG- Requirements Engineers möglich. Trotzdem arbeitet der Ersteller auf einer entsprechende Entwicklungsumgebung, testet auf einer Testumgebung und kann selbständig deployen.</a:t>
-            </a:r>
-            <a:br>
-              <a:rPr lang="de-DE" sz="1800" b="0" i="0" dirty="0">
-                <a:solidFill>
-                  <a:srgbClr val="2F2F2F"/>
-                </a:solidFill>
-                <a:effectLst/>
-                <a:latin typeface="Segoe UI" panose="020B0502040204020203" pitchFamily="34" charset="0"/>
-              </a:rPr>
-            </a:br>
-            <a:r>
-              <a:rPr lang="de-DE" sz="1800" b="0" i="0" dirty="0">
-                <a:solidFill>
-                  <a:srgbClr val="2F2F2F"/>
-                </a:solidFill>
-                <a:effectLst/>
-                <a:latin typeface="Segoe UI" panose="020B0502040204020203" pitchFamily="34" charset="0"/>
-              </a:rPr>
-              <a:t>Kurze </a:t>
-            </a:r>
-            <a:r>
-              <a:rPr lang="de-DE" sz="1800" b="0" i="0" dirty="0">
-                <a:solidFill>
-                  <a:srgbClr val="00204F"/>
-                </a:solidFill>
-                <a:effectLst/>
-                <a:latin typeface="Segoe UI" panose="020B0502040204020203" pitchFamily="34" charset="0"/>
-              </a:rPr>
-              <a:t>Time-to-Solution</a:t>
-            </a:r>
-            <a:r>
-              <a:rPr lang="de-DE" sz="1800" b="0" i="0" dirty="0">
-                <a:solidFill>
-                  <a:srgbClr val="2F2F2F"/>
-                </a:solidFill>
-                <a:effectLst/>
-                <a:latin typeface="Segoe UI" panose="020B0502040204020203" pitchFamily="34" charset="0"/>
-              </a:rPr>
-              <a:t> Zyklen und Technologie ist </a:t>
-            </a:r>
-            <a:r>
-              <a:rPr lang="de-DE" sz="1800" b="0" i="0" dirty="0">
-                <a:solidFill>
-                  <a:srgbClr val="00204F"/>
-                </a:solidFill>
-                <a:effectLst/>
-                <a:latin typeface="Segoe UI" panose="020B0502040204020203" pitchFamily="34" charset="0"/>
-              </a:rPr>
-              <a:t>vergleichsweise einfach zu erlernen</a:t>
-            </a:r>
-            <a:r>
-              <a:rPr lang="de-DE" sz="1800" b="0" i="0" dirty="0">
-                <a:solidFill>
-                  <a:srgbClr val="2F2F2F"/>
-                </a:solidFill>
-                <a:effectLst/>
-                <a:latin typeface="Segoe UI" panose="020B0502040204020203" pitchFamily="34" charset="0"/>
-              </a:rPr>
-              <a:t>.</a:t>
-            </a:r>
-            <a:endParaRPr lang="de-DE" b="0" i="0" dirty="0">
-              <a:solidFill>
-                <a:srgbClr val="201F1E"/>
-              </a:solidFill>
-              <a:effectLst/>
-              <a:latin typeface="Segoe UI" panose="020B0502040204020203" pitchFamily="34" charset="0"/>
-            </a:endParaRPr>
-          </a:p>
-          <a:p>
-            <a:pPr algn="l">
-              <a:buFont typeface="Arial" panose="020B0604020202020204" pitchFamily="34" charset="0"/>
-              <a:buChar char="•"/>
-            </a:pPr>
-            <a:r>
-              <a:rPr lang="de-DE" sz="1800" b="0" i="0" u="sng" dirty="0">
-                <a:solidFill>
-                  <a:srgbClr val="2F2F2F"/>
-                </a:solidFill>
-                <a:effectLst/>
-                <a:latin typeface="Segoe UI" panose="020B0502040204020203" pitchFamily="34" charset="0"/>
-              </a:rPr>
-              <a:t>Logging</a:t>
-            </a:r>
-            <a:br>
-              <a:rPr lang="de-DE" sz="1800" b="0" i="0" dirty="0">
-                <a:solidFill>
-                  <a:srgbClr val="2F2F2F"/>
-                </a:solidFill>
-                <a:effectLst/>
-                <a:latin typeface="Segoe UI" panose="020B0502040204020203" pitchFamily="34" charset="0"/>
-              </a:rPr>
-            </a:br>
-            <a:r>
-              <a:rPr lang="de-DE" sz="1800" b="0" i="0" dirty="0">
-                <a:solidFill>
-                  <a:srgbClr val="2F2F2F"/>
-                </a:solidFill>
-                <a:effectLst/>
-                <a:latin typeface="Segoe UI" panose="020B0502040204020203" pitchFamily="34" charset="0"/>
-              </a:rPr>
-              <a:t>Alle sowohl alle Datenabfragen als auch Änderungen eines Modells müssen aufgezeichnet und im Bedarsfall ausgewertet werden können.</a:t>
-            </a:r>
-            <a:endParaRPr lang="de-DE" b="0" i="0" dirty="0">
-              <a:solidFill>
-                <a:srgbClr val="201F1E"/>
-              </a:solidFill>
-              <a:effectLst/>
-              <a:latin typeface="Segoe UI" panose="020B0502040204020203" pitchFamily="34" charset="0"/>
-            </a:endParaRPr>
-          </a:p>
-          <a:p>
-            <a:pPr algn="l">
-              <a:buFont typeface="Arial" panose="020B0604020202020204" pitchFamily="34" charset="0"/>
-              <a:buChar char="•"/>
-            </a:pPr>
-            <a:r>
-              <a:rPr lang="de-DE" sz="1800" b="0" i="0" u="sng" dirty="0">
-                <a:solidFill>
-                  <a:srgbClr val="2F2F2F"/>
-                </a:solidFill>
-                <a:effectLst/>
-                <a:latin typeface="Segoe UI" panose="020B0502040204020203" pitchFamily="34" charset="0"/>
-              </a:rPr>
-              <a:t>Ressourcensteuerung</a:t>
-            </a:r>
-            <a:br>
-              <a:rPr lang="de-DE" sz="1800" b="0" i="0" dirty="0">
-                <a:solidFill>
-                  <a:srgbClr val="2F2F2F"/>
-                </a:solidFill>
-                <a:effectLst/>
-                <a:latin typeface="Segoe UI" panose="020B0502040204020203" pitchFamily="34" charset="0"/>
-              </a:rPr>
-            </a:br>
-            <a:r>
-              <a:rPr lang="de-DE" sz="1800" b="0" i="0" dirty="0">
-                <a:solidFill>
-                  <a:srgbClr val="2F2F2F"/>
-                </a:solidFill>
-                <a:effectLst/>
-                <a:latin typeface="Segoe UI" panose="020B0502040204020203" pitchFamily="34" charset="0"/>
-              </a:rPr>
-              <a:t>Priorisierung je User; Max temp. TB Verbrauch</a:t>
-            </a:r>
-            <a:endParaRPr lang="de-DE" b="0" i="0" dirty="0">
-              <a:solidFill>
-                <a:srgbClr val="201F1E"/>
-              </a:solidFill>
-              <a:effectLst/>
-              <a:latin typeface="Segoe UI" panose="020B0502040204020203" pitchFamily="34" charset="0"/>
-            </a:endParaRPr>
-          </a:p>
-          <a:p>
-            <a:pPr algn="l">
-              <a:buFont typeface="Arial" panose="020B0604020202020204" pitchFamily="34" charset="0"/>
-              <a:buChar char="•"/>
-            </a:pPr>
-            <a:r>
-              <a:rPr lang="de-DE" sz="1800" b="0" i="0" dirty="0">
-                <a:solidFill>
-                  <a:srgbClr val="2F2F2F"/>
-                </a:solidFill>
-                <a:effectLst/>
-                <a:latin typeface="Segoe UI" panose="020B0502040204020203" pitchFamily="34" charset="0"/>
-              </a:rPr>
-              <a:t>Bewirtschaftungslogiken</a:t>
-            </a:r>
-            <a:br>
-              <a:rPr lang="de-DE" sz="1800" b="0" i="0" dirty="0">
-                <a:solidFill>
-                  <a:srgbClr val="201F1E"/>
-                </a:solidFill>
-                <a:effectLst/>
-                <a:latin typeface="Arial" panose="020B0604020202020204" pitchFamily="34" charset="0"/>
-              </a:rPr>
-            </a:br>
-            <a:endParaRPr lang="de-DE" b="0" i="0" dirty="0">
-              <a:solidFill>
-                <a:srgbClr val="201F1E"/>
-              </a:solidFill>
-              <a:effectLst/>
-              <a:latin typeface="Segoe UI" panose="020B0502040204020203" pitchFamily="34" charset="0"/>
+              <a:latin typeface="Calibri" panose="020F0502020204030204" pitchFamily="34" charset="0"/>
             </a:endParaRPr>
           </a:p>
           <a:p>
@@ -3373,7 +3024,716 @@
           <a:p>
             <a:fld id="{7F7719C4-5CCB-4564-8DFB-21D3D1DEC7F1}" type="slidenum">
               <a:rPr lang="en-US" smtClean="0"/>
-              <a:t>26</a:t>
+              <a:t>25</a:t>
+            </a:fld>
+            <a:endParaRPr lang="en-US"/>
+          </a:p>
+        </p:txBody>
+      </p:sp>
+    </p:spTree>
+    <p:extLst>
+      <p:ext uri="{BB962C8B-B14F-4D97-AF65-F5344CB8AC3E}">
+        <p14:creationId xmlns:p14="http://schemas.microsoft.com/office/powerpoint/2010/main" val="2501859979"/>
+      </p:ext>
+    </p:extLst>
+  </p:cSld>
+  <p:clrMapOvr>
+    <a:masterClrMapping/>
+  </p:clrMapOvr>
+</p:notes>
+</file>
+
+<file path=ppt/notesSlides/notesSlide18.xml><?xml version="1.0" encoding="utf-8"?>
+<p:notes xmlns:a="http://schemas.openxmlformats.org/drawingml/2006/main" xmlns:r="http://schemas.openxmlformats.org/officeDocument/2006/relationships" xmlns:p="http://schemas.openxmlformats.org/presentationml/2006/main">
+  <p:cSld>
+    <p:spTree>
+      <p:nvGrpSpPr>
+        <p:cNvPr id="1" name=""/>
+        <p:cNvGrpSpPr/>
+        <p:nvPr/>
+      </p:nvGrpSpPr>
+      <p:grpSpPr>
+        <a:xfrm>
+          <a:off x="0" y="0"/>
+          <a:ext cx="0" cy="0"/>
+          <a:chOff x="0" y="0"/>
+          <a:chExt cx="0" cy="0"/>
+        </a:xfrm>
+      </p:grpSpPr>
+      <p:sp>
+        <p:nvSpPr>
+          <p:cNvPr id="2" name="Slide Image Placeholder 1"/>
+          <p:cNvSpPr>
+            <a:spLocks noGrp="1" noRot="1" noChangeAspect="1"/>
+          </p:cNvSpPr>
+          <p:nvPr>
+            <p:ph type="sldImg"/>
+          </p:nvPr>
+        </p:nvSpPr>
+        <p:spPr/>
+      </p:sp>
+      <p:sp>
+        <p:nvSpPr>
+          <p:cNvPr id="3" name="Notes Placeholder 2"/>
+          <p:cNvSpPr>
+            <a:spLocks noGrp="1"/>
+          </p:cNvSpPr>
+          <p:nvPr>
+            <p:ph type="body" idx="1"/>
+          </p:nvPr>
+        </p:nvSpPr>
+        <p:spPr/>
+        <p:txBody>
+          <a:bodyPr/>
+          <a:lstStyle/>
+          <a:p>
+            <a:pPr algn="l"/>
+            <a:r>
+              <a:rPr lang="de-DE" sz="1800" b="0" i="0" dirty="0">
+                <a:solidFill>
+                  <a:srgbClr val="201F1E"/>
+                </a:solidFill>
+                <a:effectLst/>
+                <a:latin typeface="Arial" panose="020B0604020202020204" pitchFamily="34" charset="0"/>
+              </a:rPr>
+              <a:t>anbei ein erster Überblick (hier mit konkretem RSG/Raiffeisen-Bezug).</a:t>
+            </a:r>
+            <a:br>
+              <a:rPr lang="de-DE" dirty="0"/>
+            </a:br>
+            <a:r>
+              <a:rPr lang="de-DE" sz="1800" b="0" i="0" dirty="0">
+                <a:solidFill>
+                  <a:srgbClr val="201F1E"/>
+                </a:solidFill>
+                <a:effectLst/>
+                <a:latin typeface="Arial" panose="020B0604020202020204" pitchFamily="34" charset="0"/>
+              </a:rPr>
+              <a:t>Grob geht es uns um den Aufbau einer Businessschicht auf SQL-Server Basis (mit SSAS Tabular Model) die wir auch außerhalb vom DWH nutzen können.</a:t>
+            </a:r>
+            <a:br>
+              <a:rPr lang="de-DE" dirty="0"/>
+            </a:br>
+            <a:r>
+              <a:rPr lang="de-DE" sz="1800" b="0" i="0" dirty="0">
+                <a:solidFill>
+                  <a:srgbClr val="201F1E"/>
+                </a:solidFill>
+                <a:effectLst/>
+                <a:latin typeface="Arial" panose="020B0604020202020204" pitchFamily="34" charset="0"/>
+              </a:rPr>
+              <a:t>Weiters soll auch das Rechtekonzept so flexibel wie möglich gestaltet werden. D.h z.b einfache Erweiterung der Rechteabfragen um neue Parameter oder keine doppelte Implementierung der Rechtesteuerung (Nutzung der Rechtesteuerung sowohl in den normalen SQL-Server Datenbanken als auch in den SSAS Datenbanken)</a:t>
+            </a:r>
+            <a:br>
+              <a:rPr lang="de-DE" dirty="0"/>
+            </a:br>
+            <a:br>
+              <a:rPr lang="de-DE" dirty="0"/>
+            </a:br>
+            <a:r>
+              <a:rPr lang="de-DE" sz="1800" b="0" i="0" dirty="0">
+                <a:solidFill>
+                  <a:srgbClr val="201F1E"/>
+                </a:solidFill>
+                <a:effectLst/>
+                <a:latin typeface="Arial" panose="020B0604020202020204" pitchFamily="34" charset="0"/>
+              </a:rPr>
+              <a:t>Die Details können wir dann gerne am Montag besprechen:</a:t>
+            </a:r>
+            <a:br>
+              <a:rPr lang="de-DE" dirty="0"/>
+            </a:br>
+            <a:r>
+              <a:rPr lang="de-DE" sz="1800" b="1" i="0" dirty="0">
+                <a:solidFill>
+                  <a:srgbClr val="00204F"/>
+                </a:solidFill>
+                <a:effectLst/>
+                <a:latin typeface="Segoe UI" panose="020B0502040204020203" pitchFamily="34" charset="0"/>
+              </a:rPr>
+              <a:t>Zieldefinition:</a:t>
+            </a:r>
+            <a:endParaRPr lang="de-DE" b="0" i="0" dirty="0">
+              <a:solidFill>
+                <a:srgbClr val="201F1E"/>
+              </a:solidFill>
+              <a:effectLst/>
+              <a:latin typeface="Segoe UI" panose="020B0502040204020203" pitchFamily="34" charset="0"/>
+            </a:endParaRPr>
+          </a:p>
+          <a:p>
+            <a:pPr algn="l">
+              <a:buFont typeface="Arial" panose="020B0604020202020204" pitchFamily="34" charset="0"/>
+              <a:buChar char="•"/>
+            </a:pPr>
+            <a:r>
+              <a:rPr lang="de-DE" sz="1800" b="0" i="0" u="sng" dirty="0">
+                <a:solidFill>
+                  <a:srgbClr val="00204F"/>
+                </a:solidFill>
+                <a:effectLst/>
+                <a:latin typeface="Segoe UI" panose="020B0502040204020203" pitchFamily="34" charset="0"/>
+              </a:rPr>
+              <a:t>Mandantenfähigkeit</a:t>
+            </a:r>
+            <a:br>
+              <a:rPr lang="de-DE" sz="1800" b="0" i="0" dirty="0">
+                <a:solidFill>
+                  <a:srgbClr val="00204F"/>
+                </a:solidFill>
+                <a:effectLst/>
+                <a:latin typeface="Segoe UI" panose="020B0502040204020203" pitchFamily="34" charset="0"/>
+              </a:rPr>
+            </a:br>
+            <a:r>
+              <a:rPr lang="de-DE" sz="1800" b="0" i="0" dirty="0">
+                <a:solidFill>
+                  <a:srgbClr val="00204F"/>
+                </a:solidFill>
+                <a:effectLst/>
+                <a:latin typeface="Segoe UI" panose="020B0502040204020203" pitchFamily="34" charset="0"/>
+              </a:rPr>
+              <a:t>Die RSG bedient mit ihren Produkten mehrere Banken welche auf unterschiedlichen SQL Server Instanzen betrieben werden. Die Datenbanken unterscheiden sich zusätzlich durch die Bzeichnung (Beispiel: Datenbank R34_ZDW, R36_ZDW). Diese Bezeichnungen sollen durch Synonyme ersetzt werden können.</a:t>
+            </a:r>
+            <a:endParaRPr lang="de-DE" b="0" i="0" dirty="0">
+              <a:solidFill>
+                <a:srgbClr val="201F1E"/>
+              </a:solidFill>
+              <a:effectLst/>
+              <a:latin typeface="Segoe UI" panose="020B0502040204020203" pitchFamily="34" charset="0"/>
+            </a:endParaRPr>
+          </a:p>
+          <a:p>
+            <a:pPr algn="l">
+              <a:buFont typeface="Arial" panose="020B0604020202020204" pitchFamily="34" charset="0"/>
+              <a:buChar char="•"/>
+            </a:pPr>
+            <a:r>
+              <a:rPr lang="de-DE" sz="1800" b="0" i="0" u="sng" dirty="0">
+                <a:solidFill>
+                  <a:srgbClr val="00204F"/>
+                </a:solidFill>
+                <a:effectLst/>
+                <a:latin typeface="Segoe UI" panose="020B0502040204020203" pitchFamily="34" charset="0"/>
+              </a:rPr>
+              <a:t>Verwendung im BI Reporting</a:t>
+            </a:r>
+            <a:br>
+              <a:rPr lang="de-DE" sz="1800" b="0" i="0" dirty="0">
+                <a:solidFill>
+                  <a:srgbClr val="00204F"/>
+                </a:solidFill>
+                <a:effectLst/>
+                <a:latin typeface="Segoe UI" panose="020B0502040204020203" pitchFamily="34" charset="0"/>
+              </a:rPr>
+            </a:br>
+            <a:r>
+              <a:rPr lang="de-DE" sz="1800" b="0" i="0" dirty="0">
+                <a:solidFill>
+                  <a:srgbClr val="00204F"/>
+                </a:solidFill>
+                <a:effectLst/>
+                <a:latin typeface="Segoe UI" panose="020B0502040204020203" pitchFamily="34" charset="0"/>
+              </a:rPr>
+              <a:t>Der Drittanbieter WebFocus für unsere BI Frontends unterstützt vollumfänglich Tabular Model als analytische Datenquelle.</a:t>
+            </a:r>
+            <a:endParaRPr lang="de-DE" b="0" i="0" dirty="0">
+              <a:solidFill>
+                <a:srgbClr val="201F1E"/>
+              </a:solidFill>
+              <a:effectLst/>
+              <a:latin typeface="Segoe UI" panose="020B0502040204020203" pitchFamily="34" charset="0"/>
+            </a:endParaRPr>
+          </a:p>
+          <a:p>
+            <a:pPr algn="l">
+              <a:buFont typeface="Arial" panose="020B0604020202020204" pitchFamily="34" charset="0"/>
+              <a:buChar char="•"/>
+            </a:pPr>
+            <a:r>
+              <a:rPr lang="de-DE" sz="1800" b="0" i="0" u="sng" dirty="0">
+                <a:solidFill>
+                  <a:srgbClr val="00204F"/>
+                </a:solidFill>
+                <a:effectLst/>
+                <a:latin typeface="Segoe UI" panose="020B0502040204020203" pitchFamily="34" charset="0"/>
+              </a:rPr>
+              <a:t>Einbindung von Datenbankobjekten aus dem</a:t>
+            </a:r>
+            <a:r>
+              <a:rPr lang="de-DE" sz="1800" b="0" i="0" dirty="0">
+                <a:solidFill>
+                  <a:srgbClr val="00204F"/>
+                </a:solidFill>
+                <a:effectLst/>
+                <a:latin typeface="Segoe UI" panose="020B0502040204020203" pitchFamily="34" charset="0"/>
+              </a:rPr>
+              <a:t> RDW</a:t>
+            </a:r>
+            <a:br>
+              <a:rPr lang="de-DE" sz="1800" b="0" i="0" dirty="0">
+                <a:solidFill>
+                  <a:srgbClr val="00204F"/>
+                </a:solidFill>
+                <a:effectLst/>
+                <a:latin typeface="Segoe UI" panose="020B0502040204020203" pitchFamily="34" charset="0"/>
+              </a:rPr>
+            </a:br>
+            <a:r>
+              <a:rPr lang="de-DE" sz="1800" b="0" i="0" dirty="0">
+                <a:solidFill>
+                  <a:srgbClr val="00204F"/>
+                </a:solidFill>
+                <a:effectLst/>
+                <a:latin typeface="Segoe UI" panose="020B0502040204020203" pitchFamily="34" charset="0"/>
+              </a:rPr>
+              <a:t>Es können beliebige Datenquellen aus dem RDW(SQL Server) eingebunden werden. Zusätzlich soll direkt im Zuge der Einbindung die Datenmenge in Form einer "Wehere" Bedingung eingeschränkt werden können. (Beispiel: TagID&lt;@aktuellerStichtag-365)</a:t>
+            </a:r>
+            <a:endParaRPr lang="de-DE" b="0" i="0" dirty="0">
+              <a:solidFill>
+                <a:srgbClr val="201F1E"/>
+              </a:solidFill>
+              <a:effectLst/>
+              <a:latin typeface="Segoe UI" panose="020B0502040204020203" pitchFamily="34" charset="0"/>
+            </a:endParaRPr>
+          </a:p>
+          <a:p>
+            <a:pPr algn="l">
+              <a:buFont typeface="Arial" panose="020B0604020202020204" pitchFamily="34" charset="0"/>
+              <a:buChar char="•"/>
+            </a:pPr>
+            <a:r>
+              <a:rPr lang="de-DE" sz="1800" b="0" i="0" u="sng" dirty="0">
+                <a:solidFill>
+                  <a:srgbClr val="00204F"/>
+                </a:solidFill>
+                <a:effectLst/>
+                <a:latin typeface="Segoe UI" panose="020B0502040204020203" pitchFamily="34" charset="0"/>
+              </a:rPr>
+              <a:t>Row-Level Security</a:t>
+            </a:r>
+            <a:br>
+              <a:rPr lang="de-DE" sz="1800" b="0" i="0" dirty="0">
+                <a:solidFill>
+                  <a:srgbClr val="00204F"/>
+                </a:solidFill>
+                <a:effectLst/>
+                <a:latin typeface="Segoe UI" panose="020B0502040204020203" pitchFamily="34" charset="0"/>
+              </a:rPr>
+            </a:br>
+            <a:r>
+              <a:rPr lang="de-DE" sz="1800" b="0" i="0" dirty="0">
+                <a:solidFill>
+                  <a:srgbClr val="00204F"/>
+                </a:solidFill>
+                <a:effectLst/>
+                <a:latin typeface="Segoe UI" panose="020B0502040204020203" pitchFamily="34" charset="0"/>
+              </a:rPr>
+              <a:t>Es kann direkt im Tabular Model eine Row-Level Security für jedes eingebundene Datenbankobjekt implementiert werden (Beispiel: BLZ). Alternativ kann die Einschränkung in der relationalen Datenbank implementiert werden. Quelle ist eine Tabelle mit allen Berechtigungsinformationen.</a:t>
+            </a:r>
+            <a:endParaRPr lang="de-DE" b="0" i="0" dirty="0">
+              <a:solidFill>
+                <a:srgbClr val="201F1E"/>
+              </a:solidFill>
+              <a:effectLst/>
+              <a:latin typeface="Segoe UI" panose="020B0502040204020203" pitchFamily="34" charset="0"/>
+            </a:endParaRPr>
+          </a:p>
+          <a:p>
+            <a:pPr algn="l">
+              <a:buFont typeface="Arial" panose="020B0604020202020204" pitchFamily="34" charset="0"/>
+              <a:buChar char="•"/>
+            </a:pPr>
+            <a:r>
+              <a:rPr lang="de-DE" sz="1800" b="0" i="0" u="sng" dirty="0">
+                <a:solidFill>
+                  <a:srgbClr val="00204F"/>
+                </a:solidFill>
+                <a:effectLst/>
+                <a:latin typeface="Segoe UI" panose="020B0502040204020203" pitchFamily="34" charset="0"/>
+              </a:rPr>
+              <a:t>Verwendung eines externen Berechtigungssystems</a:t>
+            </a:r>
+            <a:br>
+              <a:rPr lang="de-DE" sz="1800" b="0" i="0" dirty="0">
+                <a:solidFill>
+                  <a:srgbClr val="00204F"/>
+                </a:solidFill>
+                <a:effectLst/>
+                <a:latin typeface="Segoe UI" panose="020B0502040204020203" pitchFamily="34" charset="0"/>
+              </a:rPr>
+            </a:br>
+            <a:r>
+              <a:rPr lang="de-DE" sz="1800" b="0" i="0" dirty="0">
+                <a:solidFill>
+                  <a:srgbClr val="00204F"/>
+                </a:solidFill>
+                <a:effectLst/>
+                <a:latin typeface="Segoe UI" panose="020B0502040204020203" pitchFamily="34" charset="0"/>
+              </a:rPr>
+              <a:t>Zur Berechtigungsverwaltung wird IDM verwendet.</a:t>
+            </a:r>
+            <a:endParaRPr lang="de-DE" b="0" i="0" dirty="0">
+              <a:solidFill>
+                <a:srgbClr val="201F1E"/>
+              </a:solidFill>
+              <a:effectLst/>
+              <a:latin typeface="Segoe UI" panose="020B0502040204020203" pitchFamily="34" charset="0"/>
+            </a:endParaRPr>
+          </a:p>
+          <a:p>
+            <a:pPr algn="l">
+              <a:buFont typeface="Arial" panose="020B0604020202020204" pitchFamily="34" charset="0"/>
+              <a:buChar char="•"/>
+            </a:pPr>
+            <a:r>
+              <a:rPr lang="de-DE" sz="1800" b="0" i="0" u="sng" dirty="0">
+                <a:solidFill>
+                  <a:srgbClr val="00204F"/>
+                </a:solidFill>
+                <a:effectLst/>
+                <a:latin typeface="Segoe UI" panose="020B0502040204020203" pitchFamily="34" charset="0"/>
+              </a:rPr>
+              <a:t>In-Memory Funktionalitäten</a:t>
+            </a:r>
+            <a:br>
+              <a:rPr lang="de-DE" sz="1800" b="0" i="0" dirty="0">
+                <a:solidFill>
+                  <a:srgbClr val="00204F"/>
+                </a:solidFill>
+                <a:effectLst/>
+                <a:latin typeface="Segoe UI" panose="020B0502040204020203" pitchFamily="34" charset="0"/>
+              </a:rPr>
+            </a:br>
+            <a:r>
+              <a:rPr lang="de-DE" sz="1800" b="0" i="0" dirty="0">
+                <a:solidFill>
+                  <a:srgbClr val="00204F"/>
+                </a:solidFill>
+                <a:effectLst/>
+                <a:latin typeface="Segoe UI" panose="020B0502040204020203" pitchFamily="34" charset="0"/>
+              </a:rPr>
+              <a:t>Das System bietet zum einen die Möglichkeit, dass Daten direkt zur Laufzeit aus der relationalen Datenbank  ermittelt werden und zum anderen, dass besonders wichtige Informationen im Hauptspeicher vorgehalten werden. Die Definition kann je Datenbankobjekt aber auch je Stichtag(das letzte Monat) erfolgen.</a:t>
+            </a:r>
+            <a:br>
+              <a:rPr lang="de-DE" sz="1800" b="0" i="0" dirty="0">
+                <a:solidFill>
+                  <a:srgbClr val="FF0000"/>
+                </a:solidFill>
+                <a:effectLst/>
+                <a:latin typeface="Segoe UI" panose="020B0502040204020203" pitchFamily="34" charset="0"/>
+              </a:rPr>
+            </a:br>
+            <a:r>
+              <a:rPr lang="de-DE" sz="1800" b="0" i="0" dirty="0">
+                <a:solidFill>
+                  <a:srgbClr val="FF0000"/>
+                </a:solidFill>
+                <a:effectLst/>
+                <a:latin typeface="Segoe UI" panose="020B0502040204020203" pitchFamily="34" charset="0"/>
+              </a:rPr>
+              <a:t>Wie erfolgt die Aktualisierung der gespeicherten Daten? Können Rahmen definiert werden, dass bsp. maximal 250 MB je Objekt im Speicher gehalten werden dürfen?</a:t>
+            </a:r>
+            <a:endParaRPr lang="de-DE" b="0" i="0" dirty="0">
+              <a:solidFill>
+                <a:srgbClr val="201F1E"/>
+              </a:solidFill>
+              <a:effectLst/>
+              <a:latin typeface="Segoe UI" panose="020B0502040204020203" pitchFamily="34" charset="0"/>
+            </a:endParaRPr>
+          </a:p>
+          <a:p>
+            <a:pPr algn="l">
+              <a:buFont typeface="Arial" panose="020B0604020202020204" pitchFamily="34" charset="0"/>
+              <a:buChar char="•"/>
+            </a:pPr>
+            <a:r>
+              <a:rPr lang="de-DE" sz="1800" b="0" i="0" u="sng" dirty="0">
+                <a:solidFill>
+                  <a:srgbClr val="00204F"/>
+                </a:solidFill>
+                <a:effectLst/>
+                <a:latin typeface="Segoe UI" panose="020B0502040204020203" pitchFamily="34" charset="0"/>
+              </a:rPr>
+              <a:t>intuitive Modellierung</a:t>
+            </a:r>
+            <a:br>
+              <a:rPr lang="de-DE" sz="1800" b="0" i="0" dirty="0">
+                <a:solidFill>
+                  <a:srgbClr val="00204F"/>
+                </a:solidFill>
+                <a:effectLst/>
+                <a:latin typeface="Segoe UI" panose="020B0502040204020203" pitchFamily="34" charset="0"/>
+              </a:rPr>
+            </a:br>
+            <a:r>
+              <a:rPr lang="de-DE" sz="1800" b="0" i="0" dirty="0">
+                <a:solidFill>
+                  <a:srgbClr val="00204F"/>
+                </a:solidFill>
+                <a:effectLst/>
+                <a:latin typeface="Segoe UI" panose="020B0502040204020203" pitchFamily="34" charset="0"/>
+              </a:rPr>
+              <a:t>Die konkrete Modellierung der Datenbereiche erfolgt von den zuständigen RSG Fachteams</a:t>
+            </a:r>
+            <a:r>
+              <a:rPr lang="de-DE" sz="1800" b="0" i="0" dirty="0">
+                <a:solidFill>
+                  <a:srgbClr val="2F2F2F"/>
+                </a:solidFill>
+                <a:effectLst/>
+                <a:latin typeface="Segoe UI" panose="020B0502040204020203" pitchFamily="34" charset="0"/>
+              </a:rPr>
+              <a:t>, die Produktgruppe BI sorgt lediglich für die Einhaltung von Standards.</a:t>
+            </a:r>
+            <a:endParaRPr lang="de-DE" b="0" i="0" dirty="0">
+              <a:solidFill>
+                <a:srgbClr val="201F1E"/>
+              </a:solidFill>
+              <a:effectLst/>
+              <a:latin typeface="Segoe UI" panose="020B0502040204020203" pitchFamily="34" charset="0"/>
+            </a:endParaRPr>
+          </a:p>
+          <a:p>
+            <a:pPr algn="l">
+              <a:buFont typeface="Arial" panose="020B0604020202020204" pitchFamily="34" charset="0"/>
+              <a:buChar char="•"/>
+            </a:pPr>
+            <a:r>
+              <a:rPr lang="de-DE" sz="1800" b="0" i="0" u="sng" dirty="0">
+                <a:solidFill>
+                  <a:srgbClr val="00204F"/>
+                </a:solidFill>
+                <a:effectLst/>
+                <a:latin typeface="Segoe UI" panose="020B0502040204020203" pitchFamily="34" charset="0"/>
+              </a:rPr>
+              <a:t>Release Unabhängig</a:t>
+            </a:r>
+            <a:br>
+              <a:rPr lang="de-DE" sz="1800" b="0" i="0" dirty="0">
+                <a:solidFill>
+                  <a:srgbClr val="00204F"/>
+                </a:solidFill>
+                <a:effectLst/>
+                <a:latin typeface="Segoe UI" panose="020B0502040204020203" pitchFamily="34" charset="0"/>
+              </a:rPr>
+            </a:br>
+            <a:r>
+              <a:rPr lang="de-DE" sz="1800" b="0" i="0" dirty="0">
+                <a:solidFill>
+                  <a:srgbClr val="00204F"/>
+                </a:solidFill>
+                <a:effectLst/>
+                <a:latin typeface="Segoe UI" panose="020B0502040204020203" pitchFamily="34" charset="0"/>
+              </a:rPr>
+              <a:t>Das Deployment ist Release unabhängig für RSG- Requirements Engineers möglich. Trotzdem arbeitet der Ersteller auf einer entsprechende Entwicklungsumgebung, testet auf einer Testumgebung und kann selbständig deployen.</a:t>
+            </a:r>
+            <a:br>
+              <a:rPr lang="de-DE" sz="1800" b="0" i="0" dirty="0">
+                <a:solidFill>
+                  <a:srgbClr val="2F2F2F"/>
+                </a:solidFill>
+                <a:effectLst/>
+                <a:latin typeface="Segoe UI" panose="020B0502040204020203" pitchFamily="34" charset="0"/>
+              </a:rPr>
+            </a:br>
+            <a:r>
+              <a:rPr lang="de-DE" sz="1800" b="0" i="0" dirty="0">
+                <a:solidFill>
+                  <a:srgbClr val="2F2F2F"/>
+                </a:solidFill>
+                <a:effectLst/>
+                <a:latin typeface="Segoe UI" panose="020B0502040204020203" pitchFamily="34" charset="0"/>
+              </a:rPr>
+              <a:t>Kurze </a:t>
+            </a:r>
+            <a:r>
+              <a:rPr lang="de-DE" sz="1800" b="0" i="0" dirty="0">
+                <a:solidFill>
+                  <a:srgbClr val="00204F"/>
+                </a:solidFill>
+                <a:effectLst/>
+                <a:latin typeface="Segoe UI" panose="020B0502040204020203" pitchFamily="34" charset="0"/>
+              </a:rPr>
+              <a:t>Time-to-Solution</a:t>
+            </a:r>
+            <a:r>
+              <a:rPr lang="de-DE" sz="1800" b="0" i="0" dirty="0">
+                <a:solidFill>
+                  <a:srgbClr val="2F2F2F"/>
+                </a:solidFill>
+                <a:effectLst/>
+                <a:latin typeface="Segoe UI" panose="020B0502040204020203" pitchFamily="34" charset="0"/>
+              </a:rPr>
+              <a:t> Zyklen und Technologie ist </a:t>
+            </a:r>
+            <a:r>
+              <a:rPr lang="de-DE" sz="1800" b="0" i="0" dirty="0">
+                <a:solidFill>
+                  <a:srgbClr val="00204F"/>
+                </a:solidFill>
+                <a:effectLst/>
+                <a:latin typeface="Segoe UI" panose="020B0502040204020203" pitchFamily="34" charset="0"/>
+              </a:rPr>
+              <a:t>vergleichsweise einfach zu erlernen</a:t>
+            </a:r>
+            <a:r>
+              <a:rPr lang="de-DE" sz="1800" b="0" i="0" dirty="0">
+                <a:solidFill>
+                  <a:srgbClr val="2F2F2F"/>
+                </a:solidFill>
+                <a:effectLst/>
+                <a:latin typeface="Segoe UI" panose="020B0502040204020203" pitchFamily="34" charset="0"/>
+              </a:rPr>
+              <a:t>.</a:t>
+            </a:r>
+            <a:endParaRPr lang="de-DE" b="0" i="0" dirty="0">
+              <a:solidFill>
+                <a:srgbClr val="201F1E"/>
+              </a:solidFill>
+              <a:effectLst/>
+              <a:latin typeface="Segoe UI" panose="020B0502040204020203" pitchFamily="34" charset="0"/>
+            </a:endParaRPr>
+          </a:p>
+          <a:p>
+            <a:pPr algn="l">
+              <a:buFont typeface="Arial" panose="020B0604020202020204" pitchFamily="34" charset="0"/>
+              <a:buChar char="•"/>
+            </a:pPr>
+            <a:r>
+              <a:rPr lang="de-DE" sz="1800" b="0" i="0" u="sng" dirty="0">
+                <a:solidFill>
+                  <a:srgbClr val="2F2F2F"/>
+                </a:solidFill>
+                <a:effectLst/>
+                <a:latin typeface="Segoe UI" panose="020B0502040204020203" pitchFamily="34" charset="0"/>
+              </a:rPr>
+              <a:t>Logging</a:t>
+            </a:r>
+            <a:br>
+              <a:rPr lang="de-DE" sz="1800" b="0" i="0" dirty="0">
+                <a:solidFill>
+                  <a:srgbClr val="2F2F2F"/>
+                </a:solidFill>
+                <a:effectLst/>
+                <a:latin typeface="Segoe UI" panose="020B0502040204020203" pitchFamily="34" charset="0"/>
+              </a:rPr>
+            </a:br>
+            <a:r>
+              <a:rPr lang="de-DE" sz="1800" b="0" i="0" dirty="0">
+                <a:solidFill>
+                  <a:srgbClr val="2F2F2F"/>
+                </a:solidFill>
+                <a:effectLst/>
+                <a:latin typeface="Segoe UI" panose="020B0502040204020203" pitchFamily="34" charset="0"/>
+              </a:rPr>
+              <a:t>Alle sowohl alle Datenabfragen als auch Änderungen eines Modells müssen aufgezeichnet und im Bedarsfall ausgewertet werden können.</a:t>
+            </a:r>
+            <a:endParaRPr lang="de-DE" b="0" i="0" dirty="0">
+              <a:solidFill>
+                <a:srgbClr val="201F1E"/>
+              </a:solidFill>
+              <a:effectLst/>
+              <a:latin typeface="Segoe UI" panose="020B0502040204020203" pitchFamily="34" charset="0"/>
+            </a:endParaRPr>
+          </a:p>
+          <a:p>
+            <a:pPr algn="l">
+              <a:buFont typeface="Arial" panose="020B0604020202020204" pitchFamily="34" charset="0"/>
+              <a:buChar char="•"/>
+            </a:pPr>
+            <a:r>
+              <a:rPr lang="de-DE" sz="1800" b="0" i="0" u="sng" dirty="0">
+                <a:solidFill>
+                  <a:srgbClr val="2F2F2F"/>
+                </a:solidFill>
+                <a:effectLst/>
+                <a:latin typeface="Segoe UI" panose="020B0502040204020203" pitchFamily="34" charset="0"/>
+              </a:rPr>
+              <a:t>Ressourcensteuerung</a:t>
+            </a:r>
+            <a:br>
+              <a:rPr lang="de-DE" sz="1800" b="0" i="0" dirty="0">
+                <a:solidFill>
+                  <a:srgbClr val="2F2F2F"/>
+                </a:solidFill>
+                <a:effectLst/>
+                <a:latin typeface="Segoe UI" panose="020B0502040204020203" pitchFamily="34" charset="0"/>
+              </a:rPr>
+            </a:br>
+            <a:r>
+              <a:rPr lang="de-DE" sz="1800" b="0" i="0" dirty="0">
+                <a:solidFill>
+                  <a:srgbClr val="2F2F2F"/>
+                </a:solidFill>
+                <a:effectLst/>
+                <a:latin typeface="Segoe UI" panose="020B0502040204020203" pitchFamily="34" charset="0"/>
+              </a:rPr>
+              <a:t>Priorisierung je User; Max temp. TB Verbrauch</a:t>
+            </a:r>
+            <a:endParaRPr lang="de-DE" b="0" i="0" dirty="0">
+              <a:solidFill>
+                <a:srgbClr val="201F1E"/>
+              </a:solidFill>
+              <a:effectLst/>
+              <a:latin typeface="Segoe UI" panose="020B0502040204020203" pitchFamily="34" charset="0"/>
+            </a:endParaRPr>
+          </a:p>
+          <a:p>
+            <a:pPr algn="l">
+              <a:buFont typeface="Arial" panose="020B0604020202020204" pitchFamily="34" charset="0"/>
+              <a:buChar char="•"/>
+            </a:pPr>
+            <a:r>
+              <a:rPr lang="de-DE" sz="1800" b="0" i="0" dirty="0">
+                <a:solidFill>
+                  <a:srgbClr val="2F2F2F"/>
+                </a:solidFill>
+                <a:effectLst/>
+                <a:latin typeface="Segoe UI" panose="020B0502040204020203" pitchFamily="34" charset="0"/>
+              </a:rPr>
+              <a:t>Bewirtschaftungslogiken</a:t>
+            </a:r>
+            <a:br>
+              <a:rPr lang="de-DE" sz="1800" b="0" i="0" dirty="0">
+                <a:solidFill>
+                  <a:srgbClr val="201F1E"/>
+                </a:solidFill>
+                <a:effectLst/>
+                <a:latin typeface="Arial" panose="020B0604020202020204" pitchFamily="34" charset="0"/>
+              </a:rPr>
+            </a:br>
+            <a:endParaRPr lang="de-DE" b="0" i="0" dirty="0">
+              <a:solidFill>
+                <a:srgbClr val="201F1E"/>
+              </a:solidFill>
+              <a:effectLst/>
+              <a:latin typeface="Segoe UI" panose="020B0502040204020203" pitchFamily="34" charset="0"/>
+            </a:endParaRPr>
+          </a:p>
+          <a:p>
+            <a:endParaRPr lang="en-US" dirty="0"/>
+          </a:p>
+        </p:txBody>
+      </p:sp>
+      <p:sp>
+        <p:nvSpPr>
+          <p:cNvPr id="4" name="Slide Number Placeholder 3"/>
+          <p:cNvSpPr>
+            <a:spLocks noGrp="1"/>
+          </p:cNvSpPr>
+          <p:nvPr>
+            <p:ph type="sldNum" sz="quarter" idx="5"/>
+          </p:nvPr>
+        </p:nvSpPr>
+        <p:spPr/>
+        <p:txBody>
+          <a:bodyPr/>
+          <a:lstStyle/>
+          <a:p>
+            <a:fld id="{7F7719C4-5CCB-4564-8DFB-21D3D1DEC7F1}" type="slidenum">
+              <a:rPr lang="en-US" smtClean="0"/>
+              <a:t>27</a:t>
             </a:fld>
             <a:endParaRPr lang="en-US"/>
           </a:p>
@@ -4021,6 +4381,16 @@
             </a:r>
           </a:p>
           <a:p>
+            <a:endParaRPr lang="en-US" dirty="0"/>
+          </a:p>
+          <a:p>
+            <a:endParaRPr lang="en-US" dirty="0"/>
+          </a:p>
+          <a:p>
+            <a:r>
+              <a:rPr lang="en-US" dirty="0"/>
+              <a:t>Scope in MD tells you what filter is in context that allows you to compute a different measure</a:t>
+            </a:r>
             <a:endParaRPr lang="en-AT" dirty="0"/>
           </a:p>
         </p:txBody>
@@ -15323,150 +15693,10 @@
       </p:grpSpPr>
       <p:sp>
         <p:nvSpPr>
-          <p:cNvPr id="2" name="Title 1">
+          <p:cNvPr id="2" name="Titel 1">
             <a:extLst>
               <a:ext uri="{FF2B5EF4-FFF2-40B4-BE49-F238E27FC236}">
-                <a16:creationId xmlns:a16="http://schemas.microsoft.com/office/drawing/2014/main" id="{E43A9477-7E33-4EA3-A56B-48F51E0F8CB7}"/>
-              </a:ext>
-            </a:extLst>
-          </p:cNvPr>
-          <p:cNvSpPr>
-            <a:spLocks noGrp="1"/>
-          </p:cNvSpPr>
-          <p:nvPr>
-            <p:ph type="ctrTitle"/>
-          </p:nvPr>
-        </p:nvSpPr>
-        <p:spPr/>
-        <p:txBody>
-          <a:bodyPr>
-            <a:normAutofit/>
-          </a:bodyPr>
-          <a:lstStyle/>
-          <a:p>
-            <a:r>
-              <a:rPr lang="de-AT" dirty="0"/>
-              <a:t>Tabular-Model for Financial Reporting</a:t>
-            </a:r>
-            <a:endParaRPr lang="en-US" dirty="0"/>
-          </a:p>
-        </p:txBody>
-      </p:sp>
-      <p:sp>
-        <p:nvSpPr>
-          <p:cNvPr id="3" name="Subtitle 2">
-            <a:extLst>
-              <a:ext uri="{FF2B5EF4-FFF2-40B4-BE49-F238E27FC236}">
-                <a16:creationId xmlns:a16="http://schemas.microsoft.com/office/drawing/2014/main" id="{716F2DA5-4CEE-41BC-9745-C38E9377E7A4}"/>
-              </a:ext>
-            </a:extLst>
-          </p:cNvPr>
-          <p:cNvSpPr>
-            <a:spLocks noGrp="1"/>
-          </p:cNvSpPr>
-          <p:nvPr>
-            <p:ph type="subTitle" idx="1"/>
-          </p:nvPr>
-        </p:nvSpPr>
-        <p:spPr/>
-        <p:txBody>
-          <a:bodyPr/>
-          <a:lstStyle/>
-          <a:p>
-            <a:r>
-              <a:rPr lang="de-AT" dirty="0"/>
-              <a:t>Deployment</a:t>
-            </a:r>
-          </a:p>
-          <a:p>
-            <a:endParaRPr lang="de-AT" dirty="0"/>
-          </a:p>
-          <a:p>
-            <a:endParaRPr lang="de-AT" dirty="0"/>
-          </a:p>
-          <a:p>
-            <a:endParaRPr lang="en-US" dirty="0"/>
-          </a:p>
-        </p:txBody>
-      </p:sp>
-      <p:sp>
-        <p:nvSpPr>
-          <p:cNvPr id="4" name="TextBox 3">
-            <a:extLst>
-              <a:ext uri="{FF2B5EF4-FFF2-40B4-BE49-F238E27FC236}">
-                <a16:creationId xmlns:a16="http://schemas.microsoft.com/office/drawing/2014/main" id="{622AB541-8D83-4DC9-97A3-3161C8A92D33}"/>
-              </a:ext>
-            </a:extLst>
-          </p:cNvPr>
-          <p:cNvSpPr txBox="1"/>
-          <p:nvPr/>
-        </p:nvSpPr>
-        <p:spPr>
-          <a:xfrm>
-            <a:off x="891348" y="5763025"/>
-            <a:ext cx="2565061" cy="646331"/>
-          </a:xfrm>
-          <a:prstGeom prst="rect">
-            <a:avLst/>
-          </a:prstGeom>
-          <a:noFill/>
-        </p:spPr>
-        <p:txBody>
-          <a:bodyPr wrap="none" rtlCol="0">
-            <a:spAutoFit/>
-          </a:bodyPr>
-          <a:lstStyle/>
-          <a:p>
-            <a:r>
-              <a:rPr lang="de-AT" dirty="0"/>
-              <a:t>Custom Workshop</a:t>
-            </a:r>
-          </a:p>
-          <a:p>
-            <a:r>
-              <a:rPr lang="de-AT" dirty="0"/>
-              <a:t>Lukas Steindl, 16.10.2020</a:t>
-            </a:r>
-            <a:endParaRPr lang="en-US" dirty="0"/>
-          </a:p>
-        </p:txBody>
-      </p:sp>
-    </p:spTree>
-    <p:extLst>
-      <p:ext uri="{BB962C8B-B14F-4D97-AF65-F5344CB8AC3E}">
-        <p14:creationId xmlns:p14="http://schemas.microsoft.com/office/powerpoint/2010/main" val="1204027034"/>
-      </p:ext>
-    </p:extLst>
-  </p:cSld>
-  <p:clrMapOvr>
-    <a:masterClrMapping/>
-  </p:clrMapOvr>
-</p:sld>
-</file>
-
-<file path=ppt/slides/slide25.xml><?xml version="1.0" encoding="utf-8"?>
-<p:sld xmlns:a="http://schemas.openxmlformats.org/drawingml/2006/main" xmlns:r="http://schemas.openxmlformats.org/officeDocument/2006/relationships" xmlns:p="http://schemas.openxmlformats.org/presentationml/2006/main">
-  <p:cSld>
-    <p:spTree>
-      <p:nvGrpSpPr>
-        <p:cNvPr id="1" name=""/>
-        <p:cNvGrpSpPr/>
-        <p:nvPr/>
-      </p:nvGrpSpPr>
-      <p:grpSpPr>
-        <a:xfrm>
-          <a:off x="0" y="0"/>
-          <a:ext cx="0" cy="0"/>
-          <a:chOff x="0" y="0"/>
-          <a:chExt cx="0" cy="0"/>
-        </a:xfrm>
-      </p:grpSpPr>
-      <p:sp>
-        <p:nvSpPr>
-          <p:cNvPr id="2" name="Title 1">
-            <a:extLst>
-              <a:ext uri="{FF2B5EF4-FFF2-40B4-BE49-F238E27FC236}">
-                <a16:creationId xmlns:a16="http://schemas.microsoft.com/office/drawing/2014/main" id="{2E7B97F3-2653-4C6E-80C2-9D8DBB2FF641}"/>
+                <a16:creationId xmlns:a16="http://schemas.microsoft.com/office/drawing/2014/main" id="{9B5339DF-12F1-4AE8-8D25-6069F37B7D9F}"/>
               </a:ext>
             </a:extLst>
           </p:cNvPr>
@@ -15483,19 +15713,19 @@
           <a:lstStyle/>
           <a:p>
             <a:r>
-              <a:rPr lang="de-AT" dirty="0"/>
-              <a:t>Deployment</a:t>
-            </a:r>
-            <a:endParaRPr lang="en-US" dirty="0"/>
+              <a:rPr lang="en-US" dirty="0"/>
+              <a:t>Processing Options</a:t>
+            </a:r>
+            <a:endParaRPr lang="en-AT" dirty="0"/>
           </a:p>
         </p:txBody>
       </p:sp>
       <p:sp>
         <p:nvSpPr>
-          <p:cNvPr id="3" name="Content Placeholder 2">
+          <p:cNvPr id="3" name="Inhaltsplatzhalter 2">
             <a:extLst>
               <a:ext uri="{FF2B5EF4-FFF2-40B4-BE49-F238E27FC236}">
-                <a16:creationId xmlns:a16="http://schemas.microsoft.com/office/drawing/2014/main" id="{E8417546-AF84-464D-B9C9-7AE279074BE1}"/>
+                <a16:creationId xmlns:a16="http://schemas.microsoft.com/office/drawing/2014/main" id="{02FCC2AE-B548-4277-8DC2-DF021EB9905C}"/>
               </a:ext>
             </a:extLst>
           </p:cNvPr>
@@ -15512,64 +15742,1734 @@
           <a:lstStyle/>
           <a:p>
             <a:r>
-              <a:rPr lang="de-AT" dirty="0"/>
-              <a:t>Analysis Services on Premise</a:t>
-            </a:r>
-          </a:p>
-          <a:p>
-            <a:r>
-              <a:rPr lang="de-AT" dirty="0"/>
-              <a:t>Analysis Services Service in Azure</a:t>
-            </a:r>
-          </a:p>
-          <a:p>
-            <a:r>
-              <a:rPr lang="de-AT" dirty="0"/>
-              <a:t>Power BI Premium Service</a:t>
-            </a:r>
-            <a:endParaRPr lang="en-US" dirty="0"/>
+              <a:rPr lang="en-US" dirty="0"/>
+              <a:t>Processing possible at 3 Levels of granularity</a:t>
+            </a:r>
+            <a:endParaRPr lang="en-AT" dirty="0"/>
           </a:p>
         </p:txBody>
       </p:sp>
-      <p:sp>
-        <p:nvSpPr>
-          <p:cNvPr id="5" name="TextBox 4">
+      <p:graphicFrame>
+        <p:nvGraphicFramePr>
+          <p:cNvPr id="5" name="Table 6">
             <a:extLst>
               <a:ext uri="{FF2B5EF4-FFF2-40B4-BE49-F238E27FC236}">
-                <a16:creationId xmlns:a16="http://schemas.microsoft.com/office/drawing/2014/main" id="{6D14F06E-ADA7-4DA8-80DA-D2FB21CC83C3}"/>
+                <a16:creationId xmlns:a16="http://schemas.microsoft.com/office/drawing/2014/main" id="{4A2CFA0C-E759-4D6F-92DF-0C372776756D}"/>
               </a:ext>
             </a:extLst>
           </p:cNvPr>
-          <p:cNvSpPr txBox="1"/>
-          <p:nvPr/>
-        </p:nvSpPr>
-        <p:spPr>
-          <a:xfrm>
-            <a:off x="838200" y="6080756"/>
-            <a:ext cx="11110472" cy="646331"/>
-          </a:xfrm>
-          <a:prstGeom prst="rect">
-            <a:avLst/>
-          </a:prstGeom>
-          <a:noFill/>
-        </p:spPr>
-        <p:txBody>
-          <a:bodyPr wrap="square">
-            <a:spAutoFit/>
-          </a:bodyPr>
-          <a:lstStyle/>
-          <a:p>
-            <a:r>
-              <a:rPr lang="en-US" dirty="0"/>
-              <a:t>https://docs.microsoft.com/en-us/analysis-services/deployment/deploy-from-visual-studio-tabular?view=asallproducts-allversions</a:t>
-            </a:r>
-          </a:p>
-        </p:txBody>
-      </p:sp>
+          <p:cNvGraphicFramePr>
+            <a:graphicFrameLocks noGrp="1"/>
+          </p:cNvGraphicFramePr>
+          <p:nvPr>
+            <p:extLst>
+              <p:ext uri="{D42A27DB-BD31-4B8C-83A1-F6EECF244321}">
+                <p14:modId xmlns:p14="http://schemas.microsoft.com/office/powerpoint/2010/main" val="4262051041"/>
+              </p:ext>
+            </p:extLst>
+          </p:nvPr>
+        </p:nvGraphicFramePr>
+        <p:xfrm>
+          <a:off x="2521699" y="2667000"/>
+          <a:ext cx="6774703" cy="3253584"/>
+        </p:xfrm>
+        <a:graphic>
+          <a:graphicData uri="http://schemas.openxmlformats.org/drawingml/2006/table">
+            <a:tbl>
+              <a:tblPr/>
+              <a:tblGrid>
+                <a:gridCol w="2469751">
+                  <a:extLst>
+                    <a:ext uri="{9D8B030D-6E8A-4147-A177-3AD203B41FA5}">
+                      <a16:colId xmlns:a16="http://schemas.microsoft.com/office/drawing/2014/main" val="20000"/>
+                    </a:ext>
+                  </a:extLst>
+                </a:gridCol>
+                <a:gridCol w="1434984">
+                  <a:extLst>
+                    <a:ext uri="{9D8B030D-6E8A-4147-A177-3AD203B41FA5}">
+                      <a16:colId xmlns:a16="http://schemas.microsoft.com/office/drawing/2014/main" val="20001"/>
+                    </a:ext>
+                  </a:extLst>
+                </a:gridCol>
+                <a:gridCol w="1434984">
+                  <a:extLst>
+                    <a:ext uri="{9D8B030D-6E8A-4147-A177-3AD203B41FA5}">
+                      <a16:colId xmlns:a16="http://schemas.microsoft.com/office/drawing/2014/main" val="20002"/>
+                    </a:ext>
+                  </a:extLst>
+                </a:gridCol>
+                <a:gridCol w="1434984">
+                  <a:extLst>
+                    <a:ext uri="{9D8B030D-6E8A-4147-A177-3AD203B41FA5}">
+                      <a16:colId xmlns:a16="http://schemas.microsoft.com/office/drawing/2014/main" val="20003"/>
+                    </a:ext>
+                  </a:extLst>
+                </a:gridCol>
+              </a:tblGrid>
+              <a:tr h="406698">
+                <a:tc>
+                  <a:txBody>
+                    <a:bodyPr/>
+                    <a:lstStyle/>
+                    <a:p>
+                      <a:pPr algn="l" fontAlgn="b"/>
+                      <a:r>
+                        <a:rPr lang="pt-PT" sz="2000" b="1" i="0" u="none" strike="noStrike" dirty="0">
+                          <a:solidFill>
+                            <a:srgbClr val="FFFFFF"/>
+                          </a:solidFill>
+                          <a:effectLst/>
+                          <a:latin typeface="Calibri" panose="020F0502020204030204" pitchFamily="34" charset="0"/>
+                        </a:rPr>
+                        <a:t>Processing Option </a:t>
+                      </a:r>
+                    </a:p>
+                  </a:txBody>
+                  <a:tcPr marL="9525" marR="9525" marT="9525" marB="0" anchor="b">
+                    <a:lnL w="6350" cap="flat" cmpd="sng" algn="ctr">
+                      <a:solidFill>
+                        <a:srgbClr val="9BC2E6"/>
+                      </a:solidFill>
+                      <a:prstDash val="solid"/>
+                      <a:round/>
+                      <a:headEnd type="none" w="med" len="med"/>
+                      <a:tailEnd type="none" w="med" len="med"/>
+                    </a:lnL>
+                    <a:lnR>
+                      <a:noFill/>
+                    </a:lnR>
+                    <a:lnT w="6350" cap="flat" cmpd="sng" algn="ctr">
+                      <a:solidFill>
+                        <a:srgbClr val="9BC2E6"/>
+                      </a:solidFill>
+                      <a:prstDash val="solid"/>
+                      <a:round/>
+                      <a:headEnd type="none" w="med" len="med"/>
+                      <a:tailEnd type="none" w="med" len="med"/>
+                    </a:lnT>
+                    <a:lnB w="6350" cap="flat" cmpd="sng" algn="ctr">
+                      <a:solidFill>
+                        <a:srgbClr val="9BC2E6"/>
+                      </a:solidFill>
+                      <a:prstDash val="solid"/>
+                      <a:round/>
+                      <a:headEnd type="none" w="med" len="med"/>
+                      <a:tailEnd type="none" w="med" len="med"/>
+                    </a:lnB>
+                    <a:solidFill>
+                      <a:srgbClr val="5B9BD5"/>
+                    </a:solidFill>
+                  </a:tcPr>
+                </a:tc>
+                <a:tc>
+                  <a:txBody>
+                    <a:bodyPr/>
+                    <a:lstStyle/>
+                    <a:p>
+                      <a:pPr algn="ctr" fontAlgn="b"/>
+                      <a:r>
+                        <a:rPr lang="pt-PT" sz="2000" b="1" i="0" u="none" strike="noStrike">
+                          <a:solidFill>
+                            <a:srgbClr val="FFFFFF"/>
+                          </a:solidFill>
+                          <a:effectLst/>
+                          <a:latin typeface="Calibri" panose="020F0502020204030204" pitchFamily="34" charset="0"/>
+                        </a:rPr>
+                        <a:t>Database </a:t>
+                      </a:r>
+                    </a:p>
+                  </a:txBody>
+                  <a:tcPr marL="9525" marR="9525" marT="9525" marB="0" anchor="b">
+                    <a:lnL>
+                      <a:noFill/>
+                    </a:lnL>
+                    <a:lnR>
+                      <a:noFill/>
+                    </a:lnR>
+                    <a:lnT w="6350" cap="flat" cmpd="sng" algn="ctr">
+                      <a:solidFill>
+                        <a:srgbClr val="9BC2E6"/>
+                      </a:solidFill>
+                      <a:prstDash val="solid"/>
+                      <a:round/>
+                      <a:headEnd type="none" w="med" len="med"/>
+                      <a:tailEnd type="none" w="med" len="med"/>
+                    </a:lnT>
+                    <a:lnB w="6350" cap="flat" cmpd="sng" algn="ctr">
+                      <a:solidFill>
+                        <a:srgbClr val="9BC2E6"/>
+                      </a:solidFill>
+                      <a:prstDash val="solid"/>
+                      <a:round/>
+                      <a:headEnd type="none" w="med" len="med"/>
+                      <a:tailEnd type="none" w="med" len="med"/>
+                    </a:lnB>
+                    <a:solidFill>
+                      <a:srgbClr val="5B9BD5"/>
+                    </a:solidFill>
+                  </a:tcPr>
+                </a:tc>
+                <a:tc>
+                  <a:txBody>
+                    <a:bodyPr/>
+                    <a:lstStyle/>
+                    <a:p>
+                      <a:pPr algn="ctr" fontAlgn="b"/>
+                      <a:r>
+                        <a:rPr lang="pt-PT" sz="2000" b="1" i="0" u="none" strike="noStrike">
+                          <a:solidFill>
+                            <a:srgbClr val="FFFFFF"/>
+                          </a:solidFill>
+                          <a:effectLst/>
+                          <a:latin typeface="Calibri" panose="020F0502020204030204" pitchFamily="34" charset="0"/>
+                        </a:rPr>
+                        <a:t>Table </a:t>
+                      </a:r>
+                    </a:p>
+                  </a:txBody>
+                  <a:tcPr marL="9525" marR="9525" marT="9525" marB="0" anchor="b">
+                    <a:lnL>
+                      <a:noFill/>
+                    </a:lnL>
+                    <a:lnR>
+                      <a:noFill/>
+                    </a:lnR>
+                    <a:lnT w="6350" cap="flat" cmpd="sng" algn="ctr">
+                      <a:solidFill>
+                        <a:srgbClr val="9BC2E6"/>
+                      </a:solidFill>
+                      <a:prstDash val="solid"/>
+                      <a:round/>
+                      <a:headEnd type="none" w="med" len="med"/>
+                      <a:tailEnd type="none" w="med" len="med"/>
+                    </a:lnT>
+                    <a:lnB w="6350" cap="flat" cmpd="sng" algn="ctr">
+                      <a:solidFill>
+                        <a:srgbClr val="9BC2E6"/>
+                      </a:solidFill>
+                      <a:prstDash val="solid"/>
+                      <a:round/>
+                      <a:headEnd type="none" w="med" len="med"/>
+                      <a:tailEnd type="none" w="med" len="med"/>
+                    </a:lnB>
+                    <a:solidFill>
+                      <a:srgbClr val="5B9BD5"/>
+                    </a:solidFill>
+                  </a:tcPr>
+                </a:tc>
+                <a:tc>
+                  <a:txBody>
+                    <a:bodyPr/>
+                    <a:lstStyle/>
+                    <a:p>
+                      <a:pPr algn="ctr" fontAlgn="b"/>
+                      <a:r>
+                        <a:rPr lang="pt-PT" sz="2000" b="1" i="0" u="none" strike="noStrike">
+                          <a:solidFill>
+                            <a:srgbClr val="FFFFFF"/>
+                          </a:solidFill>
+                          <a:effectLst/>
+                          <a:latin typeface="Calibri" panose="020F0502020204030204" pitchFamily="34" charset="0"/>
+                        </a:rPr>
+                        <a:t>Partition</a:t>
+                      </a:r>
+                    </a:p>
+                  </a:txBody>
+                  <a:tcPr marL="9525" marR="9525" marT="9525" marB="0" anchor="b">
+                    <a:lnL>
+                      <a:noFill/>
+                    </a:lnL>
+                    <a:lnR w="6350" cap="flat" cmpd="sng" algn="ctr">
+                      <a:solidFill>
+                        <a:srgbClr val="9BC2E6"/>
+                      </a:solidFill>
+                      <a:prstDash val="solid"/>
+                      <a:round/>
+                      <a:headEnd type="none" w="med" len="med"/>
+                      <a:tailEnd type="none" w="med" len="med"/>
+                    </a:lnR>
+                    <a:lnT w="6350" cap="flat" cmpd="sng" algn="ctr">
+                      <a:solidFill>
+                        <a:srgbClr val="9BC2E6"/>
+                      </a:solidFill>
+                      <a:prstDash val="solid"/>
+                      <a:round/>
+                      <a:headEnd type="none" w="med" len="med"/>
+                      <a:tailEnd type="none" w="med" len="med"/>
+                    </a:lnT>
+                    <a:lnB w="6350" cap="flat" cmpd="sng" algn="ctr">
+                      <a:solidFill>
+                        <a:srgbClr val="9BC2E6"/>
+                      </a:solidFill>
+                      <a:prstDash val="solid"/>
+                      <a:round/>
+                      <a:headEnd type="none" w="med" len="med"/>
+                      <a:tailEnd type="none" w="med" len="med"/>
+                    </a:lnB>
+                    <a:solidFill>
+                      <a:srgbClr val="5B9BD5"/>
+                    </a:solidFill>
+                  </a:tcPr>
+                </a:tc>
+                <a:extLst>
+                  <a:ext uri="{0D108BD9-81ED-4DB2-BD59-A6C34878D82A}">
+                    <a16:rowId xmlns:a16="http://schemas.microsoft.com/office/drawing/2014/main" val="10000"/>
+                  </a:ext>
+                </a:extLst>
+              </a:tr>
+              <a:tr h="406698">
+                <a:tc>
+                  <a:txBody>
+                    <a:bodyPr/>
+                    <a:lstStyle/>
+                    <a:p>
+                      <a:pPr algn="l" fontAlgn="b"/>
+                      <a:r>
+                        <a:rPr lang="pt-PT" sz="2000" b="0" i="0" u="none" strike="noStrike">
+                          <a:solidFill>
+                            <a:srgbClr val="000000"/>
+                          </a:solidFill>
+                          <a:effectLst/>
+                          <a:latin typeface="Calibri" panose="020F0502020204030204" pitchFamily="34" charset="0"/>
+                        </a:rPr>
+                        <a:t>Process Add </a:t>
+                      </a:r>
+                    </a:p>
+                  </a:txBody>
+                  <a:tcPr marL="9525" marR="9525" marT="9525" marB="0" anchor="b">
+                    <a:lnL w="6350" cap="flat" cmpd="sng" algn="ctr">
+                      <a:solidFill>
+                        <a:srgbClr val="9BC2E6"/>
+                      </a:solidFill>
+                      <a:prstDash val="solid"/>
+                      <a:round/>
+                      <a:headEnd type="none" w="med" len="med"/>
+                      <a:tailEnd type="none" w="med" len="med"/>
+                    </a:lnL>
+                    <a:lnR>
+                      <a:noFill/>
+                    </a:lnR>
+                    <a:lnT w="6350" cap="flat" cmpd="sng" algn="ctr">
+                      <a:solidFill>
+                        <a:srgbClr val="9BC2E6"/>
+                      </a:solidFill>
+                      <a:prstDash val="solid"/>
+                      <a:round/>
+                      <a:headEnd type="none" w="med" len="med"/>
+                      <a:tailEnd type="none" w="med" len="med"/>
+                    </a:lnT>
+                    <a:lnB w="6350" cap="flat" cmpd="sng" algn="ctr">
+                      <a:solidFill>
+                        <a:srgbClr val="9BC2E6"/>
+                      </a:solidFill>
+                      <a:prstDash val="solid"/>
+                      <a:round/>
+                      <a:headEnd type="none" w="med" len="med"/>
+                      <a:tailEnd type="none" w="med" len="med"/>
+                    </a:lnB>
+                    <a:solidFill>
+                      <a:srgbClr val="DDEBF7"/>
+                    </a:solidFill>
+                  </a:tcPr>
+                </a:tc>
+                <a:tc>
+                  <a:txBody>
+                    <a:bodyPr/>
+                    <a:lstStyle/>
+                    <a:p>
+                      <a:pPr algn="ctr" fontAlgn="b"/>
+                      <a:endParaRPr lang="pt-PT" sz="2000" b="0" i="0" u="none" strike="noStrike">
+                        <a:solidFill>
+                          <a:srgbClr val="000000"/>
+                        </a:solidFill>
+                        <a:effectLst/>
+                        <a:latin typeface="Calibri" panose="020F0502020204030204" pitchFamily="34" charset="0"/>
+                      </a:endParaRPr>
+                    </a:p>
+                  </a:txBody>
+                  <a:tcPr marL="9525" marR="9525" marT="9525" marB="0" anchor="b">
+                    <a:lnL>
+                      <a:noFill/>
+                    </a:lnL>
+                    <a:lnR>
+                      <a:noFill/>
+                    </a:lnR>
+                    <a:lnT w="6350" cap="flat" cmpd="sng" algn="ctr">
+                      <a:solidFill>
+                        <a:srgbClr val="9BC2E6"/>
+                      </a:solidFill>
+                      <a:prstDash val="solid"/>
+                      <a:round/>
+                      <a:headEnd type="none" w="med" len="med"/>
+                      <a:tailEnd type="none" w="med" len="med"/>
+                    </a:lnT>
+                    <a:lnB w="6350" cap="flat" cmpd="sng" algn="ctr">
+                      <a:solidFill>
+                        <a:srgbClr val="9BC2E6"/>
+                      </a:solidFill>
+                      <a:prstDash val="solid"/>
+                      <a:round/>
+                      <a:headEnd type="none" w="med" len="med"/>
+                      <a:tailEnd type="none" w="med" len="med"/>
+                    </a:lnB>
+                    <a:solidFill>
+                      <a:srgbClr val="DDEBF7"/>
+                    </a:solidFill>
+                  </a:tcPr>
+                </a:tc>
+                <a:tc>
+                  <a:txBody>
+                    <a:bodyPr/>
+                    <a:lstStyle/>
+                    <a:p>
+                      <a:pPr algn="ctr" fontAlgn="b"/>
+                      <a:endParaRPr lang="pt-PT" sz="2000" b="0" i="0" u="none" strike="noStrike">
+                        <a:solidFill>
+                          <a:srgbClr val="000000"/>
+                        </a:solidFill>
+                        <a:effectLst/>
+                        <a:latin typeface="Calibri" panose="020F0502020204030204" pitchFamily="34" charset="0"/>
+                      </a:endParaRPr>
+                    </a:p>
+                  </a:txBody>
+                  <a:tcPr marL="9525" marR="9525" marT="9525" marB="0" anchor="b">
+                    <a:lnL>
+                      <a:noFill/>
+                    </a:lnL>
+                    <a:lnR>
+                      <a:noFill/>
+                    </a:lnR>
+                    <a:lnT w="6350" cap="flat" cmpd="sng" algn="ctr">
+                      <a:solidFill>
+                        <a:srgbClr val="9BC2E6"/>
+                      </a:solidFill>
+                      <a:prstDash val="solid"/>
+                      <a:round/>
+                      <a:headEnd type="none" w="med" len="med"/>
+                      <a:tailEnd type="none" w="med" len="med"/>
+                    </a:lnT>
+                    <a:lnB w="6350" cap="flat" cmpd="sng" algn="ctr">
+                      <a:solidFill>
+                        <a:srgbClr val="9BC2E6"/>
+                      </a:solidFill>
+                      <a:prstDash val="solid"/>
+                      <a:round/>
+                      <a:headEnd type="none" w="med" len="med"/>
+                      <a:tailEnd type="none" w="med" len="med"/>
+                    </a:lnB>
+                    <a:solidFill>
+                      <a:srgbClr val="DDEBF7"/>
+                    </a:solidFill>
+                  </a:tcPr>
+                </a:tc>
+                <a:tc>
+                  <a:txBody>
+                    <a:bodyPr/>
+                    <a:lstStyle/>
+                    <a:p>
+                      <a:pPr algn="ctr" fontAlgn="b"/>
+                      <a:r>
+                        <a:rPr lang="pt-PT" sz="2000" b="0" i="0" u="none" strike="noStrike">
+                          <a:solidFill>
+                            <a:srgbClr val="000000"/>
+                          </a:solidFill>
+                          <a:effectLst/>
+                          <a:latin typeface="Calibri" panose="020F0502020204030204" pitchFamily="34" charset="0"/>
+                        </a:rPr>
+                        <a:t>Not in UI</a:t>
+                      </a:r>
+                    </a:p>
+                  </a:txBody>
+                  <a:tcPr marL="9525" marR="9525" marT="9525" marB="0" anchor="b">
+                    <a:lnL>
+                      <a:noFill/>
+                    </a:lnL>
+                    <a:lnR w="6350" cap="flat" cmpd="sng" algn="ctr">
+                      <a:solidFill>
+                        <a:srgbClr val="9BC2E6"/>
+                      </a:solidFill>
+                      <a:prstDash val="solid"/>
+                      <a:round/>
+                      <a:headEnd type="none" w="med" len="med"/>
+                      <a:tailEnd type="none" w="med" len="med"/>
+                    </a:lnR>
+                    <a:lnT w="6350" cap="flat" cmpd="sng" algn="ctr">
+                      <a:solidFill>
+                        <a:srgbClr val="9BC2E6"/>
+                      </a:solidFill>
+                      <a:prstDash val="solid"/>
+                      <a:round/>
+                      <a:headEnd type="none" w="med" len="med"/>
+                      <a:tailEnd type="none" w="med" len="med"/>
+                    </a:lnT>
+                    <a:lnB w="6350" cap="flat" cmpd="sng" algn="ctr">
+                      <a:solidFill>
+                        <a:srgbClr val="9BC2E6"/>
+                      </a:solidFill>
+                      <a:prstDash val="solid"/>
+                      <a:round/>
+                      <a:headEnd type="none" w="med" len="med"/>
+                      <a:tailEnd type="none" w="med" len="med"/>
+                    </a:lnB>
+                    <a:solidFill>
+                      <a:srgbClr val="DDEBF7"/>
+                    </a:solidFill>
+                  </a:tcPr>
+                </a:tc>
+                <a:extLst>
+                  <a:ext uri="{0D108BD9-81ED-4DB2-BD59-A6C34878D82A}">
+                    <a16:rowId xmlns:a16="http://schemas.microsoft.com/office/drawing/2014/main" val="10001"/>
+                  </a:ext>
+                </a:extLst>
+              </a:tr>
+              <a:tr h="406698">
+                <a:tc>
+                  <a:txBody>
+                    <a:bodyPr/>
+                    <a:lstStyle/>
+                    <a:p>
+                      <a:pPr algn="l" fontAlgn="b"/>
+                      <a:r>
+                        <a:rPr lang="pt-PT" sz="2000" b="0" i="0" u="none" strike="noStrike" dirty="0">
+                          <a:solidFill>
+                            <a:schemeClr val="accent2">
+                              <a:lumMod val="75000"/>
+                            </a:schemeClr>
+                          </a:solidFill>
+                          <a:effectLst/>
+                          <a:latin typeface="Calibri" panose="020F0502020204030204" pitchFamily="34" charset="0"/>
+                        </a:rPr>
+                        <a:t>Process Clear </a:t>
+                      </a:r>
+                    </a:p>
+                  </a:txBody>
+                  <a:tcPr marL="9525" marR="9525" marT="9525" marB="0" anchor="b">
+                    <a:lnL w="6350" cap="flat" cmpd="sng" algn="ctr">
+                      <a:solidFill>
+                        <a:srgbClr val="9BC2E6"/>
+                      </a:solidFill>
+                      <a:prstDash val="solid"/>
+                      <a:round/>
+                      <a:headEnd type="none" w="med" len="med"/>
+                      <a:tailEnd type="none" w="med" len="med"/>
+                    </a:lnL>
+                    <a:lnR>
+                      <a:noFill/>
+                    </a:lnR>
+                    <a:lnT w="6350" cap="flat" cmpd="sng" algn="ctr">
+                      <a:solidFill>
+                        <a:srgbClr val="9BC2E6"/>
+                      </a:solidFill>
+                      <a:prstDash val="solid"/>
+                      <a:round/>
+                      <a:headEnd type="none" w="med" len="med"/>
+                      <a:tailEnd type="none" w="med" len="med"/>
+                    </a:lnT>
+                    <a:lnB w="6350" cap="flat" cmpd="sng" algn="ctr">
+                      <a:solidFill>
+                        <a:srgbClr val="9BC2E6"/>
+                      </a:solidFill>
+                      <a:prstDash val="solid"/>
+                      <a:round/>
+                      <a:headEnd type="none" w="med" len="med"/>
+                      <a:tailEnd type="none" w="med" len="med"/>
+                    </a:lnB>
+                  </a:tcPr>
+                </a:tc>
+                <a:tc>
+                  <a:txBody>
+                    <a:bodyPr/>
+                    <a:lstStyle/>
+                    <a:p>
+                      <a:pPr algn="ctr" fontAlgn="b"/>
+                      <a:r>
+                        <a:rPr lang="pt-PT" sz="2000" b="0" i="0" u="none" strike="noStrike" dirty="0">
+                          <a:solidFill>
+                            <a:schemeClr val="accent2">
+                              <a:lumMod val="75000"/>
+                            </a:schemeClr>
+                          </a:solidFill>
+                          <a:effectLst/>
+                          <a:latin typeface="Calibri" panose="020F0502020204030204" pitchFamily="34" charset="0"/>
+                        </a:rPr>
+                        <a:t>Available </a:t>
+                      </a:r>
+                    </a:p>
+                  </a:txBody>
+                  <a:tcPr marL="9525" marR="9525" marT="9525" marB="0" anchor="b">
+                    <a:lnL>
+                      <a:noFill/>
+                    </a:lnL>
+                    <a:lnR>
+                      <a:noFill/>
+                    </a:lnR>
+                    <a:lnT w="6350" cap="flat" cmpd="sng" algn="ctr">
+                      <a:solidFill>
+                        <a:srgbClr val="9BC2E6"/>
+                      </a:solidFill>
+                      <a:prstDash val="solid"/>
+                      <a:round/>
+                      <a:headEnd type="none" w="med" len="med"/>
+                      <a:tailEnd type="none" w="med" len="med"/>
+                    </a:lnT>
+                    <a:lnB w="6350" cap="flat" cmpd="sng" algn="ctr">
+                      <a:solidFill>
+                        <a:srgbClr val="9BC2E6"/>
+                      </a:solidFill>
+                      <a:prstDash val="solid"/>
+                      <a:round/>
+                      <a:headEnd type="none" w="med" len="med"/>
+                      <a:tailEnd type="none" w="med" len="med"/>
+                    </a:lnB>
+                  </a:tcPr>
+                </a:tc>
+                <a:tc>
+                  <a:txBody>
+                    <a:bodyPr/>
+                    <a:lstStyle/>
+                    <a:p>
+                      <a:pPr algn="ctr" fontAlgn="b"/>
+                      <a:r>
+                        <a:rPr lang="pt-PT" sz="2000" b="0" i="0" u="none" strike="noStrike" dirty="0">
+                          <a:solidFill>
+                            <a:schemeClr val="accent2">
+                              <a:lumMod val="75000"/>
+                            </a:schemeClr>
+                          </a:solidFill>
+                          <a:effectLst/>
+                          <a:latin typeface="Calibri" panose="020F0502020204030204" pitchFamily="34" charset="0"/>
+                        </a:rPr>
+                        <a:t>Available </a:t>
+                      </a:r>
+                    </a:p>
+                  </a:txBody>
+                  <a:tcPr marL="9525" marR="9525" marT="9525" marB="0" anchor="b">
+                    <a:lnL>
+                      <a:noFill/>
+                    </a:lnL>
+                    <a:lnR>
+                      <a:noFill/>
+                    </a:lnR>
+                    <a:lnT w="6350" cap="flat" cmpd="sng" algn="ctr">
+                      <a:solidFill>
+                        <a:srgbClr val="9BC2E6"/>
+                      </a:solidFill>
+                      <a:prstDash val="solid"/>
+                      <a:round/>
+                      <a:headEnd type="none" w="med" len="med"/>
+                      <a:tailEnd type="none" w="med" len="med"/>
+                    </a:lnT>
+                    <a:lnB w="6350" cap="flat" cmpd="sng" algn="ctr">
+                      <a:solidFill>
+                        <a:srgbClr val="9BC2E6"/>
+                      </a:solidFill>
+                      <a:prstDash val="solid"/>
+                      <a:round/>
+                      <a:headEnd type="none" w="med" len="med"/>
+                      <a:tailEnd type="none" w="med" len="med"/>
+                    </a:lnB>
+                  </a:tcPr>
+                </a:tc>
+                <a:tc>
+                  <a:txBody>
+                    <a:bodyPr/>
+                    <a:lstStyle/>
+                    <a:p>
+                      <a:pPr algn="ctr" fontAlgn="b"/>
+                      <a:r>
+                        <a:rPr lang="pt-PT" sz="2000" b="0" i="0" u="none" strike="noStrike" dirty="0">
+                          <a:solidFill>
+                            <a:schemeClr val="accent2">
+                              <a:lumMod val="75000"/>
+                            </a:schemeClr>
+                          </a:solidFill>
+                          <a:effectLst/>
+                          <a:latin typeface="Calibri" panose="020F0502020204030204" pitchFamily="34" charset="0"/>
+                        </a:rPr>
+                        <a:t>Available</a:t>
+                      </a:r>
+                    </a:p>
+                  </a:txBody>
+                  <a:tcPr marL="9525" marR="9525" marT="9525" marB="0" anchor="b">
+                    <a:lnL>
+                      <a:noFill/>
+                    </a:lnL>
+                    <a:lnR w="6350" cap="flat" cmpd="sng" algn="ctr">
+                      <a:solidFill>
+                        <a:srgbClr val="9BC2E6"/>
+                      </a:solidFill>
+                      <a:prstDash val="solid"/>
+                      <a:round/>
+                      <a:headEnd type="none" w="med" len="med"/>
+                      <a:tailEnd type="none" w="med" len="med"/>
+                    </a:lnR>
+                    <a:lnT w="6350" cap="flat" cmpd="sng" algn="ctr">
+                      <a:solidFill>
+                        <a:srgbClr val="9BC2E6"/>
+                      </a:solidFill>
+                      <a:prstDash val="solid"/>
+                      <a:round/>
+                      <a:headEnd type="none" w="med" len="med"/>
+                      <a:tailEnd type="none" w="med" len="med"/>
+                    </a:lnT>
+                    <a:lnB w="6350" cap="flat" cmpd="sng" algn="ctr">
+                      <a:solidFill>
+                        <a:srgbClr val="9BC2E6"/>
+                      </a:solidFill>
+                      <a:prstDash val="solid"/>
+                      <a:round/>
+                      <a:headEnd type="none" w="med" len="med"/>
+                      <a:tailEnd type="none" w="med" len="med"/>
+                    </a:lnB>
+                  </a:tcPr>
+                </a:tc>
+                <a:extLst>
+                  <a:ext uri="{0D108BD9-81ED-4DB2-BD59-A6C34878D82A}">
+                    <a16:rowId xmlns:a16="http://schemas.microsoft.com/office/drawing/2014/main" val="10002"/>
+                  </a:ext>
+                </a:extLst>
+              </a:tr>
+              <a:tr h="406698">
+                <a:tc>
+                  <a:txBody>
+                    <a:bodyPr/>
+                    <a:lstStyle/>
+                    <a:p>
+                      <a:pPr algn="l" fontAlgn="b"/>
+                      <a:r>
+                        <a:rPr lang="pt-PT" sz="2000" b="0" i="0" u="none" strike="noStrike" dirty="0">
+                          <a:solidFill>
+                            <a:srgbClr val="0070C0"/>
+                          </a:solidFill>
+                          <a:effectLst/>
+                          <a:latin typeface="Calibri" panose="020F0502020204030204" pitchFamily="34" charset="0"/>
+                        </a:rPr>
+                        <a:t>Process Data </a:t>
+                      </a:r>
+                    </a:p>
+                  </a:txBody>
+                  <a:tcPr marL="9525" marR="9525" marT="9525" marB="0" anchor="b">
+                    <a:lnL w="6350" cap="flat" cmpd="sng" algn="ctr">
+                      <a:solidFill>
+                        <a:srgbClr val="9BC2E6"/>
+                      </a:solidFill>
+                      <a:prstDash val="solid"/>
+                      <a:round/>
+                      <a:headEnd type="none" w="med" len="med"/>
+                      <a:tailEnd type="none" w="med" len="med"/>
+                    </a:lnL>
+                    <a:lnR>
+                      <a:noFill/>
+                    </a:lnR>
+                    <a:lnT w="6350" cap="flat" cmpd="sng" algn="ctr">
+                      <a:solidFill>
+                        <a:srgbClr val="9BC2E6"/>
+                      </a:solidFill>
+                      <a:prstDash val="solid"/>
+                      <a:round/>
+                      <a:headEnd type="none" w="med" len="med"/>
+                      <a:tailEnd type="none" w="med" len="med"/>
+                    </a:lnT>
+                    <a:lnB w="6350" cap="flat" cmpd="sng" algn="ctr">
+                      <a:solidFill>
+                        <a:srgbClr val="9BC2E6"/>
+                      </a:solidFill>
+                      <a:prstDash val="solid"/>
+                      <a:round/>
+                      <a:headEnd type="none" w="med" len="med"/>
+                      <a:tailEnd type="none" w="med" len="med"/>
+                    </a:lnB>
+                    <a:solidFill>
+                      <a:srgbClr val="DDEBF7"/>
+                    </a:solidFill>
+                  </a:tcPr>
+                </a:tc>
+                <a:tc>
+                  <a:txBody>
+                    <a:bodyPr/>
+                    <a:lstStyle/>
+                    <a:p>
+                      <a:pPr algn="ctr" fontAlgn="b"/>
+                      <a:endParaRPr lang="pt-PT" sz="2000" b="0" i="0" u="none" strike="noStrike">
+                        <a:solidFill>
+                          <a:srgbClr val="0070C0"/>
+                        </a:solidFill>
+                        <a:effectLst/>
+                        <a:latin typeface="Calibri" panose="020F0502020204030204" pitchFamily="34" charset="0"/>
+                      </a:endParaRPr>
+                    </a:p>
+                  </a:txBody>
+                  <a:tcPr marL="9525" marR="9525" marT="9525" marB="0" anchor="b">
+                    <a:lnL>
+                      <a:noFill/>
+                    </a:lnL>
+                    <a:lnR>
+                      <a:noFill/>
+                    </a:lnR>
+                    <a:lnT w="6350" cap="flat" cmpd="sng" algn="ctr">
+                      <a:solidFill>
+                        <a:srgbClr val="9BC2E6"/>
+                      </a:solidFill>
+                      <a:prstDash val="solid"/>
+                      <a:round/>
+                      <a:headEnd type="none" w="med" len="med"/>
+                      <a:tailEnd type="none" w="med" len="med"/>
+                    </a:lnT>
+                    <a:lnB w="6350" cap="flat" cmpd="sng" algn="ctr">
+                      <a:solidFill>
+                        <a:srgbClr val="9BC2E6"/>
+                      </a:solidFill>
+                      <a:prstDash val="solid"/>
+                      <a:round/>
+                      <a:headEnd type="none" w="med" len="med"/>
+                      <a:tailEnd type="none" w="med" len="med"/>
+                    </a:lnB>
+                    <a:solidFill>
+                      <a:srgbClr val="DDEBF7"/>
+                    </a:solidFill>
+                  </a:tcPr>
+                </a:tc>
+                <a:tc>
+                  <a:txBody>
+                    <a:bodyPr/>
+                    <a:lstStyle/>
+                    <a:p>
+                      <a:pPr algn="ctr" fontAlgn="b"/>
+                      <a:r>
+                        <a:rPr lang="pt-PT" sz="2000" b="0" i="0" u="none" strike="noStrike">
+                          <a:solidFill>
+                            <a:srgbClr val="0070C0"/>
+                          </a:solidFill>
+                          <a:effectLst/>
+                          <a:latin typeface="Calibri" panose="020F0502020204030204" pitchFamily="34" charset="0"/>
+                        </a:rPr>
+                        <a:t>Available </a:t>
+                      </a:r>
+                    </a:p>
+                  </a:txBody>
+                  <a:tcPr marL="9525" marR="9525" marT="9525" marB="0" anchor="b">
+                    <a:lnL>
+                      <a:noFill/>
+                    </a:lnL>
+                    <a:lnR>
+                      <a:noFill/>
+                    </a:lnR>
+                    <a:lnT w="6350" cap="flat" cmpd="sng" algn="ctr">
+                      <a:solidFill>
+                        <a:srgbClr val="9BC2E6"/>
+                      </a:solidFill>
+                      <a:prstDash val="solid"/>
+                      <a:round/>
+                      <a:headEnd type="none" w="med" len="med"/>
+                      <a:tailEnd type="none" w="med" len="med"/>
+                    </a:lnT>
+                    <a:lnB w="6350" cap="flat" cmpd="sng" algn="ctr">
+                      <a:solidFill>
+                        <a:srgbClr val="9BC2E6"/>
+                      </a:solidFill>
+                      <a:prstDash val="solid"/>
+                      <a:round/>
+                      <a:headEnd type="none" w="med" len="med"/>
+                      <a:tailEnd type="none" w="med" len="med"/>
+                    </a:lnB>
+                    <a:solidFill>
+                      <a:srgbClr val="DDEBF7"/>
+                    </a:solidFill>
+                  </a:tcPr>
+                </a:tc>
+                <a:tc>
+                  <a:txBody>
+                    <a:bodyPr/>
+                    <a:lstStyle/>
+                    <a:p>
+                      <a:pPr algn="ctr" fontAlgn="b"/>
+                      <a:r>
+                        <a:rPr lang="pt-PT" sz="2000" b="0" i="0" u="none" strike="noStrike" dirty="0">
+                          <a:solidFill>
+                            <a:srgbClr val="0070C0"/>
+                          </a:solidFill>
+                          <a:effectLst/>
+                          <a:latin typeface="Calibri" panose="020F0502020204030204" pitchFamily="34" charset="0"/>
+                        </a:rPr>
+                        <a:t>Available</a:t>
+                      </a:r>
+                    </a:p>
+                  </a:txBody>
+                  <a:tcPr marL="9525" marR="9525" marT="9525" marB="0" anchor="b">
+                    <a:lnL>
+                      <a:noFill/>
+                    </a:lnL>
+                    <a:lnR w="6350" cap="flat" cmpd="sng" algn="ctr">
+                      <a:solidFill>
+                        <a:srgbClr val="9BC2E6"/>
+                      </a:solidFill>
+                      <a:prstDash val="solid"/>
+                      <a:round/>
+                      <a:headEnd type="none" w="med" len="med"/>
+                      <a:tailEnd type="none" w="med" len="med"/>
+                    </a:lnR>
+                    <a:lnT w="6350" cap="flat" cmpd="sng" algn="ctr">
+                      <a:solidFill>
+                        <a:srgbClr val="9BC2E6"/>
+                      </a:solidFill>
+                      <a:prstDash val="solid"/>
+                      <a:round/>
+                      <a:headEnd type="none" w="med" len="med"/>
+                      <a:tailEnd type="none" w="med" len="med"/>
+                    </a:lnT>
+                    <a:lnB w="6350" cap="flat" cmpd="sng" algn="ctr">
+                      <a:solidFill>
+                        <a:srgbClr val="9BC2E6"/>
+                      </a:solidFill>
+                      <a:prstDash val="solid"/>
+                      <a:round/>
+                      <a:headEnd type="none" w="med" len="med"/>
+                      <a:tailEnd type="none" w="med" len="med"/>
+                    </a:lnB>
+                    <a:solidFill>
+                      <a:srgbClr val="DDEBF7"/>
+                    </a:solidFill>
+                  </a:tcPr>
+                </a:tc>
+                <a:extLst>
+                  <a:ext uri="{0D108BD9-81ED-4DB2-BD59-A6C34878D82A}">
+                    <a16:rowId xmlns:a16="http://schemas.microsoft.com/office/drawing/2014/main" val="10003"/>
+                  </a:ext>
+                </a:extLst>
+              </a:tr>
+              <a:tr h="406698">
+                <a:tc>
+                  <a:txBody>
+                    <a:bodyPr/>
+                    <a:lstStyle/>
+                    <a:p>
+                      <a:pPr algn="l" fontAlgn="b"/>
+                      <a:r>
+                        <a:rPr lang="pt-PT" sz="2000" b="0" i="0" u="none" strike="noStrike" dirty="0">
+                          <a:solidFill>
+                            <a:srgbClr val="0070C0"/>
+                          </a:solidFill>
+                          <a:effectLst/>
+                          <a:latin typeface="Calibri" panose="020F0502020204030204" pitchFamily="34" charset="0"/>
+                        </a:rPr>
+                        <a:t>Process Default </a:t>
+                      </a:r>
+                    </a:p>
+                  </a:txBody>
+                  <a:tcPr marL="9525" marR="9525" marT="9525" marB="0" anchor="b">
+                    <a:lnL w="6350" cap="flat" cmpd="sng" algn="ctr">
+                      <a:solidFill>
+                        <a:srgbClr val="9BC2E6"/>
+                      </a:solidFill>
+                      <a:prstDash val="solid"/>
+                      <a:round/>
+                      <a:headEnd type="none" w="med" len="med"/>
+                      <a:tailEnd type="none" w="med" len="med"/>
+                    </a:lnL>
+                    <a:lnR>
+                      <a:noFill/>
+                    </a:lnR>
+                    <a:lnT w="6350" cap="flat" cmpd="sng" algn="ctr">
+                      <a:solidFill>
+                        <a:srgbClr val="9BC2E6"/>
+                      </a:solidFill>
+                      <a:prstDash val="solid"/>
+                      <a:round/>
+                      <a:headEnd type="none" w="med" len="med"/>
+                      <a:tailEnd type="none" w="med" len="med"/>
+                    </a:lnT>
+                    <a:lnB w="6350" cap="flat" cmpd="sng" algn="ctr">
+                      <a:solidFill>
+                        <a:srgbClr val="9BC2E6"/>
+                      </a:solidFill>
+                      <a:prstDash val="solid"/>
+                      <a:round/>
+                      <a:headEnd type="none" w="med" len="med"/>
+                      <a:tailEnd type="none" w="med" len="med"/>
+                    </a:lnB>
+                  </a:tcPr>
+                </a:tc>
+                <a:tc>
+                  <a:txBody>
+                    <a:bodyPr/>
+                    <a:lstStyle/>
+                    <a:p>
+                      <a:pPr algn="ctr" fontAlgn="b"/>
+                      <a:r>
+                        <a:rPr lang="pt-PT" sz="2000" b="0" i="0" u="none" strike="noStrike" dirty="0">
+                          <a:solidFill>
+                            <a:srgbClr val="0070C0"/>
+                          </a:solidFill>
+                          <a:effectLst/>
+                          <a:latin typeface="Calibri" panose="020F0502020204030204" pitchFamily="34" charset="0"/>
+                        </a:rPr>
+                        <a:t>Available </a:t>
+                      </a:r>
+                    </a:p>
+                  </a:txBody>
+                  <a:tcPr marL="9525" marR="9525" marT="9525" marB="0" anchor="b">
+                    <a:lnL>
+                      <a:noFill/>
+                    </a:lnL>
+                    <a:lnR>
+                      <a:noFill/>
+                    </a:lnR>
+                    <a:lnT w="6350" cap="flat" cmpd="sng" algn="ctr">
+                      <a:solidFill>
+                        <a:srgbClr val="9BC2E6"/>
+                      </a:solidFill>
+                      <a:prstDash val="solid"/>
+                      <a:round/>
+                      <a:headEnd type="none" w="med" len="med"/>
+                      <a:tailEnd type="none" w="med" len="med"/>
+                    </a:lnT>
+                    <a:lnB w="6350" cap="flat" cmpd="sng" algn="ctr">
+                      <a:solidFill>
+                        <a:srgbClr val="9BC2E6"/>
+                      </a:solidFill>
+                      <a:prstDash val="solid"/>
+                      <a:round/>
+                      <a:headEnd type="none" w="med" len="med"/>
+                      <a:tailEnd type="none" w="med" len="med"/>
+                    </a:lnB>
+                  </a:tcPr>
+                </a:tc>
+                <a:tc>
+                  <a:txBody>
+                    <a:bodyPr/>
+                    <a:lstStyle/>
+                    <a:p>
+                      <a:pPr algn="ctr" fontAlgn="b"/>
+                      <a:r>
+                        <a:rPr lang="pt-PT" sz="2000" b="0" i="0" u="none" strike="noStrike" dirty="0">
+                          <a:solidFill>
+                            <a:srgbClr val="0070C0"/>
+                          </a:solidFill>
+                          <a:effectLst/>
+                          <a:latin typeface="Calibri" panose="020F0502020204030204" pitchFamily="34" charset="0"/>
+                        </a:rPr>
+                        <a:t>Available </a:t>
+                      </a:r>
+                    </a:p>
+                  </a:txBody>
+                  <a:tcPr marL="9525" marR="9525" marT="9525" marB="0" anchor="b">
+                    <a:lnL>
+                      <a:noFill/>
+                    </a:lnL>
+                    <a:lnR>
+                      <a:noFill/>
+                    </a:lnR>
+                    <a:lnT w="6350" cap="flat" cmpd="sng" algn="ctr">
+                      <a:solidFill>
+                        <a:srgbClr val="9BC2E6"/>
+                      </a:solidFill>
+                      <a:prstDash val="solid"/>
+                      <a:round/>
+                      <a:headEnd type="none" w="med" len="med"/>
+                      <a:tailEnd type="none" w="med" len="med"/>
+                    </a:lnT>
+                    <a:lnB w="6350" cap="flat" cmpd="sng" algn="ctr">
+                      <a:solidFill>
+                        <a:srgbClr val="9BC2E6"/>
+                      </a:solidFill>
+                      <a:prstDash val="solid"/>
+                      <a:round/>
+                      <a:headEnd type="none" w="med" len="med"/>
+                      <a:tailEnd type="none" w="med" len="med"/>
+                    </a:lnB>
+                  </a:tcPr>
+                </a:tc>
+                <a:tc>
+                  <a:txBody>
+                    <a:bodyPr/>
+                    <a:lstStyle/>
+                    <a:p>
+                      <a:pPr algn="ctr" fontAlgn="b"/>
+                      <a:r>
+                        <a:rPr lang="pt-PT" sz="2000" b="0" i="0" u="none" strike="noStrike" dirty="0">
+                          <a:solidFill>
+                            <a:srgbClr val="0070C0"/>
+                          </a:solidFill>
+                          <a:effectLst/>
+                          <a:latin typeface="Calibri" panose="020F0502020204030204" pitchFamily="34" charset="0"/>
+                        </a:rPr>
+                        <a:t>Available</a:t>
+                      </a:r>
+                    </a:p>
+                  </a:txBody>
+                  <a:tcPr marL="9525" marR="9525" marT="9525" marB="0" anchor="b">
+                    <a:lnL>
+                      <a:noFill/>
+                    </a:lnL>
+                    <a:lnR w="6350" cap="flat" cmpd="sng" algn="ctr">
+                      <a:solidFill>
+                        <a:srgbClr val="9BC2E6"/>
+                      </a:solidFill>
+                      <a:prstDash val="solid"/>
+                      <a:round/>
+                      <a:headEnd type="none" w="med" len="med"/>
+                      <a:tailEnd type="none" w="med" len="med"/>
+                    </a:lnR>
+                    <a:lnT w="6350" cap="flat" cmpd="sng" algn="ctr">
+                      <a:solidFill>
+                        <a:srgbClr val="9BC2E6"/>
+                      </a:solidFill>
+                      <a:prstDash val="solid"/>
+                      <a:round/>
+                      <a:headEnd type="none" w="med" len="med"/>
+                      <a:tailEnd type="none" w="med" len="med"/>
+                    </a:lnT>
+                    <a:lnB w="6350" cap="flat" cmpd="sng" algn="ctr">
+                      <a:solidFill>
+                        <a:srgbClr val="9BC2E6"/>
+                      </a:solidFill>
+                      <a:prstDash val="solid"/>
+                      <a:round/>
+                      <a:headEnd type="none" w="med" len="med"/>
+                      <a:tailEnd type="none" w="med" len="med"/>
+                    </a:lnB>
+                  </a:tcPr>
+                </a:tc>
+                <a:extLst>
+                  <a:ext uri="{0D108BD9-81ED-4DB2-BD59-A6C34878D82A}">
+                    <a16:rowId xmlns:a16="http://schemas.microsoft.com/office/drawing/2014/main" val="10004"/>
+                  </a:ext>
+                </a:extLst>
+              </a:tr>
+              <a:tr h="406698">
+                <a:tc>
+                  <a:txBody>
+                    <a:bodyPr/>
+                    <a:lstStyle/>
+                    <a:p>
+                      <a:pPr algn="l" fontAlgn="b"/>
+                      <a:r>
+                        <a:rPr lang="pt-PT" sz="2000" b="0" i="0" u="none" strike="noStrike" dirty="0">
+                          <a:solidFill>
+                            <a:schemeClr val="accent2">
+                              <a:lumMod val="75000"/>
+                            </a:schemeClr>
+                          </a:solidFill>
+                          <a:effectLst/>
+                          <a:latin typeface="Calibri" panose="020F0502020204030204" pitchFamily="34" charset="0"/>
+                        </a:rPr>
+                        <a:t>Process Defrag </a:t>
+                      </a:r>
+                    </a:p>
+                  </a:txBody>
+                  <a:tcPr marL="9525" marR="9525" marT="9525" marB="0" anchor="b">
+                    <a:lnL w="6350" cap="flat" cmpd="sng" algn="ctr">
+                      <a:solidFill>
+                        <a:srgbClr val="9BC2E6"/>
+                      </a:solidFill>
+                      <a:prstDash val="solid"/>
+                      <a:round/>
+                      <a:headEnd type="none" w="med" len="med"/>
+                      <a:tailEnd type="none" w="med" len="med"/>
+                    </a:lnL>
+                    <a:lnR>
+                      <a:noFill/>
+                    </a:lnR>
+                    <a:lnT w="6350" cap="flat" cmpd="sng" algn="ctr">
+                      <a:solidFill>
+                        <a:srgbClr val="9BC2E6"/>
+                      </a:solidFill>
+                      <a:prstDash val="solid"/>
+                      <a:round/>
+                      <a:headEnd type="none" w="med" len="med"/>
+                      <a:tailEnd type="none" w="med" len="med"/>
+                    </a:lnT>
+                    <a:lnB w="6350" cap="flat" cmpd="sng" algn="ctr">
+                      <a:solidFill>
+                        <a:srgbClr val="9BC2E6"/>
+                      </a:solidFill>
+                      <a:prstDash val="solid"/>
+                      <a:round/>
+                      <a:headEnd type="none" w="med" len="med"/>
+                      <a:tailEnd type="none" w="med" len="med"/>
+                    </a:lnB>
+                    <a:solidFill>
+                      <a:srgbClr val="DDEBF7"/>
+                    </a:solidFill>
+                  </a:tcPr>
+                </a:tc>
+                <a:tc>
+                  <a:txBody>
+                    <a:bodyPr/>
+                    <a:lstStyle/>
+                    <a:p>
+                      <a:pPr algn="ctr" fontAlgn="b"/>
+                      <a:r>
+                        <a:rPr lang="pt-PT" sz="2000" b="0" i="0" u="none" strike="noStrike" dirty="0">
+                          <a:solidFill>
+                            <a:schemeClr val="accent2">
+                              <a:lumMod val="75000"/>
+                            </a:schemeClr>
+                          </a:solidFill>
+                          <a:effectLst/>
+                          <a:latin typeface="Calibri" panose="020F0502020204030204" pitchFamily="34" charset="0"/>
+                        </a:rPr>
+                        <a:t>Not in UI </a:t>
+                      </a:r>
+                    </a:p>
+                  </a:txBody>
+                  <a:tcPr marL="9525" marR="9525" marT="9525" marB="0" anchor="b">
+                    <a:lnL>
+                      <a:noFill/>
+                    </a:lnL>
+                    <a:lnR>
+                      <a:noFill/>
+                    </a:lnR>
+                    <a:lnT w="6350" cap="flat" cmpd="sng" algn="ctr">
+                      <a:solidFill>
+                        <a:srgbClr val="9BC2E6"/>
+                      </a:solidFill>
+                      <a:prstDash val="solid"/>
+                      <a:round/>
+                      <a:headEnd type="none" w="med" len="med"/>
+                      <a:tailEnd type="none" w="med" len="med"/>
+                    </a:lnT>
+                    <a:lnB w="6350" cap="flat" cmpd="sng" algn="ctr">
+                      <a:solidFill>
+                        <a:srgbClr val="9BC2E6"/>
+                      </a:solidFill>
+                      <a:prstDash val="solid"/>
+                      <a:round/>
+                      <a:headEnd type="none" w="med" len="med"/>
+                      <a:tailEnd type="none" w="med" len="med"/>
+                    </a:lnB>
+                    <a:solidFill>
+                      <a:srgbClr val="DDEBF7"/>
+                    </a:solidFill>
+                  </a:tcPr>
+                </a:tc>
+                <a:tc>
+                  <a:txBody>
+                    <a:bodyPr/>
+                    <a:lstStyle/>
+                    <a:p>
+                      <a:pPr algn="ctr" fontAlgn="b"/>
+                      <a:r>
+                        <a:rPr lang="pt-PT" sz="2000" b="0" i="0" u="none" strike="noStrike" dirty="0">
+                          <a:solidFill>
+                            <a:schemeClr val="accent2">
+                              <a:lumMod val="75000"/>
+                            </a:schemeClr>
+                          </a:solidFill>
+                          <a:effectLst/>
+                          <a:latin typeface="Calibri" panose="020F0502020204030204" pitchFamily="34" charset="0"/>
+                        </a:rPr>
+                        <a:t>Available</a:t>
+                      </a:r>
+                    </a:p>
+                  </a:txBody>
+                  <a:tcPr marL="9525" marR="9525" marT="9525" marB="0" anchor="b">
+                    <a:lnL>
+                      <a:noFill/>
+                    </a:lnL>
+                    <a:lnR>
+                      <a:noFill/>
+                    </a:lnR>
+                    <a:lnT w="6350" cap="flat" cmpd="sng" algn="ctr">
+                      <a:solidFill>
+                        <a:srgbClr val="9BC2E6"/>
+                      </a:solidFill>
+                      <a:prstDash val="solid"/>
+                      <a:round/>
+                      <a:headEnd type="none" w="med" len="med"/>
+                      <a:tailEnd type="none" w="med" len="med"/>
+                    </a:lnT>
+                    <a:lnB w="6350" cap="flat" cmpd="sng" algn="ctr">
+                      <a:solidFill>
+                        <a:srgbClr val="9BC2E6"/>
+                      </a:solidFill>
+                      <a:prstDash val="solid"/>
+                      <a:round/>
+                      <a:headEnd type="none" w="med" len="med"/>
+                      <a:tailEnd type="none" w="med" len="med"/>
+                    </a:lnB>
+                    <a:solidFill>
+                      <a:srgbClr val="DDEBF7"/>
+                    </a:solidFill>
+                  </a:tcPr>
+                </a:tc>
+                <a:tc>
+                  <a:txBody>
+                    <a:bodyPr/>
+                    <a:lstStyle/>
+                    <a:p>
+                      <a:pPr algn="ctr" fontAlgn="b"/>
+                      <a:endParaRPr lang="pt-PT" sz="2000" b="0" i="0" u="none" strike="noStrike" dirty="0">
+                        <a:solidFill>
+                          <a:srgbClr val="000000"/>
+                        </a:solidFill>
+                        <a:effectLst/>
+                        <a:latin typeface="Calibri" panose="020F0502020204030204" pitchFamily="34" charset="0"/>
+                      </a:endParaRPr>
+                    </a:p>
+                  </a:txBody>
+                  <a:tcPr marL="9525" marR="9525" marT="9525" marB="0" anchor="b">
+                    <a:lnL>
+                      <a:noFill/>
+                    </a:lnL>
+                    <a:lnR w="6350" cap="flat" cmpd="sng" algn="ctr">
+                      <a:solidFill>
+                        <a:srgbClr val="9BC2E6"/>
+                      </a:solidFill>
+                      <a:prstDash val="solid"/>
+                      <a:round/>
+                      <a:headEnd type="none" w="med" len="med"/>
+                      <a:tailEnd type="none" w="med" len="med"/>
+                    </a:lnR>
+                    <a:lnT w="6350" cap="flat" cmpd="sng" algn="ctr">
+                      <a:solidFill>
+                        <a:srgbClr val="9BC2E6"/>
+                      </a:solidFill>
+                      <a:prstDash val="solid"/>
+                      <a:round/>
+                      <a:headEnd type="none" w="med" len="med"/>
+                      <a:tailEnd type="none" w="med" len="med"/>
+                    </a:lnT>
+                    <a:lnB w="6350" cap="flat" cmpd="sng" algn="ctr">
+                      <a:solidFill>
+                        <a:srgbClr val="9BC2E6"/>
+                      </a:solidFill>
+                      <a:prstDash val="solid"/>
+                      <a:round/>
+                      <a:headEnd type="none" w="med" len="med"/>
+                      <a:tailEnd type="none" w="med" len="med"/>
+                    </a:lnB>
+                    <a:solidFill>
+                      <a:srgbClr val="DDEBF7"/>
+                    </a:solidFill>
+                  </a:tcPr>
+                </a:tc>
+                <a:extLst>
+                  <a:ext uri="{0D108BD9-81ED-4DB2-BD59-A6C34878D82A}">
+                    <a16:rowId xmlns:a16="http://schemas.microsoft.com/office/drawing/2014/main" val="10005"/>
+                  </a:ext>
+                </a:extLst>
+              </a:tr>
+              <a:tr h="406698">
+                <a:tc>
+                  <a:txBody>
+                    <a:bodyPr/>
+                    <a:lstStyle/>
+                    <a:p>
+                      <a:pPr algn="l" fontAlgn="b"/>
+                      <a:r>
+                        <a:rPr lang="pt-PT" sz="2000" b="1" i="0" u="none" strike="noStrike" dirty="0">
+                          <a:solidFill>
+                            <a:srgbClr val="000000"/>
+                          </a:solidFill>
+                          <a:effectLst/>
+                          <a:latin typeface="Calibri" panose="020F0502020204030204" pitchFamily="34" charset="0"/>
+                        </a:rPr>
+                        <a:t>Process Full </a:t>
+                      </a:r>
+                    </a:p>
+                  </a:txBody>
+                  <a:tcPr marL="9525" marR="9525" marT="9525" marB="0" anchor="b">
+                    <a:lnL w="6350" cap="flat" cmpd="sng" algn="ctr">
+                      <a:solidFill>
+                        <a:srgbClr val="9BC2E6"/>
+                      </a:solidFill>
+                      <a:prstDash val="solid"/>
+                      <a:round/>
+                      <a:headEnd type="none" w="med" len="med"/>
+                      <a:tailEnd type="none" w="med" len="med"/>
+                    </a:lnL>
+                    <a:lnR>
+                      <a:noFill/>
+                    </a:lnR>
+                    <a:lnT w="6350" cap="flat" cmpd="sng" algn="ctr">
+                      <a:solidFill>
+                        <a:srgbClr val="9BC2E6"/>
+                      </a:solidFill>
+                      <a:prstDash val="solid"/>
+                      <a:round/>
+                      <a:headEnd type="none" w="med" len="med"/>
+                      <a:tailEnd type="none" w="med" len="med"/>
+                    </a:lnT>
+                    <a:lnB w="6350" cap="flat" cmpd="sng" algn="ctr">
+                      <a:solidFill>
+                        <a:srgbClr val="9BC2E6"/>
+                      </a:solidFill>
+                      <a:prstDash val="solid"/>
+                      <a:round/>
+                      <a:headEnd type="none" w="med" len="med"/>
+                      <a:tailEnd type="none" w="med" len="med"/>
+                    </a:lnB>
+                  </a:tcPr>
+                </a:tc>
+                <a:tc>
+                  <a:txBody>
+                    <a:bodyPr/>
+                    <a:lstStyle/>
+                    <a:p>
+                      <a:pPr algn="ctr" fontAlgn="b"/>
+                      <a:r>
+                        <a:rPr lang="pt-PT" sz="2000" b="1" i="0" u="none" strike="noStrike" dirty="0">
+                          <a:solidFill>
+                            <a:srgbClr val="000000"/>
+                          </a:solidFill>
+                          <a:effectLst/>
+                          <a:latin typeface="Calibri" panose="020F0502020204030204" pitchFamily="34" charset="0"/>
+                        </a:rPr>
+                        <a:t>Available </a:t>
+                      </a:r>
+                    </a:p>
+                  </a:txBody>
+                  <a:tcPr marL="9525" marR="9525" marT="9525" marB="0" anchor="b">
+                    <a:lnL>
+                      <a:noFill/>
+                    </a:lnL>
+                    <a:lnR>
+                      <a:noFill/>
+                    </a:lnR>
+                    <a:lnT w="6350" cap="flat" cmpd="sng" algn="ctr">
+                      <a:solidFill>
+                        <a:srgbClr val="9BC2E6"/>
+                      </a:solidFill>
+                      <a:prstDash val="solid"/>
+                      <a:round/>
+                      <a:headEnd type="none" w="med" len="med"/>
+                      <a:tailEnd type="none" w="med" len="med"/>
+                    </a:lnT>
+                    <a:lnB w="6350" cap="flat" cmpd="sng" algn="ctr">
+                      <a:solidFill>
+                        <a:srgbClr val="9BC2E6"/>
+                      </a:solidFill>
+                      <a:prstDash val="solid"/>
+                      <a:round/>
+                      <a:headEnd type="none" w="med" len="med"/>
+                      <a:tailEnd type="none" w="med" len="med"/>
+                    </a:lnB>
+                  </a:tcPr>
+                </a:tc>
+                <a:tc>
+                  <a:txBody>
+                    <a:bodyPr/>
+                    <a:lstStyle/>
+                    <a:p>
+                      <a:pPr algn="ctr" fontAlgn="b"/>
+                      <a:r>
+                        <a:rPr lang="pt-PT" sz="2000" b="1" i="0" u="none" strike="noStrike" dirty="0">
+                          <a:solidFill>
+                            <a:srgbClr val="000000"/>
+                          </a:solidFill>
+                          <a:effectLst/>
+                          <a:latin typeface="Calibri" panose="020F0502020204030204" pitchFamily="34" charset="0"/>
+                        </a:rPr>
+                        <a:t>Available </a:t>
+                      </a:r>
+                    </a:p>
+                  </a:txBody>
+                  <a:tcPr marL="9525" marR="9525" marT="9525" marB="0" anchor="b">
+                    <a:lnL>
+                      <a:noFill/>
+                    </a:lnL>
+                    <a:lnR>
+                      <a:noFill/>
+                    </a:lnR>
+                    <a:lnT w="6350" cap="flat" cmpd="sng" algn="ctr">
+                      <a:solidFill>
+                        <a:srgbClr val="9BC2E6"/>
+                      </a:solidFill>
+                      <a:prstDash val="solid"/>
+                      <a:round/>
+                      <a:headEnd type="none" w="med" len="med"/>
+                      <a:tailEnd type="none" w="med" len="med"/>
+                    </a:lnT>
+                    <a:lnB w="6350" cap="flat" cmpd="sng" algn="ctr">
+                      <a:solidFill>
+                        <a:srgbClr val="9BC2E6"/>
+                      </a:solidFill>
+                      <a:prstDash val="solid"/>
+                      <a:round/>
+                      <a:headEnd type="none" w="med" len="med"/>
+                      <a:tailEnd type="none" w="med" len="med"/>
+                    </a:lnB>
+                  </a:tcPr>
+                </a:tc>
+                <a:tc>
+                  <a:txBody>
+                    <a:bodyPr/>
+                    <a:lstStyle/>
+                    <a:p>
+                      <a:pPr algn="ctr" fontAlgn="b"/>
+                      <a:r>
+                        <a:rPr lang="pt-PT" sz="2000" b="1" i="0" u="none" strike="noStrike" dirty="0">
+                          <a:solidFill>
+                            <a:srgbClr val="000000"/>
+                          </a:solidFill>
+                          <a:effectLst/>
+                          <a:latin typeface="Calibri" panose="020F0502020204030204" pitchFamily="34" charset="0"/>
+                        </a:rPr>
+                        <a:t>Available</a:t>
+                      </a:r>
+                    </a:p>
+                  </a:txBody>
+                  <a:tcPr marL="9525" marR="9525" marT="9525" marB="0" anchor="b">
+                    <a:lnL>
+                      <a:noFill/>
+                    </a:lnL>
+                    <a:lnR w="6350" cap="flat" cmpd="sng" algn="ctr">
+                      <a:solidFill>
+                        <a:srgbClr val="9BC2E6"/>
+                      </a:solidFill>
+                      <a:prstDash val="solid"/>
+                      <a:round/>
+                      <a:headEnd type="none" w="med" len="med"/>
+                      <a:tailEnd type="none" w="med" len="med"/>
+                    </a:lnR>
+                    <a:lnT w="6350" cap="flat" cmpd="sng" algn="ctr">
+                      <a:solidFill>
+                        <a:srgbClr val="9BC2E6"/>
+                      </a:solidFill>
+                      <a:prstDash val="solid"/>
+                      <a:round/>
+                      <a:headEnd type="none" w="med" len="med"/>
+                      <a:tailEnd type="none" w="med" len="med"/>
+                    </a:lnT>
+                    <a:lnB w="6350" cap="flat" cmpd="sng" algn="ctr">
+                      <a:solidFill>
+                        <a:srgbClr val="9BC2E6"/>
+                      </a:solidFill>
+                      <a:prstDash val="solid"/>
+                      <a:round/>
+                      <a:headEnd type="none" w="med" len="med"/>
+                      <a:tailEnd type="none" w="med" len="med"/>
+                    </a:lnB>
+                  </a:tcPr>
+                </a:tc>
+                <a:extLst>
+                  <a:ext uri="{0D108BD9-81ED-4DB2-BD59-A6C34878D82A}">
+                    <a16:rowId xmlns:a16="http://schemas.microsoft.com/office/drawing/2014/main" val="10006"/>
+                  </a:ext>
+                </a:extLst>
+              </a:tr>
+              <a:tr h="406698">
+                <a:tc>
+                  <a:txBody>
+                    <a:bodyPr/>
+                    <a:lstStyle/>
+                    <a:p>
+                      <a:pPr algn="l" fontAlgn="b"/>
+                      <a:r>
+                        <a:rPr lang="pt-PT" sz="2000" b="0" i="0" u="none" strike="noStrike" dirty="0">
+                          <a:solidFill>
+                            <a:srgbClr val="0070C0"/>
+                          </a:solidFill>
+                          <a:effectLst/>
+                          <a:latin typeface="Calibri" panose="020F0502020204030204" pitchFamily="34" charset="0"/>
+                        </a:rPr>
+                        <a:t>Process Recalc </a:t>
+                      </a:r>
+                    </a:p>
+                  </a:txBody>
+                  <a:tcPr marL="9525" marR="9525" marT="9525" marB="0" anchor="b">
+                    <a:lnL w="6350" cap="flat" cmpd="sng" algn="ctr">
+                      <a:solidFill>
+                        <a:srgbClr val="9BC2E6"/>
+                      </a:solidFill>
+                      <a:prstDash val="solid"/>
+                      <a:round/>
+                      <a:headEnd type="none" w="med" len="med"/>
+                      <a:tailEnd type="none" w="med" len="med"/>
+                    </a:lnL>
+                    <a:lnR>
+                      <a:noFill/>
+                    </a:lnR>
+                    <a:lnT w="6350" cap="flat" cmpd="sng" algn="ctr">
+                      <a:solidFill>
+                        <a:srgbClr val="9BC2E6"/>
+                      </a:solidFill>
+                      <a:prstDash val="solid"/>
+                      <a:round/>
+                      <a:headEnd type="none" w="med" len="med"/>
+                      <a:tailEnd type="none" w="med" len="med"/>
+                    </a:lnT>
+                    <a:lnB w="6350" cap="flat" cmpd="sng" algn="ctr">
+                      <a:solidFill>
+                        <a:srgbClr val="9BC2E6"/>
+                      </a:solidFill>
+                      <a:prstDash val="solid"/>
+                      <a:round/>
+                      <a:headEnd type="none" w="med" len="med"/>
+                      <a:tailEnd type="none" w="med" len="med"/>
+                    </a:lnB>
+                    <a:solidFill>
+                      <a:srgbClr val="DDEBF7"/>
+                    </a:solidFill>
+                  </a:tcPr>
+                </a:tc>
+                <a:tc>
+                  <a:txBody>
+                    <a:bodyPr/>
+                    <a:lstStyle/>
+                    <a:p>
+                      <a:pPr algn="ctr" fontAlgn="b"/>
+                      <a:r>
+                        <a:rPr lang="pt-PT" sz="2000" b="0" i="0" u="none" strike="noStrike" dirty="0" err="1">
+                          <a:solidFill>
+                            <a:srgbClr val="0070C0"/>
+                          </a:solidFill>
+                          <a:effectLst/>
+                          <a:latin typeface="Calibri" panose="020F0502020204030204" pitchFamily="34" charset="0"/>
+                        </a:rPr>
+                        <a:t>Available</a:t>
+                      </a:r>
+                      <a:endParaRPr lang="pt-PT" sz="2000" b="0" i="0" u="none" strike="noStrike" dirty="0">
+                        <a:solidFill>
+                          <a:srgbClr val="0070C0"/>
+                        </a:solidFill>
+                        <a:effectLst/>
+                        <a:latin typeface="Calibri" panose="020F0502020204030204" pitchFamily="34" charset="0"/>
+                      </a:endParaRPr>
+                    </a:p>
+                  </a:txBody>
+                  <a:tcPr marL="9525" marR="9525" marT="9525" marB="0" anchor="b">
+                    <a:lnL>
+                      <a:noFill/>
+                    </a:lnL>
+                    <a:lnR>
+                      <a:noFill/>
+                    </a:lnR>
+                    <a:lnT w="6350" cap="flat" cmpd="sng" algn="ctr">
+                      <a:solidFill>
+                        <a:srgbClr val="9BC2E6"/>
+                      </a:solidFill>
+                      <a:prstDash val="solid"/>
+                      <a:round/>
+                      <a:headEnd type="none" w="med" len="med"/>
+                      <a:tailEnd type="none" w="med" len="med"/>
+                    </a:lnT>
+                    <a:lnB w="6350" cap="flat" cmpd="sng" algn="ctr">
+                      <a:solidFill>
+                        <a:srgbClr val="9BC2E6"/>
+                      </a:solidFill>
+                      <a:prstDash val="solid"/>
+                      <a:round/>
+                      <a:headEnd type="none" w="med" len="med"/>
+                      <a:tailEnd type="none" w="med" len="med"/>
+                    </a:lnB>
+                    <a:solidFill>
+                      <a:srgbClr val="DDEBF7"/>
+                    </a:solidFill>
+                  </a:tcPr>
+                </a:tc>
+                <a:tc>
+                  <a:txBody>
+                    <a:bodyPr/>
+                    <a:lstStyle/>
+                    <a:p>
+                      <a:pPr algn="ctr" fontAlgn="b"/>
+                      <a:endParaRPr lang="pt-PT" sz="2000" b="0" i="0" u="none" strike="noStrike" dirty="0">
+                        <a:solidFill>
+                          <a:srgbClr val="0070C0"/>
+                        </a:solidFill>
+                        <a:effectLst/>
+                        <a:latin typeface="Calibri" panose="020F0502020204030204" pitchFamily="34" charset="0"/>
+                      </a:endParaRPr>
+                    </a:p>
+                  </a:txBody>
+                  <a:tcPr marL="9525" marR="9525" marT="9525" marB="0" anchor="b">
+                    <a:lnL>
+                      <a:noFill/>
+                    </a:lnL>
+                    <a:lnR>
+                      <a:noFill/>
+                    </a:lnR>
+                    <a:lnT w="6350" cap="flat" cmpd="sng" algn="ctr">
+                      <a:solidFill>
+                        <a:srgbClr val="9BC2E6"/>
+                      </a:solidFill>
+                      <a:prstDash val="solid"/>
+                      <a:round/>
+                      <a:headEnd type="none" w="med" len="med"/>
+                      <a:tailEnd type="none" w="med" len="med"/>
+                    </a:lnT>
+                    <a:lnB w="6350" cap="flat" cmpd="sng" algn="ctr">
+                      <a:solidFill>
+                        <a:srgbClr val="9BC2E6"/>
+                      </a:solidFill>
+                      <a:prstDash val="solid"/>
+                      <a:round/>
+                      <a:headEnd type="none" w="med" len="med"/>
+                      <a:tailEnd type="none" w="med" len="med"/>
+                    </a:lnB>
+                    <a:solidFill>
+                      <a:srgbClr val="DDEBF7"/>
+                    </a:solidFill>
+                  </a:tcPr>
+                </a:tc>
+                <a:tc>
+                  <a:txBody>
+                    <a:bodyPr/>
+                    <a:lstStyle/>
+                    <a:p>
+                      <a:pPr algn="ctr" fontAlgn="b"/>
+                      <a:endParaRPr lang="pt-PT" sz="2000" b="0" i="0" u="none" strike="noStrike" dirty="0">
+                        <a:solidFill>
+                          <a:srgbClr val="0070C0"/>
+                        </a:solidFill>
+                        <a:effectLst/>
+                        <a:latin typeface="Calibri" panose="020F0502020204030204" pitchFamily="34" charset="0"/>
+                      </a:endParaRPr>
+                    </a:p>
+                  </a:txBody>
+                  <a:tcPr marL="9525" marR="9525" marT="9525" marB="0" anchor="b">
+                    <a:lnL>
+                      <a:noFill/>
+                    </a:lnL>
+                    <a:lnR w="6350" cap="flat" cmpd="sng" algn="ctr">
+                      <a:solidFill>
+                        <a:srgbClr val="9BC2E6"/>
+                      </a:solidFill>
+                      <a:prstDash val="solid"/>
+                      <a:round/>
+                      <a:headEnd type="none" w="med" len="med"/>
+                      <a:tailEnd type="none" w="med" len="med"/>
+                    </a:lnR>
+                    <a:lnT w="6350" cap="flat" cmpd="sng" algn="ctr">
+                      <a:solidFill>
+                        <a:srgbClr val="9BC2E6"/>
+                      </a:solidFill>
+                      <a:prstDash val="solid"/>
+                      <a:round/>
+                      <a:headEnd type="none" w="med" len="med"/>
+                      <a:tailEnd type="none" w="med" len="med"/>
+                    </a:lnT>
+                    <a:lnB w="6350" cap="flat" cmpd="sng" algn="ctr">
+                      <a:solidFill>
+                        <a:srgbClr val="9BC2E6"/>
+                      </a:solidFill>
+                      <a:prstDash val="solid"/>
+                      <a:round/>
+                      <a:headEnd type="none" w="med" len="med"/>
+                      <a:tailEnd type="none" w="med" len="med"/>
+                    </a:lnB>
+                    <a:solidFill>
+                      <a:srgbClr val="DDEBF7"/>
+                    </a:solidFill>
+                  </a:tcPr>
+                </a:tc>
+                <a:extLst>
+                  <a:ext uri="{0D108BD9-81ED-4DB2-BD59-A6C34878D82A}">
+                    <a16:rowId xmlns:a16="http://schemas.microsoft.com/office/drawing/2014/main" val="10007"/>
+                  </a:ext>
+                </a:extLst>
+              </a:tr>
+            </a:tbl>
+          </a:graphicData>
+        </a:graphic>
+      </p:graphicFrame>
     </p:spTree>
     <p:extLst>
       <p:ext uri="{BB962C8B-B14F-4D97-AF65-F5344CB8AC3E}">
-        <p14:creationId xmlns:p14="http://schemas.microsoft.com/office/powerpoint/2010/main" val="2989899850"/>
+        <p14:creationId xmlns:p14="http://schemas.microsoft.com/office/powerpoint/2010/main" val="6479055"/>
       </p:ext>
     </p:extLst>
   </p:cSld>
@@ -15579,7 +17479,7 @@
 </p:sld>
 </file>
 
-<file path=ppt/slides/slide26.xml><?xml version="1.0" encoding="utf-8"?>
+<file path=ppt/slides/slide25.xml><?xml version="1.0" encoding="utf-8"?>
 <p:sld xmlns:a="http://schemas.openxmlformats.org/drawingml/2006/main" xmlns:r="http://schemas.openxmlformats.org/officeDocument/2006/relationships" xmlns:p="http://schemas.openxmlformats.org/presentationml/2006/main">
   <p:cSld>
     <p:spTree>
@@ -15650,7 +17550,7 @@
           <a:p>
             <a:r>
               <a:rPr lang="de-AT" dirty="0"/>
-              <a:t>Short Introduction to DAX</a:t>
+              <a:t>Deployment</a:t>
             </a:r>
           </a:p>
           <a:p>
@@ -15709,7 +17609,142 @@
     </p:spTree>
     <p:extLst>
       <p:ext uri="{BB962C8B-B14F-4D97-AF65-F5344CB8AC3E}">
-        <p14:creationId xmlns:p14="http://schemas.microsoft.com/office/powerpoint/2010/main" val="757803338"/>
+        <p14:creationId xmlns:p14="http://schemas.microsoft.com/office/powerpoint/2010/main" val="1204027034"/>
+      </p:ext>
+    </p:extLst>
+  </p:cSld>
+  <p:clrMapOvr>
+    <a:masterClrMapping/>
+  </p:clrMapOvr>
+</p:sld>
+</file>
+
+<file path=ppt/slides/slide26.xml><?xml version="1.0" encoding="utf-8"?>
+<p:sld xmlns:a="http://schemas.openxmlformats.org/drawingml/2006/main" xmlns:r="http://schemas.openxmlformats.org/officeDocument/2006/relationships" xmlns:p="http://schemas.openxmlformats.org/presentationml/2006/main">
+  <p:cSld>
+    <p:spTree>
+      <p:nvGrpSpPr>
+        <p:cNvPr id="1" name=""/>
+        <p:cNvGrpSpPr/>
+        <p:nvPr/>
+      </p:nvGrpSpPr>
+      <p:grpSpPr>
+        <a:xfrm>
+          <a:off x="0" y="0"/>
+          <a:ext cx="0" cy="0"/>
+          <a:chOff x="0" y="0"/>
+          <a:chExt cx="0" cy="0"/>
+        </a:xfrm>
+      </p:grpSpPr>
+      <p:sp>
+        <p:nvSpPr>
+          <p:cNvPr id="2" name="Title 1">
+            <a:extLst>
+              <a:ext uri="{FF2B5EF4-FFF2-40B4-BE49-F238E27FC236}">
+                <a16:creationId xmlns:a16="http://schemas.microsoft.com/office/drawing/2014/main" id="{2E7B97F3-2653-4C6E-80C2-9D8DBB2FF641}"/>
+              </a:ext>
+            </a:extLst>
+          </p:cNvPr>
+          <p:cNvSpPr>
+            <a:spLocks noGrp="1"/>
+          </p:cNvSpPr>
+          <p:nvPr>
+            <p:ph type="title"/>
+          </p:nvPr>
+        </p:nvSpPr>
+        <p:spPr/>
+        <p:txBody>
+          <a:bodyPr/>
+          <a:lstStyle/>
+          <a:p>
+            <a:r>
+              <a:rPr lang="de-AT" dirty="0"/>
+              <a:t>Deployment</a:t>
+            </a:r>
+            <a:endParaRPr lang="en-US" dirty="0"/>
+          </a:p>
+        </p:txBody>
+      </p:sp>
+      <p:sp>
+        <p:nvSpPr>
+          <p:cNvPr id="3" name="Content Placeholder 2">
+            <a:extLst>
+              <a:ext uri="{FF2B5EF4-FFF2-40B4-BE49-F238E27FC236}">
+                <a16:creationId xmlns:a16="http://schemas.microsoft.com/office/drawing/2014/main" id="{E8417546-AF84-464D-B9C9-7AE279074BE1}"/>
+              </a:ext>
+            </a:extLst>
+          </p:cNvPr>
+          <p:cNvSpPr>
+            <a:spLocks noGrp="1"/>
+          </p:cNvSpPr>
+          <p:nvPr>
+            <p:ph idx="1"/>
+          </p:nvPr>
+        </p:nvSpPr>
+        <p:spPr/>
+        <p:txBody>
+          <a:bodyPr/>
+          <a:lstStyle/>
+          <a:p>
+            <a:r>
+              <a:rPr lang="de-AT" dirty="0"/>
+              <a:t>Analysis Services on Premise</a:t>
+            </a:r>
+          </a:p>
+          <a:p>
+            <a:r>
+              <a:rPr lang="de-AT" dirty="0"/>
+              <a:t>Analysis Services Service in Azure</a:t>
+            </a:r>
+          </a:p>
+          <a:p>
+            <a:r>
+              <a:rPr lang="de-AT" dirty="0"/>
+              <a:t>Power BI Premium Service</a:t>
+            </a:r>
+            <a:endParaRPr lang="en-US" dirty="0"/>
+          </a:p>
+        </p:txBody>
+      </p:sp>
+      <p:sp>
+        <p:nvSpPr>
+          <p:cNvPr id="5" name="TextBox 4">
+            <a:extLst>
+              <a:ext uri="{FF2B5EF4-FFF2-40B4-BE49-F238E27FC236}">
+                <a16:creationId xmlns:a16="http://schemas.microsoft.com/office/drawing/2014/main" id="{6D14F06E-ADA7-4DA8-80DA-D2FB21CC83C3}"/>
+              </a:ext>
+            </a:extLst>
+          </p:cNvPr>
+          <p:cNvSpPr txBox="1"/>
+          <p:nvPr/>
+        </p:nvSpPr>
+        <p:spPr>
+          <a:xfrm>
+            <a:off x="838200" y="6080756"/>
+            <a:ext cx="11110472" cy="646331"/>
+          </a:xfrm>
+          <a:prstGeom prst="rect">
+            <a:avLst/>
+          </a:prstGeom>
+          <a:noFill/>
+        </p:spPr>
+        <p:txBody>
+          <a:bodyPr wrap="square">
+            <a:spAutoFit/>
+          </a:bodyPr>
+          <a:lstStyle/>
+          <a:p>
+            <a:r>
+              <a:rPr lang="en-US" dirty="0"/>
+              <a:t>https://docs.microsoft.com/en-us/analysis-services/deployment/deploy-from-visual-studio-tabular?view=asallproducts-allversions</a:t>
+            </a:r>
+          </a:p>
+        </p:txBody>
+      </p:sp>
+    </p:spTree>
+    <p:extLst>
+      <p:ext uri="{BB962C8B-B14F-4D97-AF65-F5344CB8AC3E}">
+        <p14:creationId xmlns:p14="http://schemas.microsoft.com/office/powerpoint/2010/main" val="2989899850"/>
       </p:ext>
     </p:extLst>
   </p:cSld>
@@ -15741,7 +17776,147 @@
           <p:cNvPr id="2" name="Title 1">
             <a:extLst>
               <a:ext uri="{FF2B5EF4-FFF2-40B4-BE49-F238E27FC236}">
-                <a16:creationId xmlns:a16="http://schemas.microsoft.com/office/drawing/2014/main" id="{393BBAEC-243A-42C1-B366-E7B267F024F9}"/>
+                <a16:creationId xmlns:a16="http://schemas.microsoft.com/office/drawing/2014/main" id="{E43A9477-7E33-4EA3-A56B-48F51E0F8CB7}"/>
+              </a:ext>
+            </a:extLst>
+          </p:cNvPr>
+          <p:cNvSpPr>
+            <a:spLocks noGrp="1"/>
+          </p:cNvSpPr>
+          <p:nvPr>
+            <p:ph type="ctrTitle"/>
+          </p:nvPr>
+        </p:nvSpPr>
+        <p:spPr/>
+        <p:txBody>
+          <a:bodyPr>
+            <a:normAutofit/>
+          </a:bodyPr>
+          <a:lstStyle/>
+          <a:p>
+            <a:r>
+              <a:rPr lang="de-AT" dirty="0"/>
+              <a:t>Tabular-Model for Financial Reporting</a:t>
+            </a:r>
+            <a:endParaRPr lang="en-US" dirty="0"/>
+          </a:p>
+        </p:txBody>
+      </p:sp>
+      <p:sp>
+        <p:nvSpPr>
+          <p:cNvPr id="3" name="Subtitle 2">
+            <a:extLst>
+              <a:ext uri="{FF2B5EF4-FFF2-40B4-BE49-F238E27FC236}">
+                <a16:creationId xmlns:a16="http://schemas.microsoft.com/office/drawing/2014/main" id="{716F2DA5-4CEE-41BC-9745-C38E9377E7A4}"/>
+              </a:ext>
+            </a:extLst>
+          </p:cNvPr>
+          <p:cNvSpPr>
+            <a:spLocks noGrp="1"/>
+          </p:cNvSpPr>
+          <p:nvPr>
+            <p:ph type="subTitle" idx="1"/>
+          </p:nvPr>
+        </p:nvSpPr>
+        <p:spPr/>
+        <p:txBody>
+          <a:bodyPr/>
+          <a:lstStyle/>
+          <a:p>
+            <a:r>
+              <a:rPr lang="de-AT" dirty="0"/>
+              <a:t>Short Introduction to DAX</a:t>
+            </a:r>
+          </a:p>
+          <a:p>
+            <a:endParaRPr lang="de-AT" dirty="0"/>
+          </a:p>
+          <a:p>
+            <a:endParaRPr lang="de-AT" dirty="0"/>
+          </a:p>
+          <a:p>
+            <a:endParaRPr lang="en-US" dirty="0"/>
+          </a:p>
+        </p:txBody>
+      </p:sp>
+      <p:sp>
+        <p:nvSpPr>
+          <p:cNvPr id="4" name="TextBox 3">
+            <a:extLst>
+              <a:ext uri="{FF2B5EF4-FFF2-40B4-BE49-F238E27FC236}">
+                <a16:creationId xmlns:a16="http://schemas.microsoft.com/office/drawing/2014/main" id="{622AB541-8D83-4DC9-97A3-3161C8A92D33}"/>
+              </a:ext>
+            </a:extLst>
+          </p:cNvPr>
+          <p:cNvSpPr txBox="1"/>
+          <p:nvPr/>
+        </p:nvSpPr>
+        <p:spPr>
+          <a:xfrm>
+            <a:off x="891348" y="5763025"/>
+            <a:ext cx="2565061" cy="646331"/>
+          </a:xfrm>
+          <a:prstGeom prst="rect">
+            <a:avLst/>
+          </a:prstGeom>
+          <a:noFill/>
+        </p:spPr>
+        <p:txBody>
+          <a:bodyPr wrap="none" rtlCol="0">
+            <a:spAutoFit/>
+          </a:bodyPr>
+          <a:lstStyle/>
+          <a:p>
+            <a:r>
+              <a:rPr lang="de-AT" dirty="0"/>
+              <a:t>Custom Workshop</a:t>
+            </a:r>
+          </a:p>
+          <a:p>
+            <a:r>
+              <a:rPr lang="de-AT" dirty="0"/>
+              <a:t>Lukas Steindl, 16.10.2020</a:t>
+            </a:r>
+            <a:endParaRPr lang="en-US" dirty="0"/>
+          </a:p>
+        </p:txBody>
+      </p:sp>
+    </p:spTree>
+    <p:extLst>
+      <p:ext uri="{BB962C8B-B14F-4D97-AF65-F5344CB8AC3E}">
+        <p14:creationId xmlns:p14="http://schemas.microsoft.com/office/powerpoint/2010/main" val="757803338"/>
+      </p:ext>
+    </p:extLst>
+  </p:cSld>
+  <p:clrMapOvr>
+    <a:masterClrMapping/>
+  </p:clrMapOvr>
+</p:sld>
+</file>
+
+<file path=ppt/slides/slide28.xml><?xml version="1.0" encoding="utf-8"?>
+<p:sld xmlns:a="http://schemas.openxmlformats.org/drawingml/2006/main" xmlns:r="http://schemas.openxmlformats.org/officeDocument/2006/relationships" xmlns:p="http://schemas.openxmlformats.org/presentationml/2006/main">
+  <p:cSld>
+    <p:spTree>
+      <p:nvGrpSpPr>
+        <p:cNvPr id="1" name=""/>
+        <p:cNvGrpSpPr/>
+        <p:nvPr/>
+      </p:nvGrpSpPr>
+      <p:grpSpPr>
+        <a:xfrm>
+          <a:off x="0" y="0"/>
+          <a:ext cx="0" cy="0"/>
+          <a:chOff x="0" y="0"/>
+          <a:chExt cx="0" cy="0"/>
+        </a:xfrm>
+      </p:grpSpPr>
+      <p:sp>
+        <p:nvSpPr>
+          <p:cNvPr id="2" name="Titel 1">
+            <a:extLst>
+              <a:ext uri="{FF2B5EF4-FFF2-40B4-BE49-F238E27FC236}">
+                <a16:creationId xmlns:a16="http://schemas.microsoft.com/office/drawing/2014/main" id="{5E17CAF5-1F2F-4C78-879C-A37E828E47F3}"/>
               </a:ext>
             </a:extLst>
           </p:cNvPr>
@@ -15758,19 +17933,19 @@
           <a:lstStyle/>
           <a:p>
             <a:r>
-              <a:rPr lang="de-AT" dirty="0"/>
-              <a:t>Calculation Groups</a:t>
-            </a:r>
-            <a:endParaRPr lang="en-US" dirty="0"/>
+              <a:rPr lang="en-US" dirty="0"/>
+              <a:t>Evaluation Context</a:t>
+            </a:r>
+            <a:endParaRPr lang="en-AT" dirty="0"/>
           </a:p>
         </p:txBody>
       </p:sp>
       <p:sp>
         <p:nvSpPr>
-          <p:cNvPr id="3" name="Content Placeholder 2">
+          <p:cNvPr id="3" name="Inhaltsplatzhalter 2">
             <a:extLst>
               <a:ext uri="{FF2B5EF4-FFF2-40B4-BE49-F238E27FC236}">
-                <a16:creationId xmlns:a16="http://schemas.microsoft.com/office/drawing/2014/main" id="{DCF03F16-6962-49B3-8958-57694FCA48D8}"/>
+                <a16:creationId xmlns:a16="http://schemas.microsoft.com/office/drawing/2014/main" id="{034D2214-8954-410B-ACBC-EE3ED7DF591C}"/>
               </a:ext>
             </a:extLst>
           </p:cNvPr>
@@ -15786,14 +17961,245 @@
           <a:bodyPr/>
           <a:lstStyle/>
           <a:p>
-            <a:endParaRPr lang="en-US"/>
+            <a:r>
+              <a:rPr lang="en-US" dirty="0"/>
+              <a:t>Row Context</a:t>
+            </a:r>
+          </a:p>
+          <a:p>
+            <a:r>
+              <a:rPr lang="en-US" dirty="0"/>
+              <a:t>Filter Context</a:t>
+            </a:r>
+          </a:p>
+          <a:p>
+            <a:endParaRPr lang="en-US" dirty="0"/>
+          </a:p>
+          <a:p>
+            <a:pPr marL="0" indent="0">
+              <a:buNone/>
+            </a:pPr>
+            <a:r>
+              <a:rPr lang="en-US" b="1" i="1" dirty="0"/>
+              <a:t>The filter context filters the model the row context iterates one table.</a:t>
+            </a:r>
+          </a:p>
+          <a:p>
+            <a:pPr marL="0" indent="0">
+              <a:buNone/>
+            </a:pPr>
+            <a:endParaRPr lang="en-US" b="1" i="1" dirty="0"/>
+          </a:p>
+          <a:p>
+            <a:pPr marL="0" indent="0">
+              <a:buNone/>
+            </a:pPr>
+            <a:endParaRPr lang="en-US" b="1" i="1" dirty="0"/>
+          </a:p>
+          <a:p>
+            <a:pPr marL="0" indent="0">
+              <a:buNone/>
+            </a:pPr>
+            <a:r>
+              <a:rPr lang="en-US" b="1" i="1" dirty="0"/>
+              <a:t>Source: Definite Guide to Dax – Marco Russo &amp; Alberto Ferrari</a:t>
+            </a:r>
           </a:p>
         </p:txBody>
       </p:sp>
     </p:spTree>
     <p:extLst>
       <p:ext uri="{BB962C8B-B14F-4D97-AF65-F5344CB8AC3E}">
-        <p14:creationId xmlns:p14="http://schemas.microsoft.com/office/powerpoint/2010/main" val="2203673731"/>
+        <p14:creationId xmlns:p14="http://schemas.microsoft.com/office/powerpoint/2010/main" val="2211469030"/>
+      </p:ext>
+    </p:extLst>
+  </p:cSld>
+  <p:clrMapOvr>
+    <a:masterClrMapping/>
+  </p:clrMapOvr>
+</p:sld>
+</file>
+
+<file path=ppt/slides/slide29.xml><?xml version="1.0" encoding="utf-8"?>
+<p:sld xmlns:a="http://schemas.openxmlformats.org/drawingml/2006/main" xmlns:r="http://schemas.openxmlformats.org/officeDocument/2006/relationships" xmlns:p="http://schemas.openxmlformats.org/presentationml/2006/main">
+  <p:cSld>
+    <p:spTree>
+      <p:nvGrpSpPr>
+        <p:cNvPr id="1" name=""/>
+        <p:cNvGrpSpPr/>
+        <p:nvPr/>
+      </p:nvGrpSpPr>
+      <p:grpSpPr>
+        <a:xfrm>
+          <a:off x="0" y="0"/>
+          <a:ext cx="0" cy="0"/>
+          <a:chOff x="0" y="0"/>
+          <a:chExt cx="0" cy="0"/>
+        </a:xfrm>
+      </p:grpSpPr>
+      <p:sp>
+        <p:nvSpPr>
+          <p:cNvPr id="2" name="Titel 1">
+            <a:extLst>
+              <a:ext uri="{FF2B5EF4-FFF2-40B4-BE49-F238E27FC236}">
+                <a16:creationId xmlns:a16="http://schemas.microsoft.com/office/drawing/2014/main" id="{509C9C1C-5460-420D-8FA6-3733B2505259}"/>
+              </a:ext>
+            </a:extLst>
+          </p:cNvPr>
+          <p:cNvSpPr>
+            <a:spLocks noGrp="1"/>
+          </p:cNvSpPr>
+          <p:nvPr>
+            <p:ph type="title"/>
+          </p:nvPr>
+        </p:nvSpPr>
+        <p:spPr/>
+        <p:txBody>
+          <a:bodyPr/>
+          <a:lstStyle/>
+          <a:p>
+            <a:r>
+              <a:rPr lang="en-US" dirty="0"/>
+              <a:t>Row Context</a:t>
+            </a:r>
+            <a:endParaRPr lang="en-AT" dirty="0"/>
+          </a:p>
+        </p:txBody>
+      </p:sp>
+      <p:sp>
+        <p:nvSpPr>
+          <p:cNvPr id="3" name="Inhaltsplatzhalter 2">
+            <a:extLst>
+              <a:ext uri="{FF2B5EF4-FFF2-40B4-BE49-F238E27FC236}">
+                <a16:creationId xmlns:a16="http://schemas.microsoft.com/office/drawing/2014/main" id="{CCCF49F7-8DB3-4BA8-84EE-32C281D323AC}"/>
+              </a:ext>
+            </a:extLst>
+          </p:cNvPr>
+          <p:cNvSpPr>
+            <a:spLocks noGrp="1"/>
+          </p:cNvSpPr>
+          <p:nvPr>
+            <p:ph idx="1"/>
+          </p:nvPr>
+        </p:nvSpPr>
+        <p:spPr/>
+        <p:txBody>
+          <a:bodyPr/>
+          <a:lstStyle/>
+          <a:p>
+            <a:r>
+              <a:rPr lang="en-US" dirty="0"/>
+              <a:t>is an iterator (like a cursor)</a:t>
+            </a:r>
+          </a:p>
+          <a:p>
+            <a:r>
+              <a:rPr lang="en-US" dirty="0"/>
+              <a:t>It scans a table and for each row allows an expression to access each column in that row. </a:t>
+            </a:r>
+          </a:p>
+          <a:p>
+            <a:endParaRPr lang="en-US" dirty="0"/>
+          </a:p>
+          <a:p>
+            <a:r>
+              <a:rPr lang="en-US" dirty="0"/>
+              <a:t>Example:</a:t>
+            </a:r>
+          </a:p>
+          <a:p>
+            <a:pPr marL="0" indent="0">
+              <a:buNone/>
+            </a:pPr>
+            <a:r>
+              <a:rPr lang="de-AT" sz="1800" dirty="0">
+                <a:solidFill>
+                  <a:srgbClr val="484848"/>
+                </a:solidFill>
+                <a:latin typeface="Tahoma" panose="020B0604030504040204" pitchFamily="34" charset="0"/>
+              </a:rPr>
+              <a:t>= </a:t>
+            </a:r>
+            <a:r>
+              <a:rPr lang="de-AT" sz="1800" dirty="0" err="1">
+                <a:solidFill>
+                  <a:srgbClr val="0000FF"/>
+                </a:solidFill>
+                <a:latin typeface="Tahoma" panose="020B0604030504040204" pitchFamily="34" charset="0"/>
+              </a:rPr>
+              <a:t>if</a:t>
+            </a:r>
+            <a:r>
+              <a:rPr lang="de-AT" sz="1800" dirty="0">
+                <a:solidFill>
+                  <a:srgbClr val="484848"/>
+                </a:solidFill>
+                <a:latin typeface="Tahoma" panose="020B0604030504040204" pitchFamily="34" charset="0"/>
+              </a:rPr>
+              <a:t> ([Bankleitzahl] = 33078; </a:t>
+            </a:r>
+            <a:r>
+              <a:rPr lang="de-AT" sz="1800" dirty="0">
+                <a:solidFill>
+                  <a:srgbClr val="A31515"/>
+                </a:solidFill>
+                <a:latin typeface="Tahoma" panose="020B0604030504040204" pitchFamily="34" charset="0"/>
+              </a:rPr>
+              <a:t>"</a:t>
+            </a:r>
+            <a:r>
+              <a:rPr lang="de-AT" sz="1800" dirty="0" err="1">
+                <a:solidFill>
+                  <a:srgbClr val="A31515"/>
+                </a:solidFill>
+                <a:latin typeface="Tahoma" panose="020B0604030504040204" pitchFamily="34" charset="0"/>
+              </a:rPr>
+              <a:t>Purbach</a:t>
+            </a:r>
+            <a:r>
+              <a:rPr lang="de-AT" sz="1800" dirty="0">
+                <a:solidFill>
+                  <a:srgbClr val="A31515"/>
+                </a:solidFill>
+                <a:latin typeface="Tahoma" panose="020B0604030504040204" pitchFamily="34" charset="0"/>
+              </a:rPr>
+              <a:t>"</a:t>
+            </a:r>
+            <a:r>
+              <a:rPr lang="de-AT" sz="1800" dirty="0">
+                <a:solidFill>
+                  <a:srgbClr val="484848"/>
+                </a:solidFill>
+                <a:latin typeface="Tahoma" panose="020B0604030504040204" pitchFamily="34" charset="0"/>
+              </a:rPr>
+              <a:t>;</a:t>
+            </a:r>
+            <a:r>
+              <a:rPr lang="de-AT" sz="1800" dirty="0">
+                <a:solidFill>
+                  <a:srgbClr val="A31515"/>
+                </a:solidFill>
+                <a:latin typeface="Tahoma" panose="020B0604030504040204" pitchFamily="34" charset="0"/>
+              </a:rPr>
+              <a:t>"Bruck"</a:t>
+            </a:r>
+            <a:r>
+              <a:rPr lang="de-AT" sz="1800" dirty="0">
+                <a:solidFill>
+                  <a:srgbClr val="484848"/>
+                </a:solidFill>
+                <a:latin typeface="Tahoma" panose="020B0604030504040204" pitchFamily="34" charset="0"/>
+              </a:rPr>
+              <a:t>)</a:t>
+            </a:r>
+            <a:endParaRPr lang="en-AT" dirty="0"/>
+          </a:p>
+        </p:txBody>
+      </p:sp>
+    </p:spTree>
+    <p:extLst>
+      <p:ext uri="{BB962C8B-B14F-4D97-AF65-F5344CB8AC3E}">
+        <p14:creationId xmlns:p14="http://schemas.microsoft.com/office/powerpoint/2010/main" val="793809967"/>
       </p:ext>
     </p:extLst>
   </p:cSld>
@@ -15934,6 +18340,630 @@
     <p:extLst>
       <p:ext uri="{BB962C8B-B14F-4D97-AF65-F5344CB8AC3E}">
         <p14:creationId xmlns:p14="http://schemas.microsoft.com/office/powerpoint/2010/main" val="2946617005"/>
+      </p:ext>
+    </p:extLst>
+  </p:cSld>
+  <p:clrMapOvr>
+    <a:masterClrMapping/>
+  </p:clrMapOvr>
+</p:sld>
+</file>
+
+<file path=ppt/slides/slide30.xml><?xml version="1.0" encoding="utf-8"?>
+<p:sld xmlns:a="http://schemas.openxmlformats.org/drawingml/2006/main" xmlns:r="http://schemas.openxmlformats.org/officeDocument/2006/relationships" xmlns:p="http://schemas.openxmlformats.org/presentationml/2006/main">
+  <p:cSld>
+    <p:spTree>
+      <p:nvGrpSpPr>
+        <p:cNvPr id="1" name=""/>
+        <p:cNvGrpSpPr/>
+        <p:nvPr/>
+      </p:nvGrpSpPr>
+      <p:grpSpPr>
+        <a:xfrm>
+          <a:off x="0" y="0"/>
+          <a:ext cx="0" cy="0"/>
+          <a:chOff x="0" y="0"/>
+          <a:chExt cx="0" cy="0"/>
+        </a:xfrm>
+      </p:grpSpPr>
+      <p:sp>
+        <p:nvSpPr>
+          <p:cNvPr id="2" name="Titel 1">
+            <a:extLst>
+              <a:ext uri="{FF2B5EF4-FFF2-40B4-BE49-F238E27FC236}">
+                <a16:creationId xmlns:a16="http://schemas.microsoft.com/office/drawing/2014/main" id="{1DE12003-E25E-4564-8BC3-C4424BD4B175}"/>
+              </a:ext>
+            </a:extLst>
+          </p:cNvPr>
+          <p:cNvSpPr>
+            <a:spLocks noGrp="1"/>
+          </p:cNvSpPr>
+          <p:nvPr>
+            <p:ph type="title"/>
+          </p:nvPr>
+        </p:nvSpPr>
+        <p:spPr/>
+        <p:txBody>
+          <a:bodyPr/>
+          <a:lstStyle/>
+          <a:p>
+            <a:r>
+              <a:rPr lang="en-US" dirty="0"/>
+              <a:t>Looking at our example again…</a:t>
+            </a:r>
+            <a:endParaRPr lang="en-AT" dirty="0"/>
+          </a:p>
+        </p:txBody>
+      </p:sp>
+      <p:sp>
+        <p:nvSpPr>
+          <p:cNvPr id="3" name="Inhaltsplatzhalter 2">
+            <a:extLst>
+              <a:ext uri="{FF2B5EF4-FFF2-40B4-BE49-F238E27FC236}">
+                <a16:creationId xmlns:a16="http://schemas.microsoft.com/office/drawing/2014/main" id="{6167DA70-C68C-4016-B06D-F5A4E9377E43}"/>
+              </a:ext>
+            </a:extLst>
+          </p:cNvPr>
+          <p:cNvSpPr>
+            <a:spLocks noGrp="1"/>
+          </p:cNvSpPr>
+          <p:nvPr>
+            <p:ph idx="1"/>
+          </p:nvPr>
+        </p:nvSpPr>
+        <p:spPr/>
+        <p:txBody>
+          <a:bodyPr/>
+          <a:lstStyle/>
+          <a:p>
+            <a:endParaRPr lang="en-AT"/>
+          </a:p>
+        </p:txBody>
+      </p:sp>
+      <p:pic>
+        <p:nvPicPr>
+          <p:cNvPr id="5" name="Grafik 4">
+            <a:extLst>
+              <a:ext uri="{FF2B5EF4-FFF2-40B4-BE49-F238E27FC236}">
+                <a16:creationId xmlns:a16="http://schemas.microsoft.com/office/drawing/2014/main" id="{5F438477-DE60-479B-AABF-E99F7EEBCB78}"/>
+              </a:ext>
+            </a:extLst>
+          </p:cNvPr>
+          <p:cNvPicPr>
+            <a:picLocks noChangeAspect="1"/>
+          </p:cNvPicPr>
+          <p:nvPr/>
+        </p:nvPicPr>
+        <p:blipFill>
+          <a:blip r:embed="rId2"/>
+          <a:stretch>
+            <a:fillRect/>
+          </a:stretch>
+        </p:blipFill>
+        <p:spPr>
+          <a:xfrm>
+            <a:off x="903041" y="1531337"/>
+            <a:ext cx="9017158" cy="5051328"/>
+          </a:xfrm>
+          <a:prstGeom prst="rect">
+            <a:avLst/>
+          </a:prstGeom>
+        </p:spPr>
+      </p:pic>
+    </p:spTree>
+    <p:extLst>
+      <p:ext uri="{BB962C8B-B14F-4D97-AF65-F5344CB8AC3E}">
+        <p14:creationId xmlns:p14="http://schemas.microsoft.com/office/powerpoint/2010/main" val="4218127552"/>
+      </p:ext>
+    </p:extLst>
+  </p:cSld>
+  <p:clrMapOvr>
+    <a:masterClrMapping/>
+  </p:clrMapOvr>
+</p:sld>
+</file>
+
+<file path=ppt/slides/slide31.xml><?xml version="1.0" encoding="utf-8"?>
+<p:sld xmlns:a="http://schemas.openxmlformats.org/drawingml/2006/main" xmlns:r="http://schemas.openxmlformats.org/officeDocument/2006/relationships" xmlns:p="http://schemas.openxmlformats.org/presentationml/2006/main">
+  <p:cSld>
+    <p:spTree>
+      <p:nvGrpSpPr>
+        <p:cNvPr id="1" name=""/>
+        <p:cNvGrpSpPr/>
+        <p:nvPr/>
+      </p:nvGrpSpPr>
+      <p:grpSpPr>
+        <a:xfrm>
+          <a:off x="0" y="0"/>
+          <a:ext cx="0" cy="0"/>
+          <a:chOff x="0" y="0"/>
+          <a:chExt cx="0" cy="0"/>
+        </a:xfrm>
+      </p:grpSpPr>
+      <p:sp>
+        <p:nvSpPr>
+          <p:cNvPr id="2" name="Titel 1">
+            <a:extLst>
+              <a:ext uri="{FF2B5EF4-FFF2-40B4-BE49-F238E27FC236}">
+                <a16:creationId xmlns:a16="http://schemas.microsoft.com/office/drawing/2014/main" id="{4B5C0D9E-3853-4E38-9B4D-1FE663453D79}"/>
+              </a:ext>
+            </a:extLst>
+          </p:cNvPr>
+          <p:cNvSpPr>
+            <a:spLocks noGrp="1"/>
+          </p:cNvSpPr>
+          <p:nvPr>
+            <p:ph type="title"/>
+          </p:nvPr>
+        </p:nvSpPr>
+        <p:spPr/>
+        <p:txBody>
+          <a:bodyPr/>
+          <a:lstStyle/>
+          <a:p>
+            <a:r>
+              <a:rPr lang="en-US" dirty="0"/>
+              <a:t>Filter Context</a:t>
+            </a:r>
+            <a:endParaRPr lang="en-AT" dirty="0"/>
+          </a:p>
+        </p:txBody>
+      </p:sp>
+      <p:pic>
+        <p:nvPicPr>
+          <p:cNvPr id="14" name="Grafik 13">
+            <a:extLst>
+              <a:ext uri="{FF2B5EF4-FFF2-40B4-BE49-F238E27FC236}">
+                <a16:creationId xmlns:a16="http://schemas.microsoft.com/office/drawing/2014/main" id="{DB666517-7E8F-42E8-BDDB-8B56D0D63B03}"/>
+              </a:ext>
+            </a:extLst>
+          </p:cNvPr>
+          <p:cNvPicPr>
+            <a:picLocks noChangeAspect="1"/>
+          </p:cNvPicPr>
+          <p:nvPr/>
+        </p:nvPicPr>
+        <p:blipFill>
+          <a:blip r:embed="rId2"/>
+          <a:stretch>
+            <a:fillRect/>
+          </a:stretch>
+        </p:blipFill>
+        <p:spPr>
+          <a:xfrm>
+            <a:off x="1046020" y="1699384"/>
+            <a:ext cx="6773827" cy="3459232"/>
+          </a:xfrm>
+          <a:prstGeom prst="rect">
+            <a:avLst/>
+          </a:prstGeom>
+        </p:spPr>
+      </p:pic>
+      <p:sp>
+        <p:nvSpPr>
+          <p:cNvPr id="6" name="Rechteck 5">
+            <a:extLst>
+              <a:ext uri="{FF2B5EF4-FFF2-40B4-BE49-F238E27FC236}">
+                <a16:creationId xmlns:a16="http://schemas.microsoft.com/office/drawing/2014/main" id="{65A7F534-A913-4D67-BE24-FC78B3EAC164}"/>
+              </a:ext>
+            </a:extLst>
+          </p:cNvPr>
+          <p:cNvSpPr/>
+          <p:nvPr/>
+        </p:nvSpPr>
+        <p:spPr>
+          <a:xfrm>
+            <a:off x="4004050" y="2612854"/>
+            <a:ext cx="477079" cy="205637"/>
+          </a:xfrm>
+          <a:prstGeom prst="rect">
+            <a:avLst/>
+          </a:prstGeom>
+          <a:noFill/>
+          <a:ln>
+            <a:solidFill>
+              <a:schemeClr val="accent2">
+                <a:lumMod val="75000"/>
+              </a:schemeClr>
+            </a:solidFill>
+          </a:ln>
+        </p:spPr>
+        <p:style>
+          <a:lnRef idx="2">
+            <a:schemeClr val="accent1"/>
+          </a:lnRef>
+          <a:fillRef idx="1">
+            <a:schemeClr val="lt1"/>
+          </a:fillRef>
+          <a:effectRef idx="0">
+            <a:schemeClr val="accent1"/>
+          </a:effectRef>
+          <a:fontRef idx="minor">
+            <a:schemeClr val="dk1"/>
+          </a:fontRef>
+        </p:style>
+        <p:txBody>
+          <a:bodyPr rtlCol="0" anchor="ctr"/>
+          <a:lstStyle/>
+          <a:p>
+            <a:pPr algn="ctr"/>
+            <a:endParaRPr lang="en-AT"/>
+          </a:p>
+        </p:txBody>
+      </p:sp>
+      <p:sp>
+        <p:nvSpPr>
+          <p:cNvPr id="16" name="Sprechblase: rechteckig 15">
+            <a:extLst>
+              <a:ext uri="{FF2B5EF4-FFF2-40B4-BE49-F238E27FC236}">
+                <a16:creationId xmlns:a16="http://schemas.microsoft.com/office/drawing/2014/main" id="{E982CE82-ED08-44AC-83FC-4270F0136F90}"/>
+              </a:ext>
+            </a:extLst>
+          </p:cNvPr>
+          <p:cNvSpPr/>
+          <p:nvPr/>
+        </p:nvSpPr>
+        <p:spPr>
+          <a:xfrm>
+            <a:off x="8700999" y="306693"/>
+            <a:ext cx="3112368" cy="4094922"/>
+          </a:xfrm>
+          <a:prstGeom prst="wedgeRectCallout">
+            <a:avLst>
+              <a:gd name="adj1" fmla="val -182855"/>
+              <a:gd name="adj2" fmla="val 9923"/>
+            </a:avLst>
+          </a:prstGeom>
+        </p:spPr>
+        <p:style>
+          <a:lnRef idx="2">
+            <a:schemeClr val="accent1">
+              <a:shade val="50000"/>
+            </a:schemeClr>
+          </a:lnRef>
+          <a:fillRef idx="1">
+            <a:schemeClr val="accent1"/>
+          </a:fillRef>
+          <a:effectRef idx="0">
+            <a:schemeClr val="accent1"/>
+          </a:effectRef>
+          <a:fontRef idx="minor">
+            <a:schemeClr val="lt1"/>
+          </a:fontRef>
+        </p:style>
+        <p:txBody>
+          <a:bodyPr rtlCol="0" anchor="ctr"/>
+          <a:lstStyle/>
+          <a:p>
+            <a:pPr algn="ctr"/>
+            <a:r>
+              <a:rPr lang="en-US" dirty="0"/>
+              <a:t>Filter Context for this cell:</a:t>
+            </a:r>
+          </a:p>
+          <a:p>
+            <a:pPr algn="ctr"/>
+            <a:endParaRPr lang="en-US" dirty="0"/>
+          </a:p>
+          <a:p>
+            <a:pPr algn="ctr"/>
+            <a:r>
+              <a:rPr lang="en-US" dirty="0"/>
+              <a:t>From Table </a:t>
+            </a:r>
+            <a:r>
+              <a:rPr lang="en-US" dirty="0" err="1"/>
+              <a:t>DimBuchungskonten</a:t>
+            </a:r>
+            <a:r>
+              <a:rPr lang="en-US" dirty="0"/>
+              <a:t> tuple: Column </a:t>
+            </a:r>
+            <a:r>
+              <a:rPr lang="en-US" dirty="0" err="1"/>
+              <a:t>Bezeichnung</a:t>
+            </a:r>
+            <a:r>
+              <a:rPr lang="en-US" dirty="0"/>
+              <a:t>: “</a:t>
+            </a:r>
+            <a:r>
+              <a:rPr lang="en-US" dirty="0" err="1"/>
+              <a:t>Eigenkapital</a:t>
+            </a:r>
+            <a:r>
+              <a:rPr lang="en-US" dirty="0"/>
+              <a:t>”</a:t>
+            </a:r>
+          </a:p>
+          <a:p>
+            <a:pPr algn="ctr"/>
+            <a:endParaRPr lang="en-US" dirty="0"/>
+          </a:p>
+          <a:p>
+            <a:pPr algn="ctr"/>
+            <a:r>
+              <a:rPr lang="en-US" dirty="0"/>
+              <a:t>From Table </a:t>
+            </a:r>
+            <a:r>
+              <a:rPr lang="en-US" dirty="0" err="1"/>
+              <a:t>FactBuchungen</a:t>
+            </a:r>
+            <a:r>
+              <a:rPr lang="en-US" dirty="0"/>
+              <a:t> Column </a:t>
+            </a:r>
+            <a:r>
+              <a:rPr lang="en-US" dirty="0" err="1"/>
+              <a:t>Bankleitzahl</a:t>
+            </a:r>
+            <a:r>
+              <a:rPr lang="en-US" dirty="0"/>
+              <a:t>: 33078</a:t>
+            </a:r>
+          </a:p>
+          <a:p>
+            <a:pPr algn="ctr"/>
+            <a:endParaRPr lang="en-US" dirty="0"/>
+          </a:p>
+          <a:p>
+            <a:pPr algn="ctr"/>
+            <a:r>
+              <a:rPr lang="en-US" dirty="0"/>
+              <a:t>From table  </a:t>
+            </a:r>
+            <a:r>
+              <a:rPr lang="en-US" dirty="0" err="1"/>
+              <a:t>DimDates</a:t>
+            </a:r>
+            <a:r>
+              <a:rPr lang="en-US" dirty="0"/>
+              <a:t> Column Year: 2020</a:t>
+            </a:r>
+            <a:endParaRPr lang="en-AT" dirty="0"/>
+          </a:p>
+        </p:txBody>
+      </p:sp>
+      <p:sp>
+        <p:nvSpPr>
+          <p:cNvPr id="18" name="Sprechblase: rechteckig 17">
+            <a:extLst>
+              <a:ext uri="{FF2B5EF4-FFF2-40B4-BE49-F238E27FC236}">
+                <a16:creationId xmlns:a16="http://schemas.microsoft.com/office/drawing/2014/main" id="{D0B8038D-CEC1-4763-879C-914ACA16920B}"/>
+              </a:ext>
+            </a:extLst>
+          </p:cNvPr>
+          <p:cNvSpPr/>
+          <p:nvPr/>
+        </p:nvSpPr>
+        <p:spPr>
+          <a:xfrm>
+            <a:off x="8756848" y="4651513"/>
+            <a:ext cx="3226904" cy="2056262"/>
+          </a:xfrm>
+          <a:prstGeom prst="wedgeRectCallout">
+            <a:avLst>
+              <a:gd name="adj1" fmla="val -180495"/>
+              <a:gd name="adj2" fmla="val -94906"/>
+            </a:avLst>
+          </a:prstGeom>
+        </p:spPr>
+        <p:style>
+          <a:lnRef idx="2">
+            <a:schemeClr val="accent1">
+              <a:shade val="50000"/>
+            </a:schemeClr>
+          </a:lnRef>
+          <a:fillRef idx="1">
+            <a:schemeClr val="accent1"/>
+          </a:fillRef>
+          <a:effectRef idx="0">
+            <a:schemeClr val="accent1"/>
+          </a:effectRef>
+          <a:fontRef idx="minor">
+            <a:schemeClr val="lt1"/>
+          </a:fontRef>
+        </p:style>
+        <p:txBody>
+          <a:bodyPr rtlCol="0" anchor="ctr"/>
+          <a:lstStyle/>
+          <a:p>
+            <a:pPr algn="ctr"/>
+            <a:r>
+              <a:rPr lang="en-US" dirty="0"/>
+              <a:t>Filter Context for this cell:</a:t>
+            </a:r>
+          </a:p>
+          <a:p>
+            <a:pPr algn="ctr"/>
+            <a:endParaRPr lang="en-US" dirty="0"/>
+          </a:p>
+          <a:p>
+            <a:pPr algn="ctr"/>
+            <a:r>
+              <a:rPr lang="en-US" dirty="0"/>
+              <a:t>From Table </a:t>
+            </a:r>
+            <a:r>
+              <a:rPr lang="en-US" dirty="0" err="1"/>
+              <a:t>FactBuchungen</a:t>
+            </a:r>
+            <a:r>
+              <a:rPr lang="en-US" dirty="0"/>
+              <a:t> Column </a:t>
+            </a:r>
+            <a:r>
+              <a:rPr lang="en-US" dirty="0" err="1"/>
+              <a:t>Bankleitzahl</a:t>
+            </a:r>
+            <a:r>
+              <a:rPr lang="en-US" dirty="0"/>
+              <a:t>: 33078</a:t>
+            </a:r>
+          </a:p>
+          <a:p>
+            <a:pPr algn="ctr"/>
+            <a:endParaRPr lang="en-US" dirty="0"/>
+          </a:p>
+          <a:p>
+            <a:pPr algn="ctr"/>
+            <a:r>
+              <a:rPr lang="en-US" dirty="0"/>
+              <a:t>From table  </a:t>
+            </a:r>
+            <a:r>
+              <a:rPr lang="en-US" dirty="0" err="1"/>
+              <a:t>DimDates</a:t>
+            </a:r>
+            <a:r>
+              <a:rPr lang="en-US" dirty="0"/>
+              <a:t> Column Year: 2020</a:t>
+            </a:r>
+            <a:endParaRPr lang="en-AT" dirty="0"/>
+          </a:p>
+        </p:txBody>
+      </p:sp>
+      <p:sp>
+        <p:nvSpPr>
+          <p:cNvPr id="20" name="Rechteck 19">
+            <a:extLst>
+              <a:ext uri="{FF2B5EF4-FFF2-40B4-BE49-F238E27FC236}">
+                <a16:creationId xmlns:a16="http://schemas.microsoft.com/office/drawing/2014/main" id="{D1DC6EC7-90A7-44E8-A9AE-C6F195ADF1FD}"/>
+              </a:ext>
+            </a:extLst>
+          </p:cNvPr>
+          <p:cNvSpPr/>
+          <p:nvPr/>
+        </p:nvSpPr>
+        <p:spPr>
+          <a:xfrm>
+            <a:off x="4004050" y="3526324"/>
+            <a:ext cx="477079" cy="205637"/>
+          </a:xfrm>
+          <a:prstGeom prst="rect">
+            <a:avLst/>
+          </a:prstGeom>
+          <a:noFill/>
+          <a:ln>
+            <a:solidFill>
+              <a:schemeClr val="accent2">
+                <a:lumMod val="75000"/>
+              </a:schemeClr>
+            </a:solidFill>
+          </a:ln>
+        </p:spPr>
+        <p:style>
+          <a:lnRef idx="2">
+            <a:schemeClr val="accent1"/>
+          </a:lnRef>
+          <a:fillRef idx="1">
+            <a:schemeClr val="lt1"/>
+          </a:fillRef>
+          <a:effectRef idx="0">
+            <a:schemeClr val="accent1"/>
+          </a:effectRef>
+          <a:fontRef idx="minor">
+            <a:schemeClr val="dk1"/>
+          </a:fontRef>
+        </p:style>
+        <p:txBody>
+          <a:bodyPr rtlCol="0" anchor="ctr"/>
+          <a:lstStyle/>
+          <a:p>
+            <a:pPr algn="ctr"/>
+            <a:endParaRPr lang="en-AT"/>
+          </a:p>
+        </p:txBody>
+      </p:sp>
+    </p:spTree>
+    <p:extLst>
+      <p:ext uri="{BB962C8B-B14F-4D97-AF65-F5344CB8AC3E}">
+        <p14:creationId xmlns:p14="http://schemas.microsoft.com/office/powerpoint/2010/main" val="3140871521"/>
+      </p:ext>
+    </p:extLst>
+  </p:cSld>
+  <p:clrMapOvr>
+    <a:masterClrMapping/>
+  </p:clrMapOvr>
+</p:sld>
+</file>
+
+<file path=ppt/slides/slide32.xml><?xml version="1.0" encoding="utf-8"?>
+<p:sld xmlns:a="http://schemas.openxmlformats.org/drawingml/2006/main" xmlns:r="http://schemas.openxmlformats.org/officeDocument/2006/relationships" xmlns:p="http://schemas.openxmlformats.org/presentationml/2006/main">
+  <p:cSld>
+    <p:spTree>
+      <p:nvGrpSpPr>
+        <p:cNvPr id="1" name=""/>
+        <p:cNvGrpSpPr/>
+        <p:nvPr/>
+      </p:nvGrpSpPr>
+      <p:grpSpPr>
+        <a:xfrm>
+          <a:off x="0" y="0"/>
+          <a:ext cx="0" cy="0"/>
+          <a:chOff x="0" y="0"/>
+          <a:chExt cx="0" cy="0"/>
+        </a:xfrm>
+      </p:grpSpPr>
+      <p:sp>
+        <p:nvSpPr>
+          <p:cNvPr id="2" name="Title 1">
+            <a:extLst>
+              <a:ext uri="{FF2B5EF4-FFF2-40B4-BE49-F238E27FC236}">
+                <a16:creationId xmlns:a16="http://schemas.microsoft.com/office/drawing/2014/main" id="{393BBAEC-243A-42C1-B366-E7B267F024F9}"/>
+              </a:ext>
+            </a:extLst>
+          </p:cNvPr>
+          <p:cNvSpPr>
+            <a:spLocks noGrp="1"/>
+          </p:cNvSpPr>
+          <p:nvPr>
+            <p:ph type="title"/>
+          </p:nvPr>
+        </p:nvSpPr>
+        <p:spPr/>
+        <p:txBody>
+          <a:bodyPr/>
+          <a:lstStyle/>
+          <a:p>
+            <a:r>
+              <a:rPr lang="de-AT" dirty="0"/>
+              <a:t>Calculation Groups</a:t>
+            </a:r>
+            <a:endParaRPr lang="en-US" dirty="0"/>
+          </a:p>
+        </p:txBody>
+      </p:sp>
+      <p:sp>
+        <p:nvSpPr>
+          <p:cNvPr id="3" name="Content Placeholder 2">
+            <a:extLst>
+              <a:ext uri="{FF2B5EF4-FFF2-40B4-BE49-F238E27FC236}">
+                <a16:creationId xmlns:a16="http://schemas.microsoft.com/office/drawing/2014/main" id="{DCF03F16-6962-49B3-8958-57694FCA48D8}"/>
+              </a:ext>
+            </a:extLst>
+          </p:cNvPr>
+          <p:cNvSpPr>
+            <a:spLocks noGrp="1"/>
+          </p:cNvSpPr>
+          <p:nvPr>
+            <p:ph idx="1"/>
+          </p:nvPr>
+        </p:nvSpPr>
+        <p:spPr/>
+        <p:txBody>
+          <a:bodyPr/>
+          <a:lstStyle/>
+          <a:p>
+            <a:endParaRPr lang="en-US"/>
+          </a:p>
+        </p:txBody>
+      </p:sp>
+    </p:spTree>
+    <p:extLst>
+      <p:ext uri="{BB962C8B-B14F-4D97-AF65-F5344CB8AC3E}">
+        <p14:creationId xmlns:p14="http://schemas.microsoft.com/office/powerpoint/2010/main" val="2203673731"/>
       </p:ext>
     </p:extLst>
   </p:cSld>
@@ -16338,7 +19368,9 @@
         </p:nvSpPr>
         <p:spPr/>
         <p:txBody>
-          <a:bodyPr/>
+          <a:bodyPr>
+            <a:normAutofit lnSpcReduction="10000"/>
+          </a:bodyPr>
           <a:lstStyle/>
           <a:p>
             <a:pPr marL="0" indent="0">
@@ -16352,8 +19384,166 @@
           <a:p>
             <a:r>
               <a:rPr lang="de-AT" dirty="0"/>
-              <a:t>Speaks DAX and MDX (for Queries)</a:t>
-            </a:r>
+              <a:t>Speaks DAX and MDX (for </a:t>
+            </a:r>
+            <a:r>
+              <a:rPr lang="de-AT" dirty="0" err="1"/>
+              <a:t>Queries</a:t>
+            </a:r>
+            <a:r>
+              <a:rPr lang="de-AT" dirty="0"/>
+              <a:t>)</a:t>
+            </a:r>
+          </a:p>
+          <a:p>
+            <a:r>
+              <a:rPr lang="de-AT" dirty="0" err="1"/>
+              <a:t>Requires</a:t>
+            </a:r>
+            <a:r>
+              <a:rPr lang="de-AT" dirty="0"/>
+              <a:t> clean </a:t>
+            </a:r>
+            <a:r>
+              <a:rPr lang="de-AT" dirty="0" err="1"/>
+              <a:t>single</a:t>
+            </a:r>
+            <a:r>
+              <a:rPr lang="de-AT" dirty="0"/>
+              <a:t> </a:t>
+            </a:r>
+            <a:r>
+              <a:rPr lang="de-AT" dirty="0" err="1"/>
+              <a:t>column</a:t>
+            </a:r>
+            <a:r>
+              <a:rPr lang="de-AT" dirty="0"/>
+              <a:t> </a:t>
+            </a:r>
+            <a:r>
+              <a:rPr lang="de-AT" dirty="0" err="1"/>
+              <a:t>surrogate</a:t>
+            </a:r>
+            <a:r>
+              <a:rPr lang="de-AT" dirty="0"/>
+              <a:t> </a:t>
+            </a:r>
+            <a:r>
+              <a:rPr lang="de-AT" dirty="0" err="1"/>
+              <a:t>keys</a:t>
+            </a:r>
+            <a:endParaRPr lang="de-AT" dirty="0"/>
+          </a:p>
+          <a:p>
+            <a:r>
+              <a:rPr lang="de-AT" dirty="0" err="1"/>
+              <a:t>No</a:t>
+            </a:r>
+            <a:r>
+              <a:rPr lang="de-AT" dirty="0"/>
+              <a:t> </a:t>
+            </a:r>
+            <a:r>
+              <a:rPr lang="de-AT" dirty="0" err="1"/>
+              <a:t>Dimensions</a:t>
+            </a:r>
+            <a:r>
+              <a:rPr lang="de-AT" dirty="0"/>
+              <a:t>, </a:t>
+            </a:r>
+            <a:r>
+              <a:rPr lang="de-AT" dirty="0" err="1"/>
+              <a:t>no</a:t>
+            </a:r>
+            <a:r>
+              <a:rPr lang="de-AT" dirty="0"/>
+              <a:t> Members, Model </a:t>
+            </a:r>
+            <a:r>
+              <a:rPr lang="de-AT" dirty="0" err="1"/>
+              <a:t>consists</a:t>
+            </a:r>
+            <a:r>
+              <a:rPr lang="de-AT" dirty="0"/>
+              <a:t> </a:t>
+            </a:r>
+            <a:r>
+              <a:rPr lang="de-AT" dirty="0" err="1"/>
+              <a:t>of</a:t>
+            </a:r>
+            <a:r>
+              <a:rPr lang="de-AT" dirty="0"/>
+              <a:t> </a:t>
+            </a:r>
+            <a:r>
+              <a:rPr lang="de-AT" dirty="0" err="1"/>
+              <a:t>tables</a:t>
+            </a:r>
+            <a:r>
+              <a:rPr lang="de-AT" dirty="0"/>
+              <a:t> and </a:t>
+            </a:r>
+            <a:r>
+              <a:rPr lang="de-AT" dirty="0" err="1"/>
+              <a:t>relationships</a:t>
+            </a:r>
+            <a:endParaRPr lang="de-AT" dirty="0"/>
+          </a:p>
+          <a:p>
+            <a:r>
+              <a:rPr lang="de-AT" dirty="0"/>
+              <a:t>TM </a:t>
+            </a:r>
+            <a:r>
+              <a:rPr lang="de-AT" dirty="0" err="1"/>
+              <a:t>uses</a:t>
+            </a:r>
+            <a:r>
+              <a:rPr lang="de-AT" dirty="0"/>
+              <a:t> Filters </a:t>
+            </a:r>
+            <a:r>
+              <a:rPr lang="de-AT" dirty="0" err="1"/>
+              <a:t>instead</a:t>
+            </a:r>
+            <a:r>
+              <a:rPr lang="de-AT" dirty="0"/>
+              <a:t> </a:t>
+            </a:r>
+            <a:r>
+              <a:rPr lang="de-AT" dirty="0" err="1"/>
+              <a:t>of</a:t>
+            </a:r>
+            <a:r>
+              <a:rPr lang="de-AT" dirty="0"/>
+              <a:t> </a:t>
+            </a:r>
+            <a:r>
+              <a:rPr lang="de-AT" dirty="0" err="1"/>
+              <a:t>using</a:t>
+            </a:r>
+            <a:r>
+              <a:rPr lang="de-AT" dirty="0"/>
+              <a:t> </a:t>
+            </a:r>
+            <a:r>
+              <a:rPr lang="de-AT" dirty="0" err="1"/>
+              <a:t>Hierarchies</a:t>
+            </a:r>
+            <a:r>
+              <a:rPr lang="de-AT" dirty="0"/>
+              <a:t> – Dax </a:t>
+            </a:r>
+            <a:r>
+              <a:rPr lang="de-AT" dirty="0" err="1"/>
+              <a:t>has</a:t>
+            </a:r>
+            <a:r>
+              <a:rPr lang="de-AT" dirty="0"/>
+              <a:t> </a:t>
+            </a:r>
+          </a:p>
+          <a:p>
             <a:endParaRPr lang="en-US" dirty="0"/>
           </a:p>
         </p:txBody>
@@ -16376,7 +19566,9 @@
         </p:nvSpPr>
         <p:spPr/>
         <p:txBody>
-          <a:bodyPr/>
+          <a:bodyPr>
+            <a:normAutofit lnSpcReduction="10000"/>
+          </a:bodyPr>
           <a:lstStyle/>
           <a:p>
             <a:pPr marL="0" indent="0">
@@ -16391,6 +19583,24 @@
             <a:r>
               <a:rPr lang="en-US" dirty="0"/>
               <a:t>Speaks MDX only</a:t>
+            </a:r>
+          </a:p>
+          <a:p>
+            <a:r>
+              <a:rPr lang="en-US" dirty="0"/>
+              <a:t>Can also work with composite keys</a:t>
+            </a:r>
+          </a:p>
+          <a:p>
+            <a:r>
+              <a:rPr lang="en-US" dirty="0"/>
+              <a:t>Model defines a multidimensional space </a:t>
+            </a:r>
+          </a:p>
+          <a:p>
+            <a:r>
+              <a:rPr lang="en-US" dirty="0"/>
+              <a:t>Hierarchies &amp; Scope are critical concepts</a:t>
             </a:r>
           </a:p>
         </p:txBody>
